--- a/files/ppt.pptx
+++ b/files/ppt.pptx
@@ -201,7 +201,7 @@
           <a:p>
             <a:fld id="{44B65459-4C01-9248-BDAA-F28591FAF6F5}" type="datetimeFigureOut">
               <a:rPr lang="en-US" smtClean="0"/>
-              <a:t>12/25/2024</a:t>
+              <a:t>3/5/2025</a:t>
             </a:fld>
             <a:endParaRPr lang="en-US"/>
           </a:p>
@@ -626,7 +626,7 @@
           <p:cNvPr id="2" name="Footer Placeholder 4">
             <a:extLst>
               <a:ext uri="{7E63DD45-CC51-4F78-BABB-1264CF0E28B7}">
-                <a16:creationId xmlns:a16="http://schemas.microsoft.com/office/drawing/2010/main" xmlns:vt="http://schemas.openxmlformats.org/officeDocument/2006/docPropsVTypes" xmlns:ns1="http://schemas.openxmlformats.org/officeDocument/2006/extended-properties" xmlns:cs="http://schemas.microsoft.com/office/drawing/2012/chartStyle" xmlns:c="http://schemas.openxmlformats.org/drawingml/2006/chart" xmlns="" id="{9F2FB918-20DE-4564-BCE0-CBCD6011E7F0}"/>
+                <a16:creationId xmlns="" xmlns:c="http://schemas.openxmlformats.org/drawingml/2006/chart" xmlns:cs="http://schemas.microsoft.com/office/drawing/2012/chartStyle" xmlns:ns1="http://schemas.openxmlformats.org/officeDocument/2006/extended-properties" xmlns:vt="http://schemas.openxmlformats.org/officeDocument/2006/docPropsVTypes" xmlns:a16="http://schemas.microsoft.com/office/drawing/2010/main" id="{9F2FB918-20DE-4564-BCE0-CBCD6011E7F0}"/>
               </a:ext>
             </a:extLst>
           </p:cNvPr>
@@ -656,7 +656,7 @@
           <p:cNvPr id="3" name="Slide Number Placeholder 5">
             <a:extLst>
               <a:ext uri="{0AE553BF-F3F1-4009-833F-5EE19CD499BA}">
-                <a16:creationId xmlns:a16="http://schemas.microsoft.com/office/drawing/2010/main" xmlns:vt="http://schemas.openxmlformats.org/officeDocument/2006/docPropsVTypes" xmlns:ns1="http://schemas.openxmlformats.org/officeDocument/2006/extended-properties" xmlns:cs="http://schemas.microsoft.com/office/drawing/2012/chartStyle" xmlns:c="http://schemas.openxmlformats.org/drawingml/2006/chart" xmlns="" id="{534723BC-317B-4B4F-8F8C-2394E5D6087C}"/>
+                <a16:creationId xmlns="" xmlns:c="http://schemas.openxmlformats.org/drawingml/2006/chart" xmlns:cs="http://schemas.microsoft.com/office/drawing/2012/chartStyle" xmlns:ns1="http://schemas.openxmlformats.org/officeDocument/2006/extended-properties" xmlns:vt="http://schemas.openxmlformats.org/officeDocument/2006/docPropsVTypes" xmlns:a16="http://schemas.microsoft.com/office/drawing/2010/main" id="{534723BC-317B-4B4F-8F8C-2394E5D6087C}"/>
               </a:ext>
             </a:extLst>
           </p:cNvPr>
@@ -686,7 +686,7 @@
           <p:cNvPr id="4" name="Date Placeholder 3">
             <a:extLst>
               <a:ext uri="{EE6DC50B-4624-4797-9AC0-058C9E89D076}">
-                <a16:creationId xmlns:a16="http://schemas.microsoft.com/office/drawing/2010/main" xmlns:vt="http://schemas.openxmlformats.org/officeDocument/2006/docPropsVTypes" xmlns:ns1="http://schemas.openxmlformats.org/officeDocument/2006/extended-properties" xmlns:cs="http://schemas.microsoft.com/office/drawing/2012/chartStyle" xmlns:c="http://schemas.openxmlformats.org/drawingml/2006/chart" xmlns="" id="{6DED6DBB-866E-4D6C-8AD3-75EEE3BCCE08}"/>
+                <a16:creationId xmlns="" xmlns:c="http://schemas.openxmlformats.org/drawingml/2006/chart" xmlns:cs="http://schemas.microsoft.com/office/drawing/2012/chartStyle" xmlns:ns1="http://schemas.openxmlformats.org/officeDocument/2006/extended-properties" xmlns:vt="http://schemas.openxmlformats.org/officeDocument/2006/docPropsVTypes" xmlns:a16="http://schemas.microsoft.com/office/drawing/2010/main" id="{6DED6DBB-866E-4D6C-8AD3-75EEE3BCCE08}"/>
               </a:ext>
             </a:extLst>
           </p:cNvPr>
@@ -714,7 +714,7 @@
     </p:spTree>
     <p:extLst>
       <p:ext uri="{0D6D7EE9-57A9-42B8-A21E-3BB2D55BDBFD}">
-        <p14:creationId xmlns:p14="http://schemas.microsoft.com/office/powerpoint/2010/main" xmlns:vt="http://schemas.openxmlformats.org/officeDocument/2006/docPropsVTypes" xmlns:ns1="http://schemas.openxmlformats.org/officeDocument/2006/extended-properties" xmlns:cs="http://schemas.microsoft.com/office/drawing/2012/chartStyle" xmlns:c="http://schemas.openxmlformats.org/drawingml/2006/chart" xmlns="" val="1725451570479"/>
+        <p14:creationId xmlns="" xmlns:c="http://schemas.openxmlformats.org/drawingml/2006/chart" xmlns:cs="http://schemas.microsoft.com/office/drawing/2012/chartStyle" xmlns:ns1="http://schemas.openxmlformats.org/officeDocument/2006/extended-properties" xmlns:vt="http://schemas.openxmlformats.org/officeDocument/2006/docPropsVTypes" xmlns:p14="http://schemas.microsoft.com/office/powerpoint/2010/main" val="1725451570479"/>
       </p:ext>
     </p:extLst>
   </p:cSld>
@@ -746,7 +746,7 @@
           <p:cNvPr id="4" name="PlaceHolder 1">
             <a:extLst>
               <a:ext uri="{22FBA574-9B94-4AEA-A13D-0DA1C4C895BA}">
-                <a16:creationId xmlns:a16="http://schemas.microsoft.com/office/drawing/2010/main" xmlns:vt="http://schemas.openxmlformats.org/officeDocument/2006/docPropsVTypes" xmlns:ns1="http://schemas.openxmlformats.org/officeDocument/2006/extended-properties" xmlns:cs="http://schemas.microsoft.com/office/drawing/2012/chartStyle" xmlns:c="http://schemas.openxmlformats.org/drawingml/2006/chart" xmlns="" id="{934E77A3-724D-4DB6-B26E-7B175E28D3C5}"/>
+                <a16:creationId xmlns="" xmlns:c="http://schemas.openxmlformats.org/drawingml/2006/chart" xmlns:cs="http://schemas.microsoft.com/office/drawing/2012/chartStyle" xmlns:ns1="http://schemas.openxmlformats.org/officeDocument/2006/extended-properties" xmlns:vt="http://schemas.openxmlformats.org/officeDocument/2006/docPropsVTypes" xmlns:a16="http://schemas.microsoft.com/office/drawing/2010/main" id="{934E77A3-724D-4DB6-B26E-7B175E28D3C5}"/>
               </a:ext>
             </a:extLst>
           </p:cNvPr>
@@ -786,7 +786,7 @@
           <p:cNvPr id="2" name="PlaceHolder 2">
             <a:extLst>
               <a:ext uri="{9C42F8D6-4596-465E-8F79-5A5E34848478}">
-                <a16:creationId xmlns:a16="http://schemas.microsoft.com/office/drawing/2010/main" xmlns:vt="http://schemas.openxmlformats.org/officeDocument/2006/docPropsVTypes" xmlns:ns1="http://schemas.openxmlformats.org/officeDocument/2006/extended-properties" xmlns:cs="http://schemas.microsoft.com/office/drawing/2012/chartStyle" xmlns:c="http://schemas.openxmlformats.org/drawingml/2006/chart" xmlns="" id="{CB9BF2F1-33A1-47FF-813E-8F0269CC1FA8}"/>
+                <a16:creationId xmlns="" xmlns:c="http://schemas.openxmlformats.org/drawingml/2006/chart" xmlns:cs="http://schemas.microsoft.com/office/drawing/2012/chartStyle" xmlns:ns1="http://schemas.openxmlformats.org/officeDocument/2006/extended-properties" xmlns:vt="http://schemas.openxmlformats.org/officeDocument/2006/docPropsVTypes" xmlns:a16="http://schemas.microsoft.com/office/drawing/2010/main" id="{CB9BF2F1-33A1-47FF-813E-8F0269CC1FA8}"/>
               </a:ext>
             </a:extLst>
           </p:cNvPr>
@@ -826,7 +826,7 @@
           <p:cNvPr id="3" name="PlaceHolder 3">
             <a:extLst>
               <a:ext uri="{BEFDF029-36C8-4DC2-85CD-310141B0A713}">
-                <a16:creationId xmlns:a16="http://schemas.microsoft.com/office/drawing/2010/main" xmlns:vt="http://schemas.openxmlformats.org/officeDocument/2006/docPropsVTypes" xmlns:ns1="http://schemas.openxmlformats.org/officeDocument/2006/extended-properties" xmlns:cs="http://schemas.microsoft.com/office/drawing/2012/chartStyle" xmlns:c="http://schemas.openxmlformats.org/drawingml/2006/chart" xmlns="" id="{53B37E69-46CC-432C-8045-CC987053A3F7}"/>
+                <a16:creationId xmlns="" xmlns:c="http://schemas.openxmlformats.org/drawingml/2006/chart" xmlns:cs="http://schemas.microsoft.com/office/drawing/2012/chartStyle" xmlns:ns1="http://schemas.openxmlformats.org/officeDocument/2006/extended-properties" xmlns:vt="http://schemas.openxmlformats.org/officeDocument/2006/docPropsVTypes" xmlns:a16="http://schemas.microsoft.com/office/drawing/2010/main" id="{53B37E69-46CC-432C-8045-CC987053A3F7}"/>
               </a:ext>
             </a:extLst>
           </p:cNvPr>
@@ -866,7 +866,7 @@
           <p:cNvPr id="5" name="Footer Placeholder 4">
             <a:extLst>
               <a:ext uri="{E567B75A-8D5E-4DBE-994E-89279D5BD25A}">
-                <a16:creationId xmlns:a16="http://schemas.microsoft.com/office/drawing/2010/main" xmlns:vt="http://schemas.openxmlformats.org/officeDocument/2006/docPropsVTypes" xmlns:ns1="http://schemas.openxmlformats.org/officeDocument/2006/extended-properties" xmlns:cs="http://schemas.microsoft.com/office/drawing/2012/chartStyle" xmlns:c="http://schemas.openxmlformats.org/drawingml/2006/chart" xmlns="" id="{B8676D2E-2ECB-41F0-A8CE-8BC4C9513C86}"/>
+                <a16:creationId xmlns="" xmlns:c="http://schemas.openxmlformats.org/drawingml/2006/chart" xmlns:cs="http://schemas.microsoft.com/office/drawing/2012/chartStyle" xmlns:ns1="http://schemas.openxmlformats.org/officeDocument/2006/extended-properties" xmlns:vt="http://schemas.openxmlformats.org/officeDocument/2006/docPropsVTypes" xmlns:a16="http://schemas.microsoft.com/office/drawing/2010/main" id="{B8676D2E-2ECB-41F0-A8CE-8BC4C9513C86}"/>
               </a:ext>
             </a:extLst>
           </p:cNvPr>
@@ -896,7 +896,7 @@
           <p:cNvPr id="6" name="Slide Number Placeholder 5">
             <a:extLst>
               <a:ext uri="{70540FFD-9ED9-4CD3-A79B-8EAD77BA2EEE}">
-                <a16:creationId xmlns:a16="http://schemas.microsoft.com/office/drawing/2010/main" xmlns:vt="http://schemas.openxmlformats.org/officeDocument/2006/docPropsVTypes" xmlns:ns1="http://schemas.openxmlformats.org/officeDocument/2006/extended-properties" xmlns:cs="http://schemas.microsoft.com/office/drawing/2012/chartStyle" xmlns:c="http://schemas.openxmlformats.org/drawingml/2006/chart" xmlns="" id="{925D7328-2E8C-45FE-99DC-223E6B6F8809}"/>
+                <a16:creationId xmlns="" xmlns:c="http://schemas.openxmlformats.org/drawingml/2006/chart" xmlns:cs="http://schemas.microsoft.com/office/drawing/2012/chartStyle" xmlns:ns1="http://schemas.openxmlformats.org/officeDocument/2006/extended-properties" xmlns:vt="http://schemas.openxmlformats.org/officeDocument/2006/docPropsVTypes" xmlns:a16="http://schemas.microsoft.com/office/drawing/2010/main" id="{925D7328-2E8C-45FE-99DC-223E6B6F8809}"/>
               </a:ext>
             </a:extLst>
           </p:cNvPr>
@@ -926,7 +926,7 @@
           <p:cNvPr id="7" name="Date Placeholder 3">
             <a:extLst>
               <a:ext uri="{9282D384-3708-4CCA-9483-AA504587240D}">
-                <a16:creationId xmlns:a16="http://schemas.microsoft.com/office/drawing/2010/main" xmlns:vt="http://schemas.openxmlformats.org/officeDocument/2006/docPropsVTypes" xmlns:ns1="http://schemas.openxmlformats.org/officeDocument/2006/extended-properties" xmlns:cs="http://schemas.microsoft.com/office/drawing/2012/chartStyle" xmlns:c="http://schemas.openxmlformats.org/drawingml/2006/chart" xmlns="" id="{387ADD13-CE1D-480B-BFAB-4F5BA51E3C3C}"/>
+                <a16:creationId xmlns="" xmlns:c="http://schemas.openxmlformats.org/drawingml/2006/chart" xmlns:cs="http://schemas.microsoft.com/office/drawing/2012/chartStyle" xmlns:ns1="http://schemas.openxmlformats.org/officeDocument/2006/extended-properties" xmlns:vt="http://schemas.openxmlformats.org/officeDocument/2006/docPropsVTypes" xmlns:a16="http://schemas.microsoft.com/office/drawing/2010/main" id="{387ADD13-CE1D-480B-BFAB-4F5BA51E3C3C}"/>
               </a:ext>
             </a:extLst>
           </p:cNvPr>
@@ -954,7 +954,7 @@
     </p:spTree>
     <p:extLst>
       <p:ext uri="{CB7523AE-2802-4065-A95A-82AC275418D5}">
-        <p14:creationId xmlns:p14="http://schemas.microsoft.com/office/powerpoint/2010/main" xmlns:vt="http://schemas.openxmlformats.org/officeDocument/2006/docPropsVTypes" xmlns:ns1="http://schemas.openxmlformats.org/officeDocument/2006/extended-properties" xmlns:cs="http://schemas.microsoft.com/office/drawing/2012/chartStyle" xmlns:c="http://schemas.openxmlformats.org/drawingml/2006/chart" xmlns="" val="1725451570494"/>
+        <p14:creationId xmlns="" xmlns:c="http://schemas.openxmlformats.org/drawingml/2006/chart" xmlns:cs="http://schemas.microsoft.com/office/drawing/2012/chartStyle" xmlns:ns1="http://schemas.openxmlformats.org/officeDocument/2006/extended-properties" xmlns:vt="http://schemas.openxmlformats.org/officeDocument/2006/docPropsVTypes" xmlns:p14="http://schemas.microsoft.com/office/powerpoint/2010/main" val="1725451570494"/>
       </p:ext>
     </p:extLst>
   </p:cSld>
@@ -986,7 +986,7 @@
           <p:cNvPr id="6" name="PlaceHolder 1">
             <a:extLst>
               <a:ext uri="{1B366A63-A644-4D84-A84D-99D0CB811973}">
-                <a16:creationId xmlns:a16="http://schemas.microsoft.com/office/drawing/2010/main" xmlns:vt="http://schemas.openxmlformats.org/officeDocument/2006/docPropsVTypes" xmlns:ns1="http://schemas.openxmlformats.org/officeDocument/2006/extended-properties" xmlns:cs="http://schemas.microsoft.com/office/drawing/2012/chartStyle" xmlns:c="http://schemas.openxmlformats.org/drawingml/2006/chart" xmlns="" id="{4DCCFC1F-3E4A-4E8D-AD58-B59ECAD59349}"/>
+                <a16:creationId xmlns="" xmlns:c="http://schemas.openxmlformats.org/drawingml/2006/chart" xmlns:cs="http://schemas.microsoft.com/office/drawing/2012/chartStyle" xmlns:ns1="http://schemas.openxmlformats.org/officeDocument/2006/extended-properties" xmlns:vt="http://schemas.openxmlformats.org/officeDocument/2006/docPropsVTypes" xmlns:a16="http://schemas.microsoft.com/office/drawing/2010/main" id="{4DCCFC1F-3E4A-4E8D-AD58-B59ECAD59349}"/>
               </a:ext>
             </a:extLst>
           </p:cNvPr>
@@ -1026,7 +1026,7 @@
           <p:cNvPr id="2" name="PlaceHolder 2">
             <a:extLst>
               <a:ext uri="{1BC96858-644B-4073-88DF-42ED299A04A6}">
-                <a16:creationId xmlns:a16="http://schemas.microsoft.com/office/drawing/2010/main" xmlns:vt="http://schemas.openxmlformats.org/officeDocument/2006/docPropsVTypes" xmlns:ns1="http://schemas.openxmlformats.org/officeDocument/2006/extended-properties" xmlns:cs="http://schemas.microsoft.com/office/drawing/2012/chartStyle" xmlns:c="http://schemas.openxmlformats.org/drawingml/2006/chart" xmlns="" id="{3239EF6A-5E06-4141-AEFF-C0F88FD717E4}"/>
+                <a16:creationId xmlns="" xmlns:c="http://schemas.openxmlformats.org/drawingml/2006/chart" xmlns:cs="http://schemas.microsoft.com/office/drawing/2012/chartStyle" xmlns:ns1="http://schemas.openxmlformats.org/officeDocument/2006/extended-properties" xmlns:vt="http://schemas.openxmlformats.org/officeDocument/2006/docPropsVTypes" xmlns:a16="http://schemas.microsoft.com/office/drawing/2010/main" id="{3239EF6A-5E06-4141-AEFF-C0F88FD717E4}"/>
               </a:ext>
             </a:extLst>
           </p:cNvPr>
@@ -1066,7 +1066,7 @@
           <p:cNvPr id="3" name="PlaceHolder 3">
             <a:extLst>
               <a:ext uri="{87A8D0EC-765A-409A-81E1-912F8BBEF20A}">
-                <a16:creationId xmlns:a16="http://schemas.microsoft.com/office/drawing/2010/main" xmlns:vt="http://schemas.openxmlformats.org/officeDocument/2006/docPropsVTypes" xmlns:ns1="http://schemas.openxmlformats.org/officeDocument/2006/extended-properties" xmlns:cs="http://schemas.microsoft.com/office/drawing/2012/chartStyle" xmlns:c="http://schemas.openxmlformats.org/drawingml/2006/chart" xmlns="" id="{76ACCCDC-23FE-4A4C-A6A4-7F7FC288CCDE}"/>
+                <a16:creationId xmlns="" xmlns:c="http://schemas.openxmlformats.org/drawingml/2006/chart" xmlns:cs="http://schemas.microsoft.com/office/drawing/2012/chartStyle" xmlns:ns1="http://schemas.openxmlformats.org/officeDocument/2006/extended-properties" xmlns:vt="http://schemas.openxmlformats.org/officeDocument/2006/docPropsVTypes" xmlns:a16="http://schemas.microsoft.com/office/drawing/2010/main" id="{76ACCCDC-23FE-4A4C-A6A4-7F7FC288CCDE}"/>
               </a:ext>
             </a:extLst>
           </p:cNvPr>
@@ -1106,7 +1106,7 @@
           <p:cNvPr id="4" name="PlaceHolder 4">
             <a:extLst>
               <a:ext uri="{44FD9CD4-F247-4785-9F60-46011E50FD29}">
-                <a16:creationId xmlns:a16="http://schemas.microsoft.com/office/drawing/2010/main" xmlns:vt="http://schemas.openxmlformats.org/officeDocument/2006/docPropsVTypes" xmlns:ns1="http://schemas.openxmlformats.org/officeDocument/2006/extended-properties" xmlns:cs="http://schemas.microsoft.com/office/drawing/2012/chartStyle" xmlns:c="http://schemas.openxmlformats.org/drawingml/2006/chart" xmlns="" id="{0AAD2FA7-9731-4937-A4D4-4EFAFB468F13}"/>
+                <a16:creationId xmlns="" xmlns:c="http://schemas.openxmlformats.org/drawingml/2006/chart" xmlns:cs="http://schemas.microsoft.com/office/drawing/2012/chartStyle" xmlns:ns1="http://schemas.openxmlformats.org/officeDocument/2006/extended-properties" xmlns:vt="http://schemas.openxmlformats.org/officeDocument/2006/docPropsVTypes" xmlns:a16="http://schemas.microsoft.com/office/drawing/2010/main" id="{0AAD2FA7-9731-4937-A4D4-4EFAFB468F13}"/>
               </a:ext>
             </a:extLst>
           </p:cNvPr>
@@ -1146,7 +1146,7 @@
           <p:cNvPr id="5" name="PlaceHolder 5">
             <a:extLst>
               <a:ext uri="{9EA5F664-08F5-4DE4-8CBB-7E143D270E01}">
-                <a16:creationId xmlns:a16="http://schemas.microsoft.com/office/drawing/2010/main" xmlns:vt="http://schemas.openxmlformats.org/officeDocument/2006/docPropsVTypes" xmlns:ns1="http://schemas.openxmlformats.org/officeDocument/2006/extended-properties" xmlns:cs="http://schemas.microsoft.com/office/drawing/2012/chartStyle" xmlns:c="http://schemas.openxmlformats.org/drawingml/2006/chart" xmlns="" id="{96FA0C3D-E728-406E-98BC-F596DEEAFF0F}"/>
+                <a16:creationId xmlns="" xmlns:c="http://schemas.openxmlformats.org/drawingml/2006/chart" xmlns:cs="http://schemas.microsoft.com/office/drawing/2012/chartStyle" xmlns:ns1="http://schemas.openxmlformats.org/officeDocument/2006/extended-properties" xmlns:vt="http://schemas.openxmlformats.org/officeDocument/2006/docPropsVTypes" xmlns:a16="http://schemas.microsoft.com/office/drawing/2010/main" id="{96FA0C3D-E728-406E-98BC-F596DEEAFF0F}"/>
               </a:ext>
             </a:extLst>
           </p:cNvPr>
@@ -1186,7 +1186,7 @@
           <p:cNvPr id="7" name="Footer Placeholder 4">
             <a:extLst>
               <a:ext uri="{EAB37F21-E633-465B-9D8C-3AE8CCD772A3}">
-                <a16:creationId xmlns:a16="http://schemas.microsoft.com/office/drawing/2010/main" xmlns:vt="http://schemas.openxmlformats.org/officeDocument/2006/docPropsVTypes" xmlns:ns1="http://schemas.openxmlformats.org/officeDocument/2006/extended-properties" xmlns:cs="http://schemas.microsoft.com/office/drawing/2012/chartStyle" xmlns:c="http://schemas.openxmlformats.org/drawingml/2006/chart" xmlns="" id="{7E6D50BF-8F8E-4768-AECF-DB280913CC49}"/>
+                <a16:creationId xmlns="" xmlns:c="http://schemas.openxmlformats.org/drawingml/2006/chart" xmlns:cs="http://schemas.microsoft.com/office/drawing/2012/chartStyle" xmlns:ns1="http://schemas.openxmlformats.org/officeDocument/2006/extended-properties" xmlns:vt="http://schemas.openxmlformats.org/officeDocument/2006/docPropsVTypes" xmlns:a16="http://schemas.microsoft.com/office/drawing/2010/main" id="{7E6D50BF-8F8E-4768-AECF-DB280913CC49}"/>
               </a:ext>
             </a:extLst>
           </p:cNvPr>
@@ -1216,7 +1216,7 @@
           <p:cNvPr id="8" name="Slide Number Placeholder 5">
             <a:extLst>
               <a:ext uri="{6667C576-D65C-467A-810C-E8556AE2D815}">
-                <a16:creationId xmlns:a16="http://schemas.microsoft.com/office/drawing/2010/main" xmlns:vt="http://schemas.openxmlformats.org/officeDocument/2006/docPropsVTypes" xmlns:ns1="http://schemas.openxmlformats.org/officeDocument/2006/extended-properties" xmlns:cs="http://schemas.microsoft.com/office/drawing/2012/chartStyle" xmlns:c="http://schemas.openxmlformats.org/drawingml/2006/chart" xmlns="" id="{ADDE0BC9-8C07-4F2E-BEF8-5DFEA320B70E}"/>
+                <a16:creationId xmlns="" xmlns:c="http://schemas.openxmlformats.org/drawingml/2006/chart" xmlns:cs="http://schemas.microsoft.com/office/drawing/2012/chartStyle" xmlns:ns1="http://schemas.openxmlformats.org/officeDocument/2006/extended-properties" xmlns:vt="http://schemas.openxmlformats.org/officeDocument/2006/docPropsVTypes" xmlns:a16="http://schemas.microsoft.com/office/drawing/2010/main" id="{ADDE0BC9-8C07-4F2E-BEF8-5DFEA320B70E}"/>
               </a:ext>
             </a:extLst>
           </p:cNvPr>
@@ -1246,7 +1246,7 @@
           <p:cNvPr id="9" name="Date Placeholder 3">
             <a:extLst>
               <a:ext uri="{D0895288-3648-49F7-9C94-B046D4AC1A83}">
-                <a16:creationId xmlns:a16="http://schemas.microsoft.com/office/drawing/2010/main" xmlns:vt="http://schemas.openxmlformats.org/officeDocument/2006/docPropsVTypes" xmlns:ns1="http://schemas.openxmlformats.org/officeDocument/2006/extended-properties" xmlns:cs="http://schemas.microsoft.com/office/drawing/2012/chartStyle" xmlns:c="http://schemas.openxmlformats.org/drawingml/2006/chart" xmlns="" id="{E47C921F-354C-428D-9523-DE727ECBCBD0}"/>
+                <a16:creationId xmlns="" xmlns:c="http://schemas.openxmlformats.org/drawingml/2006/chart" xmlns:cs="http://schemas.microsoft.com/office/drawing/2012/chartStyle" xmlns:ns1="http://schemas.openxmlformats.org/officeDocument/2006/extended-properties" xmlns:vt="http://schemas.openxmlformats.org/officeDocument/2006/docPropsVTypes" xmlns:a16="http://schemas.microsoft.com/office/drawing/2010/main" id="{E47C921F-354C-428D-9523-DE727ECBCBD0}"/>
               </a:ext>
             </a:extLst>
           </p:cNvPr>
@@ -1274,7 +1274,7 @@
     </p:spTree>
     <p:extLst>
       <p:ext uri="{3E1D7AC9-1663-4BA8-88E4-B98521B11BD6}">
-        <p14:creationId xmlns:p14="http://schemas.microsoft.com/office/powerpoint/2010/main" xmlns:vt="http://schemas.openxmlformats.org/officeDocument/2006/docPropsVTypes" xmlns:ns1="http://schemas.openxmlformats.org/officeDocument/2006/extended-properties" xmlns:cs="http://schemas.microsoft.com/office/drawing/2012/chartStyle" xmlns:c="http://schemas.openxmlformats.org/drawingml/2006/chart" xmlns="" val="1725451570495"/>
+        <p14:creationId xmlns="" xmlns:c="http://schemas.openxmlformats.org/drawingml/2006/chart" xmlns:cs="http://schemas.microsoft.com/office/drawing/2012/chartStyle" xmlns:ns1="http://schemas.openxmlformats.org/officeDocument/2006/extended-properties" xmlns:vt="http://schemas.openxmlformats.org/officeDocument/2006/docPropsVTypes" xmlns:p14="http://schemas.microsoft.com/office/powerpoint/2010/main" val="1725451570495"/>
       </p:ext>
     </p:extLst>
   </p:cSld>
@@ -1306,7 +1306,7 @@
           <p:cNvPr id="2" name="PlaceHolder 1">
             <a:extLst>
               <a:ext uri="{08891E17-CD5F-4AA3-9CC1-09E147BB51F2}">
-                <a16:creationId xmlns:a16="http://schemas.microsoft.com/office/drawing/2010/main" xmlns:vt="http://schemas.openxmlformats.org/officeDocument/2006/docPropsVTypes" xmlns:ns1="http://schemas.openxmlformats.org/officeDocument/2006/extended-properties" xmlns:cs="http://schemas.microsoft.com/office/drawing/2012/chartStyle" xmlns:c="http://schemas.openxmlformats.org/drawingml/2006/chart" xmlns="" id="{B6226487-336E-4232-83AB-B8C9DD13C2B6}"/>
+                <a16:creationId xmlns="" xmlns:c="http://schemas.openxmlformats.org/drawingml/2006/chart" xmlns:cs="http://schemas.microsoft.com/office/drawing/2012/chartStyle" xmlns:ns1="http://schemas.openxmlformats.org/officeDocument/2006/extended-properties" xmlns:vt="http://schemas.openxmlformats.org/officeDocument/2006/docPropsVTypes" xmlns:a16="http://schemas.microsoft.com/office/drawing/2010/main" id="{B6226487-336E-4232-83AB-B8C9DD13C2B6}"/>
               </a:ext>
             </a:extLst>
           </p:cNvPr>
@@ -1346,7 +1346,7 @@
           <p:cNvPr id="3" name="PlaceHolder 2">
             <a:extLst>
               <a:ext uri="{1186F3C7-A1EC-49AD-BD29-BC7B58B2596E}">
-                <a16:creationId xmlns:a16="http://schemas.microsoft.com/office/drawing/2010/main" xmlns:vt="http://schemas.openxmlformats.org/officeDocument/2006/docPropsVTypes" xmlns:ns1="http://schemas.openxmlformats.org/officeDocument/2006/extended-properties" xmlns:cs="http://schemas.microsoft.com/office/drawing/2012/chartStyle" xmlns:c="http://schemas.openxmlformats.org/drawingml/2006/chart" xmlns="" id="{B72DFF7F-7075-43E5-9F2B-D6DDF4D68F54}"/>
+                <a16:creationId xmlns="" xmlns:c="http://schemas.openxmlformats.org/drawingml/2006/chart" xmlns:cs="http://schemas.microsoft.com/office/drawing/2012/chartStyle" xmlns:ns1="http://schemas.openxmlformats.org/officeDocument/2006/extended-properties" xmlns:vt="http://schemas.openxmlformats.org/officeDocument/2006/docPropsVTypes" xmlns:a16="http://schemas.microsoft.com/office/drawing/2010/main" id="{B72DFF7F-7075-43E5-9F2B-D6DDF4D68F54}"/>
               </a:ext>
             </a:extLst>
           </p:cNvPr>
@@ -1386,7 +1386,7 @@
           <p:cNvPr id="4" name="PlaceHolder 3">
             <a:extLst>
               <a:ext uri="{B3EB62D3-044D-424C-BDFB-A03B5E6FDB71}">
-                <a16:creationId xmlns:a16="http://schemas.microsoft.com/office/drawing/2010/main" xmlns:vt="http://schemas.openxmlformats.org/officeDocument/2006/docPropsVTypes" xmlns:ns1="http://schemas.openxmlformats.org/officeDocument/2006/extended-properties" xmlns:cs="http://schemas.microsoft.com/office/drawing/2012/chartStyle" xmlns:c="http://schemas.openxmlformats.org/drawingml/2006/chart" xmlns="" id="{DF88E4CB-D7A6-46A9-B2EC-5BC1BEDCBA05}"/>
+                <a16:creationId xmlns="" xmlns:c="http://schemas.openxmlformats.org/drawingml/2006/chart" xmlns:cs="http://schemas.microsoft.com/office/drawing/2012/chartStyle" xmlns:ns1="http://schemas.openxmlformats.org/officeDocument/2006/extended-properties" xmlns:vt="http://schemas.openxmlformats.org/officeDocument/2006/docPropsVTypes" xmlns:a16="http://schemas.microsoft.com/office/drawing/2010/main" id="{DF88E4CB-D7A6-46A9-B2EC-5BC1BEDCBA05}"/>
               </a:ext>
             </a:extLst>
           </p:cNvPr>
@@ -1426,7 +1426,7 @@
           <p:cNvPr id="5" name="PlaceHolder 4">
             <a:extLst>
               <a:ext uri="{831AF208-D681-48FD-91B5-FAC71173B3BA}">
-                <a16:creationId xmlns:a16="http://schemas.microsoft.com/office/drawing/2010/main" xmlns:vt="http://schemas.openxmlformats.org/officeDocument/2006/docPropsVTypes" xmlns:ns1="http://schemas.openxmlformats.org/officeDocument/2006/extended-properties" xmlns:cs="http://schemas.microsoft.com/office/drawing/2012/chartStyle" xmlns:c="http://schemas.openxmlformats.org/drawingml/2006/chart" xmlns="" id="{9D0017C4-9FC3-4E80-8967-E5AF2D8C61C0}"/>
+                <a16:creationId xmlns="" xmlns:c="http://schemas.openxmlformats.org/drawingml/2006/chart" xmlns:cs="http://schemas.microsoft.com/office/drawing/2012/chartStyle" xmlns:ns1="http://schemas.openxmlformats.org/officeDocument/2006/extended-properties" xmlns:vt="http://schemas.openxmlformats.org/officeDocument/2006/docPropsVTypes" xmlns:a16="http://schemas.microsoft.com/office/drawing/2010/main" id="{9D0017C4-9FC3-4E80-8967-E5AF2D8C61C0}"/>
               </a:ext>
             </a:extLst>
           </p:cNvPr>
@@ -1466,7 +1466,7 @@
           <p:cNvPr id="6" name="PlaceHolder 5">
             <a:extLst>
               <a:ext uri="{E0D8C49F-300A-4955-B406-3BC25D57F4FB}">
-                <a16:creationId xmlns:a16="http://schemas.microsoft.com/office/drawing/2010/main" xmlns:vt="http://schemas.openxmlformats.org/officeDocument/2006/docPropsVTypes" xmlns:ns1="http://schemas.openxmlformats.org/officeDocument/2006/extended-properties" xmlns:cs="http://schemas.microsoft.com/office/drawing/2012/chartStyle" xmlns:c="http://schemas.openxmlformats.org/drawingml/2006/chart" xmlns="" id="{852378CF-AC34-4036-BC0B-69AEAD96021D}"/>
+                <a16:creationId xmlns="" xmlns:c="http://schemas.openxmlformats.org/drawingml/2006/chart" xmlns:cs="http://schemas.microsoft.com/office/drawing/2012/chartStyle" xmlns:ns1="http://schemas.openxmlformats.org/officeDocument/2006/extended-properties" xmlns:vt="http://schemas.openxmlformats.org/officeDocument/2006/docPropsVTypes" xmlns:a16="http://schemas.microsoft.com/office/drawing/2010/main" id="{852378CF-AC34-4036-BC0B-69AEAD96021D}"/>
               </a:ext>
             </a:extLst>
           </p:cNvPr>
@@ -1506,7 +1506,7 @@
           <p:cNvPr id="7" name="PlaceHolder 6">
             <a:extLst>
               <a:ext uri="{358E035D-9732-45DC-800C-C3156B670137}">
-                <a16:creationId xmlns:a16="http://schemas.microsoft.com/office/drawing/2010/main" xmlns:vt="http://schemas.openxmlformats.org/officeDocument/2006/docPropsVTypes" xmlns:ns1="http://schemas.openxmlformats.org/officeDocument/2006/extended-properties" xmlns:cs="http://schemas.microsoft.com/office/drawing/2012/chartStyle" xmlns:c="http://schemas.openxmlformats.org/drawingml/2006/chart" xmlns="" id="{71EBDC88-343A-492D-A4E5-A0C8AFA246A4}"/>
+                <a16:creationId xmlns="" xmlns:c="http://schemas.openxmlformats.org/drawingml/2006/chart" xmlns:cs="http://schemas.microsoft.com/office/drawing/2012/chartStyle" xmlns:ns1="http://schemas.openxmlformats.org/officeDocument/2006/extended-properties" xmlns:vt="http://schemas.openxmlformats.org/officeDocument/2006/docPropsVTypes" xmlns:a16="http://schemas.microsoft.com/office/drawing/2010/main" id="{71EBDC88-343A-492D-A4E5-A0C8AFA246A4}"/>
               </a:ext>
             </a:extLst>
           </p:cNvPr>
@@ -1546,7 +1546,7 @@
           <p:cNvPr id="8" name="PlaceHolder 7">
             <a:extLst>
               <a:ext uri="{3B951E5B-CAF1-44B3-8A0F-FA6D78F37898}">
-                <a16:creationId xmlns:a16="http://schemas.microsoft.com/office/drawing/2010/main" xmlns:vt="http://schemas.openxmlformats.org/officeDocument/2006/docPropsVTypes" xmlns:ns1="http://schemas.openxmlformats.org/officeDocument/2006/extended-properties" xmlns:cs="http://schemas.microsoft.com/office/drawing/2012/chartStyle" xmlns:c="http://schemas.openxmlformats.org/drawingml/2006/chart" xmlns="" id="{4775E1D5-C91C-41DB-86E8-5A26FEE31CA6}"/>
+                <a16:creationId xmlns="" xmlns:c="http://schemas.openxmlformats.org/drawingml/2006/chart" xmlns:cs="http://schemas.microsoft.com/office/drawing/2012/chartStyle" xmlns:ns1="http://schemas.openxmlformats.org/officeDocument/2006/extended-properties" xmlns:vt="http://schemas.openxmlformats.org/officeDocument/2006/docPropsVTypes" xmlns:a16="http://schemas.microsoft.com/office/drawing/2010/main" id="{4775E1D5-C91C-41DB-86E8-5A26FEE31CA6}"/>
               </a:ext>
             </a:extLst>
           </p:cNvPr>
@@ -1586,7 +1586,7 @@
           <p:cNvPr id="9" name="Footer Placeholder 4">
             <a:extLst>
               <a:ext uri="{6826CA5E-F7F2-419D-A296-E7A175223E62}">
-                <a16:creationId xmlns:a16="http://schemas.microsoft.com/office/drawing/2010/main" xmlns:vt="http://schemas.openxmlformats.org/officeDocument/2006/docPropsVTypes" xmlns:ns1="http://schemas.openxmlformats.org/officeDocument/2006/extended-properties" xmlns:cs="http://schemas.microsoft.com/office/drawing/2012/chartStyle" xmlns:c="http://schemas.openxmlformats.org/drawingml/2006/chart" xmlns="" id="{2018D69D-98C6-4720-8A0F-72C472C7D57D}"/>
+                <a16:creationId xmlns="" xmlns:c="http://schemas.openxmlformats.org/drawingml/2006/chart" xmlns:cs="http://schemas.microsoft.com/office/drawing/2012/chartStyle" xmlns:ns1="http://schemas.openxmlformats.org/officeDocument/2006/extended-properties" xmlns:vt="http://schemas.openxmlformats.org/officeDocument/2006/docPropsVTypes" xmlns:a16="http://schemas.microsoft.com/office/drawing/2010/main" id="{2018D69D-98C6-4720-8A0F-72C472C7D57D}"/>
               </a:ext>
             </a:extLst>
           </p:cNvPr>
@@ -1616,7 +1616,7 @@
           <p:cNvPr id="10" name="Slide Number Placeholder 5">
             <a:extLst>
               <a:ext uri="{5735E181-D9D1-4E91-A382-87BE39A74A5A}">
-                <a16:creationId xmlns:a16="http://schemas.microsoft.com/office/drawing/2010/main" xmlns:vt="http://schemas.openxmlformats.org/officeDocument/2006/docPropsVTypes" xmlns:ns1="http://schemas.openxmlformats.org/officeDocument/2006/extended-properties" xmlns:cs="http://schemas.microsoft.com/office/drawing/2012/chartStyle" xmlns:c="http://schemas.openxmlformats.org/drawingml/2006/chart" xmlns="" id="{42051B02-C900-479A-8739-B23A8E1A4B47}"/>
+                <a16:creationId xmlns="" xmlns:c="http://schemas.openxmlformats.org/drawingml/2006/chart" xmlns:cs="http://schemas.microsoft.com/office/drawing/2012/chartStyle" xmlns:ns1="http://schemas.openxmlformats.org/officeDocument/2006/extended-properties" xmlns:vt="http://schemas.openxmlformats.org/officeDocument/2006/docPropsVTypes" xmlns:a16="http://schemas.microsoft.com/office/drawing/2010/main" id="{42051B02-C900-479A-8739-B23A8E1A4B47}"/>
               </a:ext>
             </a:extLst>
           </p:cNvPr>
@@ -1646,7 +1646,7 @@
           <p:cNvPr id="11" name="Date Placeholder 3">
             <a:extLst>
               <a:ext uri="{812447E5-F796-4FE0-ACA4-A01EBB506474}">
-                <a16:creationId xmlns:a16="http://schemas.microsoft.com/office/drawing/2010/main" xmlns:vt="http://schemas.openxmlformats.org/officeDocument/2006/docPropsVTypes" xmlns:ns1="http://schemas.openxmlformats.org/officeDocument/2006/extended-properties" xmlns:cs="http://schemas.microsoft.com/office/drawing/2012/chartStyle" xmlns:c="http://schemas.openxmlformats.org/drawingml/2006/chart" xmlns="" id="{42ED3E93-A3EE-4035-B54C-512BFC62B3C6}"/>
+                <a16:creationId xmlns="" xmlns:c="http://schemas.openxmlformats.org/drawingml/2006/chart" xmlns:cs="http://schemas.microsoft.com/office/drawing/2012/chartStyle" xmlns:ns1="http://schemas.openxmlformats.org/officeDocument/2006/extended-properties" xmlns:vt="http://schemas.openxmlformats.org/officeDocument/2006/docPropsVTypes" xmlns:a16="http://schemas.microsoft.com/office/drawing/2010/main" id="{42ED3E93-A3EE-4035-B54C-512BFC62B3C6}"/>
               </a:ext>
             </a:extLst>
           </p:cNvPr>
@@ -1674,7 +1674,7 @@
     </p:spTree>
     <p:extLst>
       <p:ext uri="{3D1BB6E4-F09F-4773-AD3F-C6E005C125F6}">
-        <p14:creationId xmlns:p14="http://schemas.microsoft.com/office/powerpoint/2010/main" xmlns:vt="http://schemas.openxmlformats.org/officeDocument/2006/docPropsVTypes" xmlns:ns1="http://schemas.openxmlformats.org/officeDocument/2006/extended-properties" xmlns:cs="http://schemas.microsoft.com/office/drawing/2012/chartStyle" xmlns:c="http://schemas.openxmlformats.org/drawingml/2006/chart" xmlns="" val="1725451570497"/>
+        <p14:creationId xmlns="" xmlns:c="http://schemas.openxmlformats.org/drawingml/2006/chart" xmlns:cs="http://schemas.microsoft.com/office/drawing/2012/chartStyle" xmlns:ns1="http://schemas.openxmlformats.org/officeDocument/2006/extended-properties" xmlns:vt="http://schemas.openxmlformats.org/officeDocument/2006/docPropsVTypes" xmlns:p14="http://schemas.microsoft.com/office/powerpoint/2010/main" val="1725451570497"/>
       </p:ext>
     </p:extLst>
   </p:cSld>
@@ -1706,7 +1706,7 @@
           <p:cNvPr id="3" name="PlaceHolder 1">
             <a:extLst>
               <a:ext uri="{2950D799-F615-4E99-A0DC-7D7D1A8403D9}">
-                <a16:creationId xmlns:a16="http://schemas.microsoft.com/office/drawing/2010/main" xmlns:vt="http://schemas.openxmlformats.org/officeDocument/2006/docPropsVTypes" xmlns:ns1="http://schemas.openxmlformats.org/officeDocument/2006/extended-properties" xmlns:cs="http://schemas.microsoft.com/office/drawing/2012/chartStyle" xmlns:c="http://schemas.openxmlformats.org/drawingml/2006/chart" xmlns="" id="{E18E207C-6131-432B-80F2-2645A97604EA}"/>
+                <a16:creationId xmlns="" xmlns:c="http://schemas.openxmlformats.org/drawingml/2006/chart" xmlns:cs="http://schemas.microsoft.com/office/drawing/2012/chartStyle" xmlns:ns1="http://schemas.openxmlformats.org/officeDocument/2006/extended-properties" xmlns:vt="http://schemas.openxmlformats.org/officeDocument/2006/docPropsVTypes" xmlns:a16="http://schemas.microsoft.com/office/drawing/2010/main" id="{E18E207C-6131-432B-80F2-2645A97604EA}"/>
               </a:ext>
             </a:extLst>
           </p:cNvPr>
@@ -1746,7 +1746,7 @@
           <p:cNvPr id="2" name="PlaceHolder 2">
             <a:extLst>
               <a:ext uri="{A27C61CC-ECD2-4805-9D14-B58C1F564DF5}">
-                <a16:creationId xmlns:a16="http://schemas.microsoft.com/office/drawing/2010/main" xmlns:vt="http://schemas.openxmlformats.org/officeDocument/2006/docPropsVTypes" xmlns:ns1="http://schemas.openxmlformats.org/officeDocument/2006/extended-properties" xmlns:cs="http://schemas.microsoft.com/office/drawing/2012/chartStyle" xmlns:c="http://schemas.openxmlformats.org/drawingml/2006/chart" xmlns="" id="{1607AE31-8DC9-4C17-9850-72C1690A0690}"/>
+                <a16:creationId xmlns="" xmlns:c="http://schemas.openxmlformats.org/drawingml/2006/chart" xmlns:cs="http://schemas.microsoft.com/office/drawing/2012/chartStyle" xmlns:ns1="http://schemas.openxmlformats.org/officeDocument/2006/extended-properties" xmlns:vt="http://schemas.openxmlformats.org/officeDocument/2006/docPropsVTypes" xmlns:a16="http://schemas.microsoft.com/office/drawing/2010/main" id="{1607AE31-8DC9-4C17-9850-72C1690A0690}"/>
               </a:ext>
             </a:extLst>
           </p:cNvPr>
@@ -1784,7 +1784,7 @@
           <p:cNvPr id="4" name="Footer Placeholder 4">
             <a:extLst>
               <a:ext uri="{EBB34AAA-41BF-4C88-8545-2A8ADE8D350A}">
-                <a16:creationId xmlns:a16="http://schemas.microsoft.com/office/drawing/2010/main" xmlns:vt="http://schemas.openxmlformats.org/officeDocument/2006/docPropsVTypes" xmlns:ns1="http://schemas.openxmlformats.org/officeDocument/2006/extended-properties" xmlns:cs="http://schemas.microsoft.com/office/drawing/2012/chartStyle" xmlns:c="http://schemas.openxmlformats.org/drawingml/2006/chart" xmlns="" id="{9A90ADEB-0A0A-4BDB-A226-0460144F46AF}"/>
+                <a16:creationId xmlns="" xmlns:c="http://schemas.openxmlformats.org/drawingml/2006/chart" xmlns:cs="http://schemas.microsoft.com/office/drawing/2012/chartStyle" xmlns:ns1="http://schemas.openxmlformats.org/officeDocument/2006/extended-properties" xmlns:vt="http://schemas.openxmlformats.org/officeDocument/2006/docPropsVTypes" xmlns:a16="http://schemas.microsoft.com/office/drawing/2010/main" id="{9A90ADEB-0A0A-4BDB-A226-0460144F46AF}"/>
               </a:ext>
             </a:extLst>
           </p:cNvPr>
@@ -1814,7 +1814,7 @@
           <p:cNvPr id="5" name="Slide Number Placeholder 5">
             <a:extLst>
               <a:ext uri="{96E54BC4-D2A4-4080-8365-F65BC4F11B66}">
-                <a16:creationId xmlns:a16="http://schemas.microsoft.com/office/drawing/2010/main" xmlns:vt="http://schemas.openxmlformats.org/officeDocument/2006/docPropsVTypes" xmlns:ns1="http://schemas.openxmlformats.org/officeDocument/2006/extended-properties" xmlns:cs="http://schemas.microsoft.com/office/drawing/2012/chartStyle" xmlns:c="http://schemas.openxmlformats.org/drawingml/2006/chart" xmlns="" id="{ADF2CA95-2CD0-4B6F-9125-388D9E7E5AF6}"/>
+                <a16:creationId xmlns="" xmlns:c="http://schemas.openxmlformats.org/drawingml/2006/chart" xmlns:cs="http://schemas.microsoft.com/office/drawing/2012/chartStyle" xmlns:ns1="http://schemas.openxmlformats.org/officeDocument/2006/extended-properties" xmlns:vt="http://schemas.openxmlformats.org/officeDocument/2006/docPropsVTypes" xmlns:a16="http://schemas.microsoft.com/office/drawing/2010/main" id="{ADF2CA95-2CD0-4B6F-9125-388D9E7E5AF6}"/>
               </a:ext>
             </a:extLst>
           </p:cNvPr>
@@ -1844,7 +1844,7 @@
           <p:cNvPr id="6" name="Date Placeholder 3">
             <a:extLst>
               <a:ext uri="{E316BDAF-A48F-421D-9214-CCCCAC2F5595}">
-                <a16:creationId xmlns:a16="http://schemas.microsoft.com/office/drawing/2010/main" xmlns:vt="http://schemas.openxmlformats.org/officeDocument/2006/docPropsVTypes" xmlns:ns1="http://schemas.openxmlformats.org/officeDocument/2006/extended-properties" xmlns:cs="http://schemas.microsoft.com/office/drawing/2012/chartStyle" xmlns:c="http://schemas.openxmlformats.org/drawingml/2006/chart" xmlns="" id="{A00FC1B0-D9C6-430E-A73F-ACAFD2A7AE8E}"/>
+                <a16:creationId xmlns="" xmlns:c="http://schemas.openxmlformats.org/drawingml/2006/chart" xmlns:cs="http://schemas.microsoft.com/office/drawing/2012/chartStyle" xmlns:ns1="http://schemas.openxmlformats.org/officeDocument/2006/extended-properties" xmlns:vt="http://schemas.openxmlformats.org/officeDocument/2006/docPropsVTypes" xmlns:a16="http://schemas.microsoft.com/office/drawing/2010/main" id="{A00FC1B0-D9C6-430E-A73F-ACAFD2A7AE8E}"/>
               </a:ext>
             </a:extLst>
           </p:cNvPr>
@@ -1872,7 +1872,7 @@
     </p:spTree>
     <p:extLst>
       <p:ext uri="{BCE9C86C-EF4C-4E28-9B30-98C9E8A8CFBA}">
-        <p14:creationId xmlns:p14="http://schemas.microsoft.com/office/powerpoint/2010/main" xmlns:vt="http://schemas.openxmlformats.org/officeDocument/2006/docPropsVTypes" xmlns:ns1="http://schemas.openxmlformats.org/officeDocument/2006/extended-properties" xmlns:cs="http://schemas.microsoft.com/office/drawing/2012/chartStyle" xmlns:c="http://schemas.openxmlformats.org/drawingml/2006/chart" xmlns="" val="1725451570480"/>
+        <p14:creationId xmlns="" xmlns:c="http://schemas.openxmlformats.org/drawingml/2006/chart" xmlns:cs="http://schemas.microsoft.com/office/drawing/2012/chartStyle" xmlns:ns1="http://schemas.openxmlformats.org/officeDocument/2006/extended-properties" xmlns:vt="http://schemas.openxmlformats.org/officeDocument/2006/docPropsVTypes" xmlns:p14="http://schemas.microsoft.com/office/powerpoint/2010/main" val="1725451570480"/>
       </p:ext>
     </p:extLst>
   </p:cSld>
@@ -1904,7 +1904,7 @@
           <p:cNvPr id="3" name="PlaceHolder 1">
             <a:extLst>
               <a:ext uri="{58360F47-5846-4DC5-A3A5-E28EF795EDD2}">
-                <a16:creationId xmlns:a16="http://schemas.microsoft.com/office/drawing/2010/main" xmlns:vt="http://schemas.openxmlformats.org/officeDocument/2006/docPropsVTypes" xmlns:ns1="http://schemas.openxmlformats.org/officeDocument/2006/extended-properties" xmlns:cs="http://schemas.microsoft.com/office/drawing/2012/chartStyle" xmlns:c="http://schemas.openxmlformats.org/drawingml/2006/chart" xmlns="" id="{A3A716A7-424D-421A-82EC-E30C44A06514}"/>
+                <a16:creationId xmlns="" xmlns:c="http://schemas.openxmlformats.org/drawingml/2006/chart" xmlns:cs="http://schemas.microsoft.com/office/drawing/2012/chartStyle" xmlns:ns1="http://schemas.openxmlformats.org/officeDocument/2006/extended-properties" xmlns:vt="http://schemas.openxmlformats.org/officeDocument/2006/docPropsVTypes" xmlns:a16="http://schemas.microsoft.com/office/drawing/2010/main" id="{A3A716A7-424D-421A-82EC-E30C44A06514}"/>
               </a:ext>
             </a:extLst>
           </p:cNvPr>
@@ -1944,7 +1944,7 @@
           <p:cNvPr id="2" name="PlaceHolder 2">
             <a:extLst>
               <a:ext uri="{63BF9830-3C9F-4B53-A35E-6B6D3DEFE7A2}">
-                <a16:creationId xmlns:a16="http://schemas.microsoft.com/office/drawing/2010/main" xmlns:vt="http://schemas.openxmlformats.org/officeDocument/2006/docPropsVTypes" xmlns:ns1="http://schemas.openxmlformats.org/officeDocument/2006/extended-properties" xmlns:cs="http://schemas.microsoft.com/office/drawing/2012/chartStyle" xmlns:c="http://schemas.openxmlformats.org/drawingml/2006/chart" xmlns="" id="{4C5B09C9-5044-4A49-A5A4-7BF8A4FAFDD2}"/>
+                <a16:creationId xmlns="" xmlns:c="http://schemas.openxmlformats.org/drawingml/2006/chart" xmlns:cs="http://schemas.microsoft.com/office/drawing/2012/chartStyle" xmlns:ns1="http://schemas.openxmlformats.org/officeDocument/2006/extended-properties" xmlns:vt="http://schemas.openxmlformats.org/officeDocument/2006/docPropsVTypes" xmlns:a16="http://schemas.microsoft.com/office/drawing/2010/main" id="{4C5B09C9-5044-4A49-A5A4-7BF8A4FAFDD2}"/>
               </a:ext>
             </a:extLst>
           </p:cNvPr>
@@ -1984,7 +1984,7 @@
           <p:cNvPr id="4" name="Footer Placeholder 4">
             <a:extLst>
               <a:ext uri="{824E1FBA-25FC-4050-ADA7-340111342E51}">
-                <a16:creationId xmlns:a16="http://schemas.microsoft.com/office/drawing/2010/main" xmlns:vt="http://schemas.openxmlformats.org/officeDocument/2006/docPropsVTypes" xmlns:ns1="http://schemas.openxmlformats.org/officeDocument/2006/extended-properties" xmlns:cs="http://schemas.microsoft.com/office/drawing/2012/chartStyle" xmlns:c="http://schemas.openxmlformats.org/drawingml/2006/chart" xmlns="" id="{E6D06663-A7BB-4A32-95CB-99A1FE75DE66}"/>
+                <a16:creationId xmlns="" xmlns:c="http://schemas.openxmlformats.org/drawingml/2006/chart" xmlns:cs="http://schemas.microsoft.com/office/drawing/2012/chartStyle" xmlns:ns1="http://schemas.openxmlformats.org/officeDocument/2006/extended-properties" xmlns:vt="http://schemas.openxmlformats.org/officeDocument/2006/docPropsVTypes" xmlns:a16="http://schemas.microsoft.com/office/drawing/2010/main" id="{E6D06663-A7BB-4A32-95CB-99A1FE75DE66}"/>
               </a:ext>
             </a:extLst>
           </p:cNvPr>
@@ -2014,7 +2014,7 @@
           <p:cNvPr id="5" name="Slide Number Placeholder 5">
             <a:extLst>
               <a:ext uri="{D4CDF396-15D1-401B-990E-48D7255BA729}">
-                <a16:creationId xmlns:a16="http://schemas.microsoft.com/office/drawing/2010/main" xmlns:vt="http://schemas.openxmlformats.org/officeDocument/2006/docPropsVTypes" xmlns:ns1="http://schemas.openxmlformats.org/officeDocument/2006/extended-properties" xmlns:cs="http://schemas.microsoft.com/office/drawing/2012/chartStyle" xmlns:c="http://schemas.openxmlformats.org/drawingml/2006/chart" xmlns="" id="{3A968CD0-8B3E-48E7-A45C-D14A8ECC50EA}"/>
+                <a16:creationId xmlns="" xmlns:c="http://schemas.openxmlformats.org/drawingml/2006/chart" xmlns:cs="http://schemas.microsoft.com/office/drawing/2012/chartStyle" xmlns:ns1="http://schemas.openxmlformats.org/officeDocument/2006/extended-properties" xmlns:vt="http://schemas.openxmlformats.org/officeDocument/2006/docPropsVTypes" xmlns:a16="http://schemas.microsoft.com/office/drawing/2010/main" id="{3A968CD0-8B3E-48E7-A45C-D14A8ECC50EA}"/>
               </a:ext>
             </a:extLst>
           </p:cNvPr>
@@ -2044,7 +2044,7 @@
           <p:cNvPr id="6" name="Date Placeholder 3">
             <a:extLst>
               <a:ext uri="{4A6A4CEA-5FCA-4E79-A958-8288D64D2BA9}">
-                <a16:creationId xmlns:a16="http://schemas.microsoft.com/office/drawing/2010/main" xmlns:vt="http://schemas.openxmlformats.org/officeDocument/2006/docPropsVTypes" xmlns:ns1="http://schemas.openxmlformats.org/officeDocument/2006/extended-properties" xmlns:cs="http://schemas.microsoft.com/office/drawing/2012/chartStyle" xmlns:c="http://schemas.openxmlformats.org/drawingml/2006/chart" xmlns="" id="{BAC79841-9D30-4C4B-9931-BF9FC3120F99}"/>
+                <a16:creationId xmlns="" xmlns:c="http://schemas.openxmlformats.org/drawingml/2006/chart" xmlns:cs="http://schemas.microsoft.com/office/drawing/2012/chartStyle" xmlns:ns1="http://schemas.openxmlformats.org/officeDocument/2006/extended-properties" xmlns:vt="http://schemas.openxmlformats.org/officeDocument/2006/docPropsVTypes" xmlns:a16="http://schemas.microsoft.com/office/drawing/2010/main" id="{BAC79841-9D30-4C4B-9931-BF9FC3120F99}"/>
               </a:ext>
             </a:extLst>
           </p:cNvPr>
@@ -2072,7 +2072,7 @@
     </p:spTree>
     <p:extLst>
       <p:ext uri="{4D9904C7-8D42-4658-BF97-3005AAAE0111}">
-        <p14:creationId xmlns:p14="http://schemas.microsoft.com/office/powerpoint/2010/main" xmlns:vt="http://schemas.openxmlformats.org/officeDocument/2006/docPropsVTypes" xmlns:ns1="http://schemas.openxmlformats.org/officeDocument/2006/extended-properties" xmlns:cs="http://schemas.microsoft.com/office/drawing/2012/chartStyle" xmlns:c="http://schemas.openxmlformats.org/drawingml/2006/chart" xmlns="" val="1725451570482"/>
+        <p14:creationId xmlns="" xmlns:c="http://schemas.openxmlformats.org/drawingml/2006/chart" xmlns:cs="http://schemas.microsoft.com/office/drawing/2012/chartStyle" xmlns:ns1="http://schemas.openxmlformats.org/officeDocument/2006/extended-properties" xmlns:vt="http://schemas.openxmlformats.org/officeDocument/2006/docPropsVTypes" xmlns:p14="http://schemas.microsoft.com/office/powerpoint/2010/main" val="1725451570482"/>
       </p:ext>
     </p:extLst>
   </p:cSld>
@@ -2104,7 +2104,7 @@
           <p:cNvPr id="4" name="PlaceHolder 1">
             <a:extLst>
               <a:ext uri="{A9941F11-08FE-4DD2-B111-B62B25D6F2E7}">
-                <a16:creationId xmlns:a16="http://schemas.microsoft.com/office/drawing/2010/main" xmlns:vt="http://schemas.openxmlformats.org/officeDocument/2006/docPropsVTypes" xmlns:ns1="http://schemas.openxmlformats.org/officeDocument/2006/extended-properties" xmlns:cs="http://schemas.microsoft.com/office/drawing/2012/chartStyle" xmlns:c="http://schemas.openxmlformats.org/drawingml/2006/chart" xmlns="" id="{51671CE5-C429-4468-86A4-4F3972E172AB}"/>
+                <a16:creationId xmlns="" xmlns:c="http://schemas.openxmlformats.org/drawingml/2006/chart" xmlns:cs="http://schemas.microsoft.com/office/drawing/2012/chartStyle" xmlns:ns1="http://schemas.openxmlformats.org/officeDocument/2006/extended-properties" xmlns:vt="http://schemas.openxmlformats.org/officeDocument/2006/docPropsVTypes" xmlns:a16="http://schemas.microsoft.com/office/drawing/2010/main" id="{51671CE5-C429-4468-86A4-4F3972E172AB}"/>
               </a:ext>
             </a:extLst>
           </p:cNvPr>
@@ -2144,7 +2144,7 @@
           <p:cNvPr id="2" name="PlaceHolder 2">
             <a:extLst>
               <a:ext uri="{6A7D1366-81A5-4D4D-9900-3AF2B2C9DEE6}">
-                <a16:creationId xmlns:a16="http://schemas.microsoft.com/office/drawing/2010/main" xmlns:vt="http://schemas.openxmlformats.org/officeDocument/2006/docPropsVTypes" xmlns:ns1="http://schemas.openxmlformats.org/officeDocument/2006/extended-properties" xmlns:cs="http://schemas.microsoft.com/office/drawing/2012/chartStyle" xmlns:c="http://schemas.openxmlformats.org/drawingml/2006/chart" xmlns="" id="{17A6CD33-BC91-4D22-BB76-C6ABB9E080E7}"/>
+                <a16:creationId xmlns="" xmlns:c="http://schemas.openxmlformats.org/drawingml/2006/chart" xmlns:cs="http://schemas.microsoft.com/office/drawing/2012/chartStyle" xmlns:ns1="http://schemas.openxmlformats.org/officeDocument/2006/extended-properties" xmlns:vt="http://schemas.openxmlformats.org/officeDocument/2006/docPropsVTypes" xmlns:a16="http://schemas.microsoft.com/office/drawing/2010/main" id="{17A6CD33-BC91-4D22-BB76-C6ABB9E080E7}"/>
               </a:ext>
             </a:extLst>
           </p:cNvPr>
@@ -2184,7 +2184,7 @@
           <p:cNvPr id="3" name="PlaceHolder 3">
             <a:extLst>
               <a:ext uri="{99025CBA-8D1C-4D7F-965C-7576A0636AC8}">
-                <a16:creationId xmlns:a16="http://schemas.microsoft.com/office/drawing/2010/main" xmlns:vt="http://schemas.openxmlformats.org/officeDocument/2006/docPropsVTypes" xmlns:ns1="http://schemas.openxmlformats.org/officeDocument/2006/extended-properties" xmlns:cs="http://schemas.microsoft.com/office/drawing/2012/chartStyle" xmlns:c="http://schemas.openxmlformats.org/drawingml/2006/chart" xmlns="" id="{C9E8840C-DBED-43BE-B5FE-43A1448805F3}"/>
+                <a16:creationId xmlns="" xmlns:c="http://schemas.openxmlformats.org/drawingml/2006/chart" xmlns:cs="http://schemas.microsoft.com/office/drawing/2012/chartStyle" xmlns:ns1="http://schemas.openxmlformats.org/officeDocument/2006/extended-properties" xmlns:vt="http://schemas.openxmlformats.org/officeDocument/2006/docPropsVTypes" xmlns:a16="http://schemas.microsoft.com/office/drawing/2010/main" id="{C9E8840C-DBED-43BE-B5FE-43A1448805F3}"/>
               </a:ext>
             </a:extLst>
           </p:cNvPr>
@@ -2224,7 +2224,7 @@
           <p:cNvPr id="5" name="Footer Placeholder 4">
             <a:extLst>
               <a:ext uri="{E05F73E3-8ECF-416F-ABED-134949191045}">
-                <a16:creationId xmlns:a16="http://schemas.microsoft.com/office/drawing/2010/main" xmlns:vt="http://schemas.openxmlformats.org/officeDocument/2006/docPropsVTypes" xmlns:ns1="http://schemas.openxmlformats.org/officeDocument/2006/extended-properties" xmlns:cs="http://schemas.microsoft.com/office/drawing/2012/chartStyle" xmlns:c="http://schemas.openxmlformats.org/drawingml/2006/chart" xmlns="" id="{8423BCD5-BBF7-4C98-A0BE-981766F0416B}"/>
+                <a16:creationId xmlns="" xmlns:c="http://schemas.openxmlformats.org/drawingml/2006/chart" xmlns:cs="http://schemas.microsoft.com/office/drawing/2012/chartStyle" xmlns:ns1="http://schemas.openxmlformats.org/officeDocument/2006/extended-properties" xmlns:vt="http://schemas.openxmlformats.org/officeDocument/2006/docPropsVTypes" xmlns:a16="http://schemas.microsoft.com/office/drawing/2010/main" id="{8423BCD5-BBF7-4C98-A0BE-981766F0416B}"/>
               </a:ext>
             </a:extLst>
           </p:cNvPr>
@@ -2254,7 +2254,7 @@
           <p:cNvPr id="6" name="Slide Number Placeholder 5">
             <a:extLst>
               <a:ext uri="{1CEBD6D1-F6FE-4656-9206-5E7E785A8B84}">
-                <a16:creationId xmlns:a16="http://schemas.microsoft.com/office/drawing/2010/main" xmlns:vt="http://schemas.openxmlformats.org/officeDocument/2006/docPropsVTypes" xmlns:ns1="http://schemas.openxmlformats.org/officeDocument/2006/extended-properties" xmlns:cs="http://schemas.microsoft.com/office/drawing/2012/chartStyle" xmlns:c="http://schemas.openxmlformats.org/drawingml/2006/chart" xmlns="" id="{161A4EBE-F7C3-4169-A50C-579BB6A12230}"/>
+                <a16:creationId xmlns="" xmlns:c="http://schemas.openxmlformats.org/drawingml/2006/chart" xmlns:cs="http://schemas.microsoft.com/office/drawing/2012/chartStyle" xmlns:ns1="http://schemas.openxmlformats.org/officeDocument/2006/extended-properties" xmlns:vt="http://schemas.openxmlformats.org/officeDocument/2006/docPropsVTypes" xmlns:a16="http://schemas.microsoft.com/office/drawing/2010/main" id="{161A4EBE-F7C3-4169-A50C-579BB6A12230}"/>
               </a:ext>
             </a:extLst>
           </p:cNvPr>
@@ -2284,7 +2284,7 @@
           <p:cNvPr id="7" name="Date Placeholder 3">
             <a:extLst>
               <a:ext uri="{17652D2C-E558-46D3-A35A-0B997F9DDA88}">
-                <a16:creationId xmlns:a16="http://schemas.microsoft.com/office/drawing/2010/main" xmlns:vt="http://schemas.openxmlformats.org/officeDocument/2006/docPropsVTypes" xmlns:ns1="http://schemas.openxmlformats.org/officeDocument/2006/extended-properties" xmlns:cs="http://schemas.microsoft.com/office/drawing/2012/chartStyle" xmlns:c="http://schemas.openxmlformats.org/drawingml/2006/chart" xmlns="" id="{89CB0C8C-E616-4F82-8B02-0976628DAA2F}"/>
+                <a16:creationId xmlns="" xmlns:c="http://schemas.openxmlformats.org/drawingml/2006/chart" xmlns:cs="http://schemas.microsoft.com/office/drawing/2012/chartStyle" xmlns:ns1="http://schemas.openxmlformats.org/officeDocument/2006/extended-properties" xmlns:vt="http://schemas.openxmlformats.org/officeDocument/2006/docPropsVTypes" xmlns:a16="http://schemas.microsoft.com/office/drawing/2010/main" id="{89CB0C8C-E616-4F82-8B02-0976628DAA2F}"/>
               </a:ext>
             </a:extLst>
           </p:cNvPr>
@@ -2312,7 +2312,7 @@
     </p:spTree>
     <p:extLst>
       <p:ext uri="{A8963543-6711-41B1-9FF6-FFCB84AE6FB8}">
-        <p14:creationId xmlns:p14="http://schemas.microsoft.com/office/powerpoint/2010/main" xmlns:vt="http://schemas.openxmlformats.org/officeDocument/2006/docPropsVTypes" xmlns:ns1="http://schemas.openxmlformats.org/officeDocument/2006/extended-properties" xmlns:cs="http://schemas.microsoft.com/office/drawing/2012/chartStyle" xmlns:c="http://schemas.openxmlformats.org/drawingml/2006/chart" xmlns="" val="1725451570483"/>
+        <p14:creationId xmlns="" xmlns:c="http://schemas.openxmlformats.org/drawingml/2006/chart" xmlns:cs="http://schemas.microsoft.com/office/drawing/2012/chartStyle" xmlns:ns1="http://schemas.openxmlformats.org/officeDocument/2006/extended-properties" xmlns:vt="http://schemas.openxmlformats.org/officeDocument/2006/docPropsVTypes" xmlns:p14="http://schemas.microsoft.com/office/powerpoint/2010/main" val="1725451570483"/>
       </p:ext>
     </p:extLst>
   </p:cSld>
@@ -2344,7 +2344,7 @@
           <p:cNvPr id="2" name="PlaceHolder 1">
             <a:extLst>
               <a:ext uri="{EFBDA4B3-E00B-4206-A776-5C8463CE4EBB}">
-                <a16:creationId xmlns:a16="http://schemas.microsoft.com/office/drawing/2010/main" xmlns:vt="http://schemas.openxmlformats.org/officeDocument/2006/docPropsVTypes" xmlns:ns1="http://schemas.openxmlformats.org/officeDocument/2006/extended-properties" xmlns:cs="http://schemas.microsoft.com/office/drawing/2012/chartStyle" xmlns:c="http://schemas.openxmlformats.org/drawingml/2006/chart" xmlns="" id="{CB9B21DC-70DB-4BF4-BA2C-4AA0532AC827}"/>
+                <a16:creationId xmlns="" xmlns:c="http://schemas.openxmlformats.org/drawingml/2006/chart" xmlns:cs="http://schemas.microsoft.com/office/drawing/2012/chartStyle" xmlns:ns1="http://schemas.openxmlformats.org/officeDocument/2006/extended-properties" xmlns:vt="http://schemas.openxmlformats.org/officeDocument/2006/docPropsVTypes" xmlns:a16="http://schemas.microsoft.com/office/drawing/2010/main" id="{CB9B21DC-70DB-4BF4-BA2C-4AA0532AC827}"/>
               </a:ext>
             </a:extLst>
           </p:cNvPr>
@@ -2384,7 +2384,7 @@
           <p:cNvPr id="3" name="Footer Placeholder 4">
             <a:extLst>
               <a:ext uri="{20EFF1E7-A883-4712-8058-79039484DFC1}">
-                <a16:creationId xmlns:a16="http://schemas.microsoft.com/office/drawing/2010/main" xmlns:vt="http://schemas.openxmlformats.org/officeDocument/2006/docPropsVTypes" xmlns:ns1="http://schemas.openxmlformats.org/officeDocument/2006/extended-properties" xmlns:cs="http://schemas.microsoft.com/office/drawing/2012/chartStyle" xmlns:c="http://schemas.openxmlformats.org/drawingml/2006/chart" xmlns="" id="{F0654F62-0928-47E8-ABB9-EB4302BAC5E4}"/>
+                <a16:creationId xmlns="" xmlns:c="http://schemas.openxmlformats.org/drawingml/2006/chart" xmlns:cs="http://schemas.microsoft.com/office/drawing/2012/chartStyle" xmlns:ns1="http://schemas.openxmlformats.org/officeDocument/2006/extended-properties" xmlns:vt="http://schemas.openxmlformats.org/officeDocument/2006/docPropsVTypes" xmlns:a16="http://schemas.microsoft.com/office/drawing/2010/main" id="{F0654F62-0928-47E8-ABB9-EB4302BAC5E4}"/>
               </a:ext>
             </a:extLst>
           </p:cNvPr>
@@ -2414,7 +2414,7 @@
           <p:cNvPr id="4" name="Slide Number Placeholder 5">
             <a:extLst>
               <a:ext uri="{E3AFEDB8-3875-4CCF-B918-6E9E496F0D1D}">
-                <a16:creationId xmlns:a16="http://schemas.microsoft.com/office/drawing/2010/main" xmlns:vt="http://schemas.openxmlformats.org/officeDocument/2006/docPropsVTypes" xmlns:ns1="http://schemas.openxmlformats.org/officeDocument/2006/extended-properties" xmlns:cs="http://schemas.microsoft.com/office/drawing/2012/chartStyle" xmlns:c="http://schemas.openxmlformats.org/drawingml/2006/chart" xmlns="" id="{E95816FE-0D85-428E-8C9F-DD1EB23446F7}"/>
+                <a16:creationId xmlns="" xmlns:c="http://schemas.openxmlformats.org/drawingml/2006/chart" xmlns:cs="http://schemas.microsoft.com/office/drawing/2012/chartStyle" xmlns:ns1="http://schemas.openxmlformats.org/officeDocument/2006/extended-properties" xmlns:vt="http://schemas.openxmlformats.org/officeDocument/2006/docPropsVTypes" xmlns:a16="http://schemas.microsoft.com/office/drawing/2010/main" id="{E95816FE-0D85-428E-8C9F-DD1EB23446F7}"/>
               </a:ext>
             </a:extLst>
           </p:cNvPr>
@@ -2444,7 +2444,7 @@
           <p:cNvPr id="5" name="Date Placeholder 3">
             <a:extLst>
               <a:ext uri="{6A33784B-431A-40A6-9C4F-9CADD905CF48}">
-                <a16:creationId xmlns:a16="http://schemas.microsoft.com/office/drawing/2010/main" xmlns:vt="http://schemas.openxmlformats.org/officeDocument/2006/docPropsVTypes" xmlns:ns1="http://schemas.openxmlformats.org/officeDocument/2006/extended-properties" xmlns:cs="http://schemas.microsoft.com/office/drawing/2012/chartStyle" xmlns:c="http://schemas.openxmlformats.org/drawingml/2006/chart" xmlns="" id="{0D44746E-3275-4D97-A86A-C28D19782F90}"/>
+                <a16:creationId xmlns="" xmlns:c="http://schemas.openxmlformats.org/drawingml/2006/chart" xmlns:cs="http://schemas.microsoft.com/office/drawing/2012/chartStyle" xmlns:ns1="http://schemas.openxmlformats.org/officeDocument/2006/extended-properties" xmlns:vt="http://schemas.openxmlformats.org/officeDocument/2006/docPropsVTypes" xmlns:a16="http://schemas.microsoft.com/office/drawing/2010/main" id="{0D44746E-3275-4D97-A86A-C28D19782F90}"/>
               </a:ext>
             </a:extLst>
           </p:cNvPr>
@@ -2472,7 +2472,7 @@
     </p:spTree>
     <p:extLst>
       <p:ext uri="{8D39AA8C-3D7C-492E-BD90-8B79FA07DE46}">
-        <p14:creationId xmlns:p14="http://schemas.microsoft.com/office/powerpoint/2010/main" xmlns:vt="http://schemas.openxmlformats.org/officeDocument/2006/docPropsVTypes" xmlns:ns1="http://schemas.openxmlformats.org/officeDocument/2006/extended-properties" xmlns:cs="http://schemas.microsoft.com/office/drawing/2012/chartStyle" xmlns:c="http://schemas.openxmlformats.org/drawingml/2006/chart" xmlns="" val="1725451570485"/>
+        <p14:creationId xmlns="" xmlns:c="http://schemas.openxmlformats.org/drawingml/2006/chart" xmlns:cs="http://schemas.microsoft.com/office/drawing/2012/chartStyle" xmlns:ns1="http://schemas.openxmlformats.org/officeDocument/2006/extended-properties" xmlns:vt="http://schemas.openxmlformats.org/officeDocument/2006/docPropsVTypes" xmlns:p14="http://schemas.microsoft.com/office/powerpoint/2010/main" val="1725451570485"/>
       </p:ext>
     </p:extLst>
   </p:cSld>
@@ -2504,7 +2504,7 @@
           <p:cNvPr id="2" name="PlaceHolder 1">
             <a:extLst>
               <a:ext uri="{BE372411-6178-4C31-9EFB-08304F71297C}">
-                <a16:creationId xmlns:a16="http://schemas.microsoft.com/office/drawing/2010/main" xmlns:vt="http://schemas.openxmlformats.org/officeDocument/2006/docPropsVTypes" xmlns:ns1="http://schemas.openxmlformats.org/officeDocument/2006/extended-properties" xmlns:cs="http://schemas.microsoft.com/office/drawing/2012/chartStyle" xmlns:c="http://schemas.openxmlformats.org/drawingml/2006/chart" xmlns="" id="{FA920AE5-C681-449B-916F-D5F4A40559E1}"/>
+                <a16:creationId xmlns="" xmlns:c="http://schemas.openxmlformats.org/drawingml/2006/chart" xmlns:cs="http://schemas.microsoft.com/office/drawing/2012/chartStyle" xmlns:ns1="http://schemas.openxmlformats.org/officeDocument/2006/extended-properties" xmlns:vt="http://schemas.openxmlformats.org/officeDocument/2006/docPropsVTypes" xmlns:a16="http://schemas.microsoft.com/office/drawing/2010/main" id="{FA920AE5-C681-449B-916F-D5F4A40559E1}"/>
               </a:ext>
             </a:extLst>
           </p:cNvPr>
@@ -2542,7 +2542,7 @@
           <p:cNvPr id="3" name="Footer Placeholder 4">
             <a:extLst>
               <a:ext uri="{0CCDD1E7-F798-4C16-A578-3E8C0D562D3B}">
-                <a16:creationId xmlns:a16="http://schemas.microsoft.com/office/drawing/2010/main" xmlns:vt="http://schemas.openxmlformats.org/officeDocument/2006/docPropsVTypes" xmlns:ns1="http://schemas.openxmlformats.org/officeDocument/2006/extended-properties" xmlns:cs="http://schemas.microsoft.com/office/drawing/2012/chartStyle" xmlns:c="http://schemas.openxmlformats.org/drawingml/2006/chart" xmlns="" id="{311DCAE6-3A95-4894-9E46-454493018C20}"/>
+                <a16:creationId xmlns="" xmlns:c="http://schemas.openxmlformats.org/drawingml/2006/chart" xmlns:cs="http://schemas.microsoft.com/office/drawing/2012/chartStyle" xmlns:ns1="http://schemas.openxmlformats.org/officeDocument/2006/extended-properties" xmlns:vt="http://schemas.openxmlformats.org/officeDocument/2006/docPropsVTypes" xmlns:a16="http://schemas.microsoft.com/office/drawing/2010/main" id="{311DCAE6-3A95-4894-9E46-454493018C20}"/>
               </a:ext>
             </a:extLst>
           </p:cNvPr>
@@ -2572,7 +2572,7 @@
           <p:cNvPr id="4" name="Slide Number Placeholder 5">
             <a:extLst>
               <a:ext uri="{C42A90DF-A5FD-42D1-90EA-CF7D53B28A29}">
-                <a16:creationId xmlns:a16="http://schemas.microsoft.com/office/drawing/2010/main" xmlns:vt="http://schemas.openxmlformats.org/officeDocument/2006/docPropsVTypes" xmlns:ns1="http://schemas.openxmlformats.org/officeDocument/2006/extended-properties" xmlns:cs="http://schemas.microsoft.com/office/drawing/2012/chartStyle" xmlns:c="http://schemas.openxmlformats.org/drawingml/2006/chart" xmlns="" id="{46671A00-BA67-4C8D-889E-9922C1CFB86A}"/>
+                <a16:creationId xmlns="" xmlns:c="http://schemas.openxmlformats.org/drawingml/2006/chart" xmlns:cs="http://schemas.microsoft.com/office/drawing/2012/chartStyle" xmlns:ns1="http://schemas.openxmlformats.org/officeDocument/2006/extended-properties" xmlns:vt="http://schemas.openxmlformats.org/officeDocument/2006/docPropsVTypes" xmlns:a16="http://schemas.microsoft.com/office/drawing/2010/main" id="{46671A00-BA67-4C8D-889E-9922C1CFB86A}"/>
               </a:ext>
             </a:extLst>
           </p:cNvPr>
@@ -2602,7 +2602,7 @@
           <p:cNvPr id="5" name="Date Placeholder 3">
             <a:extLst>
               <a:ext uri="{062AB4F9-F6EC-4158-893E-802A79FC6C4B}">
-                <a16:creationId xmlns:a16="http://schemas.microsoft.com/office/drawing/2010/main" xmlns:vt="http://schemas.openxmlformats.org/officeDocument/2006/docPropsVTypes" xmlns:ns1="http://schemas.openxmlformats.org/officeDocument/2006/extended-properties" xmlns:cs="http://schemas.microsoft.com/office/drawing/2012/chartStyle" xmlns:c="http://schemas.openxmlformats.org/drawingml/2006/chart" xmlns="" id="{75C2E7EC-2F64-4D4A-AA63-813B90196E18}"/>
+                <a16:creationId xmlns="" xmlns:c="http://schemas.openxmlformats.org/drawingml/2006/chart" xmlns:cs="http://schemas.microsoft.com/office/drawing/2012/chartStyle" xmlns:ns1="http://schemas.openxmlformats.org/officeDocument/2006/extended-properties" xmlns:vt="http://schemas.openxmlformats.org/officeDocument/2006/docPropsVTypes" xmlns:a16="http://schemas.microsoft.com/office/drawing/2010/main" id="{75C2E7EC-2F64-4D4A-AA63-813B90196E18}"/>
               </a:ext>
             </a:extLst>
           </p:cNvPr>
@@ -2630,7 +2630,7 @@
     </p:spTree>
     <p:extLst>
       <p:ext uri="{473E2E35-501D-4144-8566-5ED9BF8A7576}">
-        <p14:creationId xmlns:p14="http://schemas.microsoft.com/office/powerpoint/2010/main" xmlns:vt="http://schemas.openxmlformats.org/officeDocument/2006/docPropsVTypes" xmlns:ns1="http://schemas.openxmlformats.org/officeDocument/2006/extended-properties" xmlns:cs="http://schemas.microsoft.com/office/drawing/2012/chartStyle" xmlns:c="http://schemas.openxmlformats.org/drawingml/2006/chart" xmlns="" val="1725451570487"/>
+        <p14:creationId xmlns="" xmlns:c="http://schemas.openxmlformats.org/drawingml/2006/chart" xmlns:cs="http://schemas.microsoft.com/office/drawing/2012/chartStyle" xmlns:ns1="http://schemas.openxmlformats.org/officeDocument/2006/extended-properties" xmlns:vt="http://schemas.openxmlformats.org/officeDocument/2006/docPropsVTypes" xmlns:p14="http://schemas.microsoft.com/office/powerpoint/2010/main" val="1725451570487"/>
       </p:ext>
     </p:extLst>
   </p:cSld>
@@ -2662,7 +2662,7 @@
           <p:cNvPr id="5" name="PlaceHolder 1">
             <a:extLst>
               <a:ext uri="{D49B7E62-8833-4A88-A8EC-9D6861C9A102}">
-                <a16:creationId xmlns:a16="http://schemas.microsoft.com/office/drawing/2010/main" xmlns:vt="http://schemas.openxmlformats.org/officeDocument/2006/docPropsVTypes" xmlns:ns1="http://schemas.openxmlformats.org/officeDocument/2006/extended-properties" xmlns:cs="http://schemas.microsoft.com/office/drawing/2012/chartStyle" xmlns:c="http://schemas.openxmlformats.org/drawingml/2006/chart" xmlns="" id="{6A194DF2-2718-4CEB-87B6-A5705671AF1F}"/>
+                <a16:creationId xmlns="" xmlns:c="http://schemas.openxmlformats.org/drawingml/2006/chart" xmlns:cs="http://schemas.microsoft.com/office/drawing/2012/chartStyle" xmlns:ns1="http://schemas.openxmlformats.org/officeDocument/2006/extended-properties" xmlns:vt="http://schemas.openxmlformats.org/officeDocument/2006/docPropsVTypes" xmlns:a16="http://schemas.microsoft.com/office/drawing/2010/main" id="{6A194DF2-2718-4CEB-87B6-A5705671AF1F}"/>
               </a:ext>
             </a:extLst>
           </p:cNvPr>
@@ -2702,7 +2702,7 @@
           <p:cNvPr id="2" name="PlaceHolder 2">
             <a:extLst>
               <a:ext uri="{08D9DD65-DEA0-4176-87F1-F5127AB4CE52}">
-                <a16:creationId xmlns:a16="http://schemas.microsoft.com/office/drawing/2010/main" xmlns:vt="http://schemas.openxmlformats.org/officeDocument/2006/docPropsVTypes" xmlns:ns1="http://schemas.openxmlformats.org/officeDocument/2006/extended-properties" xmlns:cs="http://schemas.microsoft.com/office/drawing/2012/chartStyle" xmlns:c="http://schemas.openxmlformats.org/drawingml/2006/chart" xmlns="" id="{06E020C9-DB07-4750-9870-8148C284567E}"/>
+                <a16:creationId xmlns="" xmlns:c="http://schemas.openxmlformats.org/drawingml/2006/chart" xmlns:cs="http://schemas.microsoft.com/office/drawing/2012/chartStyle" xmlns:ns1="http://schemas.openxmlformats.org/officeDocument/2006/extended-properties" xmlns:vt="http://schemas.openxmlformats.org/officeDocument/2006/docPropsVTypes" xmlns:a16="http://schemas.microsoft.com/office/drawing/2010/main" id="{06E020C9-DB07-4750-9870-8148C284567E}"/>
               </a:ext>
             </a:extLst>
           </p:cNvPr>
@@ -2742,7 +2742,7 @@
           <p:cNvPr id="3" name="PlaceHolder 3">
             <a:extLst>
               <a:ext uri="{97585C36-6227-4713-8C84-1BE003696C3E}">
-                <a16:creationId xmlns:a16="http://schemas.microsoft.com/office/drawing/2010/main" xmlns:vt="http://schemas.openxmlformats.org/officeDocument/2006/docPropsVTypes" xmlns:ns1="http://schemas.openxmlformats.org/officeDocument/2006/extended-properties" xmlns:cs="http://schemas.microsoft.com/office/drawing/2012/chartStyle" xmlns:c="http://schemas.openxmlformats.org/drawingml/2006/chart" xmlns="" id="{00FF4D61-0823-4BA7-955F-19D31AD95030}"/>
+                <a16:creationId xmlns="" xmlns:c="http://schemas.openxmlformats.org/drawingml/2006/chart" xmlns:cs="http://schemas.microsoft.com/office/drawing/2012/chartStyle" xmlns:ns1="http://schemas.openxmlformats.org/officeDocument/2006/extended-properties" xmlns:vt="http://schemas.openxmlformats.org/officeDocument/2006/docPropsVTypes" xmlns:a16="http://schemas.microsoft.com/office/drawing/2010/main" id="{00FF4D61-0823-4BA7-955F-19D31AD95030}"/>
               </a:ext>
             </a:extLst>
           </p:cNvPr>
@@ -2782,7 +2782,7 @@
           <p:cNvPr id="4" name="PlaceHolder 4">
             <a:extLst>
               <a:ext uri="{44E0478A-2032-47B4-A8BC-7E48E22463B9}">
-                <a16:creationId xmlns:a16="http://schemas.microsoft.com/office/drawing/2010/main" xmlns:vt="http://schemas.openxmlformats.org/officeDocument/2006/docPropsVTypes" xmlns:ns1="http://schemas.openxmlformats.org/officeDocument/2006/extended-properties" xmlns:cs="http://schemas.microsoft.com/office/drawing/2012/chartStyle" xmlns:c="http://schemas.openxmlformats.org/drawingml/2006/chart" xmlns="" id="{8249F535-5FD5-47E7-AE43-FFAB4B5ADF91}"/>
+                <a16:creationId xmlns="" xmlns:c="http://schemas.openxmlformats.org/drawingml/2006/chart" xmlns:cs="http://schemas.microsoft.com/office/drawing/2012/chartStyle" xmlns:ns1="http://schemas.openxmlformats.org/officeDocument/2006/extended-properties" xmlns:vt="http://schemas.openxmlformats.org/officeDocument/2006/docPropsVTypes" xmlns:a16="http://schemas.microsoft.com/office/drawing/2010/main" id="{8249F535-5FD5-47E7-AE43-FFAB4B5ADF91}"/>
               </a:ext>
             </a:extLst>
           </p:cNvPr>
@@ -2822,7 +2822,7 @@
           <p:cNvPr id="6" name="Footer Placeholder 4">
             <a:extLst>
               <a:ext uri="{60582054-37C3-4EAA-B5A2-C9A823B34F18}">
-                <a16:creationId xmlns:a16="http://schemas.microsoft.com/office/drawing/2010/main" xmlns:vt="http://schemas.openxmlformats.org/officeDocument/2006/docPropsVTypes" xmlns:ns1="http://schemas.openxmlformats.org/officeDocument/2006/extended-properties" xmlns:cs="http://schemas.microsoft.com/office/drawing/2012/chartStyle" xmlns:c="http://schemas.openxmlformats.org/drawingml/2006/chart" xmlns="" id="{D0C2A864-6DF9-4603-AAD9-ADF3CFFBAB8D}"/>
+                <a16:creationId xmlns="" xmlns:c="http://schemas.openxmlformats.org/drawingml/2006/chart" xmlns:cs="http://schemas.microsoft.com/office/drawing/2012/chartStyle" xmlns:ns1="http://schemas.openxmlformats.org/officeDocument/2006/extended-properties" xmlns:vt="http://schemas.openxmlformats.org/officeDocument/2006/docPropsVTypes" xmlns:a16="http://schemas.microsoft.com/office/drawing/2010/main" id="{D0C2A864-6DF9-4603-AAD9-ADF3CFFBAB8D}"/>
               </a:ext>
             </a:extLst>
           </p:cNvPr>
@@ -2852,7 +2852,7 @@
           <p:cNvPr id="7" name="Slide Number Placeholder 5">
             <a:extLst>
               <a:ext uri="{98754C4D-4688-4FDF-AA5B-CE27516C88DC}">
-                <a16:creationId xmlns:a16="http://schemas.microsoft.com/office/drawing/2010/main" xmlns:vt="http://schemas.openxmlformats.org/officeDocument/2006/docPropsVTypes" xmlns:ns1="http://schemas.openxmlformats.org/officeDocument/2006/extended-properties" xmlns:cs="http://schemas.microsoft.com/office/drawing/2012/chartStyle" xmlns:c="http://schemas.openxmlformats.org/drawingml/2006/chart" xmlns="" id="{95954EEB-3092-464C-91D1-BCAA3202FAE4}"/>
+                <a16:creationId xmlns="" xmlns:c="http://schemas.openxmlformats.org/drawingml/2006/chart" xmlns:cs="http://schemas.microsoft.com/office/drawing/2012/chartStyle" xmlns:ns1="http://schemas.openxmlformats.org/officeDocument/2006/extended-properties" xmlns:vt="http://schemas.openxmlformats.org/officeDocument/2006/docPropsVTypes" xmlns:a16="http://schemas.microsoft.com/office/drawing/2010/main" id="{95954EEB-3092-464C-91D1-BCAA3202FAE4}"/>
               </a:ext>
             </a:extLst>
           </p:cNvPr>
@@ -2882,7 +2882,7 @@
           <p:cNvPr id="8" name="Date Placeholder 3">
             <a:extLst>
               <a:ext uri="{B72F1D89-DA7A-47D4-90E7-08510115CD0A}">
-                <a16:creationId xmlns:a16="http://schemas.microsoft.com/office/drawing/2010/main" xmlns:vt="http://schemas.openxmlformats.org/officeDocument/2006/docPropsVTypes" xmlns:ns1="http://schemas.openxmlformats.org/officeDocument/2006/extended-properties" xmlns:cs="http://schemas.microsoft.com/office/drawing/2012/chartStyle" xmlns:c="http://schemas.openxmlformats.org/drawingml/2006/chart" xmlns="" id="{440F38A4-CD39-460A-9F5F-4269E395A960}"/>
+                <a16:creationId xmlns="" xmlns:c="http://schemas.openxmlformats.org/drawingml/2006/chart" xmlns:cs="http://schemas.microsoft.com/office/drawing/2012/chartStyle" xmlns:ns1="http://schemas.openxmlformats.org/officeDocument/2006/extended-properties" xmlns:vt="http://schemas.openxmlformats.org/officeDocument/2006/docPropsVTypes" xmlns:a16="http://schemas.microsoft.com/office/drawing/2010/main" id="{440F38A4-CD39-460A-9F5F-4269E395A960}"/>
               </a:ext>
             </a:extLst>
           </p:cNvPr>
@@ -2910,7 +2910,7 @@
     </p:spTree>
     <p:extLst>
       <p:ext uri="{C1F3C634-6FFC-447F-8390-109185B62BB3}">
-        <p14:creationId xmlns:p14="http://schemas.microsoft.com/office/powerpoint/2010/main" xmlns:vt="http://schemas.openxmlformats.org/officeDocument/2006/docPropsVTypes" xmlns:ns1="http://schemas.openxmlformats.org/officeDocument/2006/extended-properties" xmlns:cs="http://schemas.microsoft.com/office/drawing/2012/chartStyle" xmlns:c="http://schemas.openxmlformats.org/drawingml/2006/chart" xmlns="" val="1725451570488"/>
+        <p14:creationId xmlns="" xmlns:c="http://schemas.openxmlformats.org/drawingml/2006/chart" xmlns:cs="http://schemas.microsoft.com/office/drawing/2012/chartStyle" xmlns:ns1="http://schemas.openxmlformats.org/officeDocument/2006/extended-properties" xmlns:vt="http://schemas.openxmlformats.org/officeDocument/2006/docPropsVTypes" xmlns:p14="http://schemas.microsoft.com/office/powerpoint/2010/main" val="1725451570488"/>
       </p:ext>
     </p:extLst>
   </p:cSld>
@@ -2942,7 +2942,7 @@
           <p:cNvPr id="5" name="PlaceHolder 1">
             <a:extLst>
               <a:ext uri="{31AA740E-9295-4BE7-A4A1-33614530732B}">
-                <a16:creationId xmlns:a16="http://schemas.microsoft.com/office/drawing/2010/main" xmlns:vt="http://schemas.openxmlformats.org/officeDocument/2006/docPropsVTypes" xmlns:ns1="http://schemas.openxmlformats.org/officeDocument/2006/extended-properties" xmlns:cs="http://schemas.microsoft.com/office/drawing/2012/chartStyle" xmlns:c="http://schemas.openxmlformats.org/drawingml/2006/chart" xmlns="" id="{BE677E9D-E47C-4281-9830-F52734DE5C70}"/>
+                <a16:creationId xmlns="" xmlns:c="http://schemas.openxmlformats.org/drawingml/2006/chart" xmlns:cs="http://schemas.microsoft.com/office/drawing/2012/chartStyle" xmlns:ns1="http://schemas.openxmlformats.org/officeDocument/2006/extended-properties" xmlns:vt="http://schemas.openxmlformats.org/officeDocument/2006/docPropsVTypes" xmlns:a16="http://schemas.microsoft.com/office/drawing/2010/main" id="{BE677E9D-E47C-4281-9830-F52734DE5C70}"/>
               </a:ext>
             </a:extLst>
           </p:cNvPr>
@@ -2982,7 +2982,7 @@
           <p:cNvPr id="2" name="PlaceHolder 2">
             <a:extLst>
               <a:ext uri="{ECF59796-4AA0-4649-9F39-F14CC1F82982}">
-                <a16:creationId xmlns:a16="http://schemas.microsoft.com/office/drawing/2010/main" xmlns:vt="http://schemas.openxmlformats.org/officeDocument/2006/docPropsVTypes" xmlns:ns1="http://schemas.openxmlformats.org/officeDocument/2006/extended-properties" xmlns:cs="http://schemas.microsoft.com/office/drawing/2012/chartStyle" xmlns:c="http://schemas.openxmlformats.org/drawingml/2006/chart" xmlns="" id="{66881427-17F2-4A70-8EA0-849FA7EE1240}"/>
+                <a16:creationId xmlns="" xmlns:c="http://schemas.openxmlformats.org/drawingml/2006/chart" xmlns:cs="http://schemas.microsoft.com/office/drawing/2012/chartStyle" xmlns:ns1="http://schemas.openxmlformats.org/officeDocument/2006/extended-properties" xmlns:vt="http://schemas.openxmlformats.org/officeDocument/2006/docPropsVTypes" xmlns:a16="http://schemas.microsoft.com/office/drawing/2010/main" id="{66881427-17F2-4A70-8EA0-849FA7EE1240}"/>
               </a:ext>
             </a:extLst>
           </p:cNvPr>
@@ -3022,7 +3022,7 @@
           <p:cNvPr id="3" name="PlaceHolder 3">
             <a:extLst>
               <a:ext uri="{7FC3C298-B6F0-4D0A-9814-CAAA1070136D}">
-                <a16:creationId xmlns:a16="http://schemas.microsoft.com/office/drawing/2010/main" xmlns:vt="http://schemas.openxmlformats.org/officeDocument/2006/docPropsVTypes" xmlns:ns1="http://schemas.openxmlformats.org/officeDocument/2006/extended-properties" xmlns:cs="http://schemas.microsoft.com/office/drawing/2012/chartStyle" xmlns:c="http://schemas.openxmlformats.org/drawingml/2006/chart" xmlns="" id="{4BC75EDA-982D-49F0-8A6D-46B0F1529510}"/>
+                <a16:creationId xmlns="" xmlns:c="http://schemas.openxmlformats.org/drawingml/2006/chart" xmlns:cs="http://schemas.microsoft.com/office/drawing/2012/chartStyle" xmlns:ns1="http://schemas.openxmlformats.org/officeDocument/2006/extended-properties" xmlns:vt="http://schemas.openxmlformats.org/officeDocument/2006/docPropsVTypes" xmlns:a16="http://schemas.microsoft.com/office/drawing/2010/main" id="{4BC75EDA-982D-49F0-8A6D-46B0F1529510}"/>
               </a:ext>
             </a:extLst>
           </p:cNvPr>
@@ -3062,7 +3062,7 @@
           <p:cNvPr id="4" name="PlaceHolder 4">
             <a:extLst>
               <a:ext uri="{432EF096-EEEE-4076-AE1E-75FBA2F318A9}">
-                <a16:creationId xmlns:a16="http://schemas.microsoft.com/office/drawing/2010/main" xmlns:vt="http://schemas.openxmlformats.org/officeDocument/2006/docPropsVTypes" xmlns:ns1="http://schemas.openxmlformats.org/officeDocument/2006/extended-properties" xmlns:cs="http://schemas.microsoft.com/office/drawing/2012/chartStyle" xmlns:c="http://schemas.openxmlformats.org/drawingml/2006/chart" xmlns="" id="{C4528CB0-8F84-4BE9-BB79-C1C624282ECC}"/>
+                <a16:creationId xmlns="" xmlns:c="http://schemas.openxmlformats.org/drawingml/2006/chart" xmlns:cs="http://schemas.microsoft.com/office/drawing/2012/chartStyle" xmlns:ns1="http://schemas.openxmlformats.org/officeDocument/2006/extended-properties" xmlns:vt="http://schemas.openxmlformats.org/officeDocument/2006/docPropsVTypes" xmlns:a16="http://schemas.microsoft.com/office/drawing/2010/main" id="{C4528CB0-8F84-4BE9-BB79-C1C624282ECC}"/>
               </a:ext>
             </a:extLst>
           </p:cNvPr>
@@ -3102,7 +3102,7 @@
           <p:cNvPr id="6" name="Footer Placeholder 4">
             <a:extLst>
               <a:ext uri="{8EC26C0C-4485-4D84-968B-E74A9EE9D5E2}">
-                <a16:creationId xmlns:a16="http://schemas.microsoft.com/office/drawing/2010/main" xmlns:vt="http://schemas.openxmlformats.org/officeDocument/2006/docPropsVTypes" xmlns:ns1="http://schemas.openxmlformats.org/officeDocument/2006/extended-properties" xmlns:cs="http://schemas.microsoft.com/office/drawing/2012/chartStyle" xmlns:c="http://schemas.openxmlformats.org/drawingml/2006/chart" xmlns="" id="{88A3F895-E733-4421-9742-DC5A4E5A4C05}"/>
+                <a16:creationId xmlns="" xmlns:c="http://schemas.openxmlformats.org/drawingml/2006/chart" xmlns:cs="http://schemas.microsoft.com/office/drawing/2012/chartStyle" xmlns:ns1="http://schemas.openxmlformats.org/officeDocument/2006/extended-properties" xmlns:vt="http://schemas.openxmlformats.org/officeDocument/2006/docPropsVTypes" xmlns:a16="http://schemas.microsoft.com/office/drawing/2010/main" id="{88A3F895-E733-4421-9742-DC5A4E5A4C05}"/>
               </a:ext>
             </a:extLst>
           </p:cNvPr>
@@ -3132,7 +3132,7 @@
           <p:cNvPr id="7" name="Slide Number Placeholder 5">
             <a:extLst>
               <a:ext uri="{5817EE38-4FA7-4C7E-82AA-B7AFD338C78F}">
-                <a16:creationId xmlns:a16="http://schemas.microsoft.com/office/drawing/2010/main" xmlns:vt="http://schemas.openxmlformats.org/officeDocument/2006/docPropsVTypes" xmlns:ns1="http://schemas.openxmlformats.org/officeDocument/2006/extended-properties" xmlns:cs="http://schemas.microsoft.com/office/drawing/2012/chartStyle" xmlns:c="http://schemas.openxmlformats.org/drawingml/2006/chart" xmlns="" id="{5BA5B1B9-707F-4EFD-9702-9216EF38DF28}"/>
+                <a16:creationId xmlns="" xmlns:c="http://schemas.openxmlformats.org/drawingml/2006/chart" xmlns:cs="http://schemas.microsoft.com/office/drawing/2012/chartStyle" xmlns:ns1="http://schemas.openxmlformats.org/officeDocument/2006/extended-properties" xmlns:vt="http://schemas.openxmlformats.org/officeDocument/2006/docPropsVTypes" xmlns:a16="http://schemas.microsoft.com/office/drawing/2010/main" id="{5BA5B1B9-707F-4EFD-9702-9216EF38DF28}"/>
               </a:ext>
             </a:extLst>
           </p:cNvPr>
@@ -3162,7 +3162,7 @@
           <p:cNvPr id="8" name="Date Placeholder 3">
             <a:extLst>
               <a:ext uri="{4350283C-FDAA-4C22-89FB-FD586AE4F0F8}">
-                <a16:creationId xmlns:a16="http://schemas.microsoft.com/office/drawing/2010/main" xmlns:vt="http://schemas.openxmlformats.org/officeDocument/2006/docPropsVTypes" xmlns:ns1="http://schemas.openxmlformats.org/officeDocument/2006/extended-properties" xmlns:cs="http://schemas.microsoft.com/office/drawing/2012/chartStyle" xmlns:c="http://schemas.openxmlformats.org/drawingml/2006/chart" xmlns="" id="{678EDB64-CFB5-4080-BD14-C28BB6FC4A1D}"/>
+                <a16:creationId xmlns="" xmlns:c="http://schemas.openxmlformats.org/drawingml/2006/chart" xmlns:cs="http://schemas.microsoft.com/office/drawing/2012/chartStyle" xmlns:ns1="http://schemas.openxmlformats.org/officeDocument/2006/extended-properties" xmlns:vt="http://schemas.openxmlformats.org/officeDocument/2006/docPropsVTypes" xmlns:a16="http://schemas.microsoft.com/office/drawing/2010/main" id="{678EDB64-CFB5-4080-BD14-C28BB6FC4A1D}"/>
               </a:ext>
             </a:extLst>
           </p:cNvPr>
@@ -3190,7 +3190,7 @@
     </p:spTree>
     <p:extLst>
       <p:ext uri="{AF0283AD-7020-43A8-A51D-05DB672D5950}">
-        <p14:creationId xmlns:p14="http://schemas.microsoft.com/office/powerpoint/2010/main" xmlns:vt="http://schemas.openxmlformats.org/officeDocument/2006/docPropsVTypes" xmlns:ns1="http://schemas.openxmlformats.org/officeDocument/2006/extended-properties" xmlns:cs="http://schemas.microsoft.com/office/drawing/2012/chartStyle" xmlns:c="http://schemas.openxmlformats.org/drawingml/2006/chart" xmlns="" val="1725451570490"/>
+        <p14:creationId xmlns="" xmlns:c="http://schemas.openxmlformats.org/drawingml/2006/chart" xmlns:cs="http://schemas.microsoft.com/office/drawing/2012/chartStyle" xmlns:ns1="http://schemas.openxmlformats.org/officeDocument/2006/extended-properties" xmlns:vt="http://schemas.openxmlformats.org/officeDocument/2006/docPropsVTypes" xmlns:p14="http://schemas.microsoft.com/office/powerpoint/2010/main" val="1725451570490"/>
       </p:ext>
     </p:extLst>
   </p:cSld>
@@ -3222,7 +3222,7 @@
           <p:cNvPr id="5" name="PlaceHolder 1">
             <a:extLst>
               <a:ext uri="{BCEB625A-1F3B-45CC-961C-E472CD817186}">
-                <a16:creationId xmlns:a16="http://schemas.microsoft.com/office/drawing/2010/main" xmlns:vt="http://schemas.openxmlformats.org/officeDocument/2006/docPropsVTypes" xmlns:ns1="http://schemas.openxmlformats.org/officeDocument/2006/extended-properties" xmlns:cs="http://schemas.microsoft.com/office/drawing/2012/chartStyle" xmlns:c="http://schemas.openxmlformats.org/drawingml/2006/chart" xmlns="" id="{A449F6FC-1717-4A0C-96AA-8A62D38A007E}"/>
+                <a16:creationId xmlns="" xmlns:c="http://schemas.openxmlformats.org/drawingml/2006/chart" xmlns:cs="http://schemas.microsoft.com/office/drawing/2012/chartStyle" xmlns:ns1="http://schemas.openxmlformats.org/officeDocument/2006/extended-properties" xmlns:vt="http://schemas.openxmlformats.org/officeDocument/2006/docPropsVTypes" xmlns:a16="http://schemas.microsoft.com/office/drawing/2010/main" id="{A449F6FC-1717-4A0C-96AA-8A62D38A007E}"/>
               </a:ext>
             </a:extLst>
           </p:cNvPr>
@@ -3262,7 +3262,7 @@
           <p:cNvPr id="2" name="PlaceHolder 2">
             <a:extLst>
               <a:ext uri="{BFE46BBD-29B5-4C0B-A618-2C596BDE2D83}">
-                <a16:creationId xmlns:a16="http://schemas.microsoft.com/office/drawing/2010/main" xmlns:vt="http://schemas.openxmlformats.org/officeDocument/2006/docPropsVTypes" xmlns:ns1="http://schemas.openxmlformats.org/officeDocument/2006/extended-properties" xmlns:cs="http://schemas.microsoft.com/office/drawing/2012/chartStyle" xmlns:c="http://schemas.openxmlformats.org/drawingml/2006/chart" xmlns="" id="{6B9EE53D-307A-4B97-B0FB-D1CDC604D759}"/>
+                <a16:creationId xmlns="" xmlns:c="http://schemas.openxmlformats.org/drawingml/2006/chart" xmlns:cs="http://schemas.microsoft.com/office/drawing/2012/chartStyle" xmlns:ns1="http://schemas.openxmlformats.org/officeDocument/2006/extended-properties" xmlns:vt="http://schemas.openxmlformats.org/officeDocument/2006/docPropsVTypes" xmlns:a16="http://schemas.microsoft.com/office/drawing/2010/main" id="{6B9EE53D-307A-4B97-B0FB-D1CDC604D759}"/>
               </a:ext>
             </a:extLst>
           </p:cNvPr>
@@ -3302,7 +3302,7 @@
           <p:cNvPr id="3" name="PlaceHolder 3">
             <a:extLst>
               <a:ext uri="{653E12B7-C2AC-469F-AE52-2A103E8A613C}">
-                <a16:creationId xmlns:a16="http://schemas.microsoft.com/office/drawing/2010/main" xmlns:vt="http://schemas.openxmlformats.org/officeDocument/2006/docPropsVTypes" xmlns:ns1="http://schemas.openxmlformats.org/officeDocument/2006/extended-properties" xmlns:cs="http://schemas.microsoft.com/office/drawing/2012/chartStyle" xmlns:c="http://schemas.openxmlformats.org/drawingml/2006/chart" xmlns="" id="{BC7C420A-21FE-4A63-B9DB-618C42A7A1F3}"/>
+                <a16:creationId xmlns="" xmlns:c="http://schemas.openxmlformats.org/drawingml/2006/chart" xmlns:cs="http://schemas.microsoft.com/office/drawing/2012/chartStyle" xmlns:ns1="http://schemas.openxmlformats.org/officeDocument/2006/extended-properties" xmlns:vt="http://schemas.openxmlformats.org/officeDocument/2006/docPropsVTypes" xmlns:a16="http://schemas.microsoft.com/office/drawing/2010/main" id="{BC7C420A-21FE-4A63-B9DB-618C42A7A1F3}"/>
               </a:ext>
             </a:extLst>
           </p:cNvPr>
@@ -3342,7 +3342,7 @@
           <p:cNvPr id="4" name="PlaceHolder 4">
             <a:extLst>
               <a:ext uri="{5D5A3C27-4250-43DF-B965-411C45BBF512}">
-                <a16:creationId xmlns:a16="http://schemas.microsoft.com/office/drawing/2010/main" xmlns:vt="http://schemas.openxmlformats.org/officeDocument/2006/docPropsVTypes" xmlns:ns1="http://schemas.openxmlformats.org/officeDocument/2006/extended-properties" xmlns:cs="http://schemas.microsoft.com/office/drawing/2012/chartStyle" xmlns:c="http://schemas.openxmlformats.org/drawingml/2006/chart" xmlns="" id="{1C1A4198-66D7-47A6-B0FF-3144782F984D}"/>
+                <a16:creationId xmlns="" xmlns:c="http://schemas.openxmlformats.org/drawingml/2006/chart" xmlns:cs="http://schemas.microsoft.com/office/drawing/2012/chartStyle" xmlns:ns1="http://schemas.openxmlformats.org/officeDocument/2006/extended-properties" xmlns:vt="http://schemas.openxmlformats.org/officeDocument/2006/docPropsVTypes" xmlns:a16="http://schemas.microsoft.com/office/drawing/2010/main" id="{1C1A4198-66D7-47A6-B0FF-3144782F984D}"/>
               </a:ext>
             </a:extLst>
           </p:cNvPr>
@@ -3382,7 +3382,7 @@
           <p:cNvPr id="6" name="Footer Placeholder 4">
             <a:extLst>
               <a:ext uri="{475B6E90-9E20-40DF-A92B-0D7FBE9A6BB0}">
-                <a16:creationId xmlns:a16="http://schemas.microsoft.com/office/drawing/2010/main" xmlns:vt="http://schemas.openxmlformats.org/officeDocument/2006/docPropsVTypes" xmlns:ns1="http://schemas.openxmlformats.org/officeDocument/2006/extended-properties" xmlns:cs="http://schemas.microsoft.com/office/drawing/2012/chartStyle" xmlns:c="http://schemas.openxmlformats.org/drawingml/2006/chart" xmlns="" id="{25E06C67-68D5-4F4A-9ED9-2D03D1F7194B}"/>
+                <a16:creationId xmlns="" xmlns:c="http://schemas.openxmlformats.org/drawingml/2006/chart" xmlns:cs="http://schemas.microsoft.com/office/drawing/2012/chartStyle" xmlns:ns1="http://schemas.openxmlformats.org/officeDocument/2006/extended-properties" xmlns:vt="http://schemas.openxmlformats.org/officeDocument/2006/docPropsVTypes" xmlns:a16="http://schemas.microsoft.com/office/drawing/2010/main" id="{25E06C67-68D5-4F4A-9ED9-2D03D1F7194B}"/>
               </a:ext>
             </a:extLst>
           </p:cNvPr>
@@ -3412,7 +3412,7 @@
           <p:cNvPr id="7" name="Slide Number Placeholder 5">
             <a:extLst>
               <a:ext uri="{4C3E9DF9-18DC-4758-B1D5-8146DE70F697}">
-                <a16:creationId xmlns:a16="http://schemas.microsoft.com/office/drawing/2010/main" xmlns:vt="http://schemas.openxmlformats.org/officeDocument/2006/docPropsVTypes" xmlns:ns1="http://schemas.openxmlformats.org/officeDocument/2006/extended-properties" xmlns:cs="http://schemas.microsoft.com/office/drawing/2012/chartStyle" xmlns:c="http://schemas.openxmlformats.org/drawingml/2006/chart" xmlns="" id="{4132B329-774A-4E37-A8A9-2D0532021F08}"/>
+                <a16:creationId xmlns="" xmlns:c="http://schemas.openxmlformats.org/drawingml/2006/chart" xmlns:cs="http://schemas.microsoft.com/office/drawing/2012/chartStyle" xmlns:ns1="http://schemas.openxmlformats.org/officeDocument/2006/extended-properties" xmlns:vt="http://schemas.openxmlformats.org/officeDocument/2006/docPropsVTypes" xmlns:a16="http://schemas.microsoft.com/office/drawing/2010/main" id="{4132B329-774A-4E37-A8A9-2D0532021F08}"/>
               </a:ext>
             </a:extLst>
           </p:cNvPr>
@@ -3442,7 +3442,7 @@
           <p:cNvPr id="8" name="Date Placeholder 3">
             <a:extLst>
               <a:ext uri="{CF4F2044-A978-49CF-830B-80CB0F21F406}">
-                <a16:creationId xmlns:a16="http://schemas.microsoft.com/office/drawing/2010/main" xmlns:vt="http://schemas.openxmlformats.org/officeDocument/2006/docPropsVTypes" xmlns:ns1="http://schemas.openxmlformats.org/officeDocument/2006/extended-properties" xmlns:cs="http://schemas.microsoft.com/office/drawing/2012/chartStyle" xmlns:c="http://schemas.openxmlformats.org/drawingml/2006/chart" xmlns="" id="{D86A8210-431B-4E60-B545-673105898E22}"/>
+                <a16:creationId xmlns="" xmlns:c="http://schemas.openxmlformats.org/drawingml/2006/chart" xmlns:cs="http://schemas.microsoft.com/office/drawing/2012/chartStyle" xmlns:ns1="http://schemas.openxmlformats.org/officeDocument/2006/extended-properties" xmlns:vt="http://schemas.openxmlformats.org/officeDocument/2006/docPropsVTypes" xmlns:a16="http://schemas.microsoft.com/office/drawing/2010/main" id="{D86A8210-431B-4E60-B545-673105898E22}"/>
               </a:ext>
             </a:extLst>
           </p:cNvPr>
@@ -3470,7 +3470,7 @@
     </p:spTree>
     <p:extLst>
       <p:ext uri="{6B5378A8-2999-4328-9F82-B7A69FAF758D}">
-        <p14:creationId xmlns:p14="http://schemas.microsoft.com/office/powerpoint/2010/main" xmlns:vt="http://schemas.openxmlformats.org/officeDocument/2006/docPropsVTypes" xmlns:ns1="http://schemas.openxmlformats.org/officeDocument/2006/extended-properties" xmlns:cs="http://schemas.microsoft.com/office/drawing/2012/chartStyle" xmlns:c="http://schemas.openxmlformats.org/drawingml/2006/chart" xmlns="" val="1725451570492"/>
+        <p14:creationId xmlns="" xmlns:c="http://schemas.openxmlformats.org/drawingml/2006/chart" xmlns:cs="http://schemas.microsoft.com/office/drawing/2012/chartStyle" xmlns:ns1="http://schemas.openxmlformats.org/officeDocument/2006/extended-properties" xmlns:vt="http://schemas.openxmlformats.org/officeDocument/2006/docPropsVTypes" xmlns:p14="http://schemas.microsoft.com/office/powerpoint/2010/main" val="1725451570492"/>
       </p:ext>
     </p:extLst>
   </p:cSld>
@@ -3510,7 +3510,7 @@
           <p:cNvPr id="2" name="CustomShape 1">
             <a:extLst>
               <a:ext uri="{6020039B-93E6-41B9-9F8C-72027E1128B0}">
-                <a16:creationId xmlns:a16="http://schemas.microsoft.com/office/drawing/2010/main" xmlns:vt="http://schemas.openxmlformats.org/officeDocument/2006/docPropsVTypes" xmlns:ns1="http://schemas.openxmlformats.org/officeDocument/2006/extended-properties" xmlns:cs="http://schemas.microsoft.com/office/drawing/2012/chartStyle" xmlns:c="http://schemas.openxmlformats.org/drawingml/2006/chart" xmlns="" id="{EDC6F588-909D-4A94-AF1B-0810B88C7BF3}"/>
+                <a16:creationId xmlns="" xmlns:c="http://schemas.openxmlformats.org/drawingml/2006/chart" xmlns:cs="http://schemas.microsoft.com/office/drawing/2012/chartStyle" xmlns:ns1="http://schemas.openxmlformats.org/officeDocument/2006/extended-properties" xmlns:vt="http://schemas.openxmlformats.org/officeDocument/2006/docPropsVTypes" xmlns:a16="http://schemas.microsoft.com/office/drawing/2010/main" id="{EDC6F588-909D-4A94-AF1B-0810B88C7BF3}"/>
               </a:ext>
             </a:extLst>
           </p:cNvPr>
@@ -3553,7 +3553,7 @@
           <p:cNvPr id="3" name="CustomShape 2">
             <a:extLst>
               <a:ext uri="{70DB6779-6852-40CE-8EA7-BF4158E1C8D5}">
-                <a16:creationId xmlns:a16="http://schemas.microsoft.com/office/drawing/2010/main" xmlns:vt="http://schemas.openxmlformats.org/officeDocument/2006/docPropsVTypes" xmlns:ns1="http://schemas.openxmlformats.org/officeDocument/2006/extended-properties" xmlns:cs="http://schemas.microsoft.com/office/drawing/2012/chartStyle" xmlns:c="http://schemas.openxmlformats.org/drawingml/2006/chart" xmlns="" id="{A2B8240D-F422-4C6A-BD35-B0C9974585CF}"/>
+                <a16:creationId xmlns="" xmlns:c="http://schemas.openxmlformats.org/drawingml/2006/chart" xmlns:cs="http://schemas.microsoft.com/office/drawing/2012/chartStyle" xmlns:ns1="http://schemas.openxmlformats.org/officeDocument/2006/extended-properties" xmlns:vt="http://schemas.openxmlformats.org/officeDocument/2006/docPropsVTypes" xmlns:a16="http://schemas.microsoft.com/office/drawing/2010/main" id="{A2B8240D-F422-4C6A-BD35-B0C9974585CF}"/>
               </a:ext>
             </a:extLst>
           </p:cNvPr>
@@ -3596,7 +3596,7 @@
           <p:cNvPr id="4" name="Picture 10" descr="LOGO.gif">
             <a:extLst>
               <a:ext uri="{3BAC5D5D-B770-4F34-9115-CEA45B1CA998}">
-                <a16:creationId xmlns:a16="http://schemas.microsoft.com/office/drawing/2010/main" xmlns:vt="http://schemas.openxmlformats.org/officeDocument/2006/docPropsVTypes" xmlns:ns1="http://schemas.openxmlformats.org/officeDocument/2006/extended-properties" xmlns:cs="http://schemas.microsoft.com/office/drawing/2012/chartStyle" xmlns:c="http://schemas.openxmlformats.org/drawingml/2006/chart" xmlns="" id="{042EB9B6-B8FB-401F-9C5E-24A0F5BCFCAD}"/>
+                <a16:creationId xmlns="" xmlns:c="http://schemas.openxmlformats.org/drawingml/2006/chart" xmlns:cs="http://schemas.microsoft.com/office/drawing/2012/chartStyle" xmlns:ns1="http://schemas.openxmlformats.org/officeDocument/2006/extended-properties" xmlns:vt="http://schemas.openxmlformats.org/officeDocument/2006/docPropsVTypes" xmlns:a16="http://schemas.microsoft.com/office/drawing/2010/main" id="{042EB9B6-B8FB-401F-9C5E-24A0F5BCFCAD}"/>
               </a:ext>
             </a:extLst>
           </p:cNvPr>
@@ -3629,7 +3629,7 @@
           <p:cNvPr id="5" name="Picture 10" descr="LOGO.gif">
             <a:extLst>
               <a:ext uri="{5C515FE0-217D-4927-A1D2-6DFB42531621}">
-                <a16:creationId xmlns:a16="http://schemas.microsoft.com/office/drawing/2010/main" xmlns:vt="http://schemas.openxmlformats.org/officeDocument/2006/docPropsVTypes" xmlns:ns1="http://schemas.openxmlformats.org/officeDocument/2006/extended-properties" xmlns:cs="http://schemas.microsoft.com/office/drawing/2012/chartStyle" xmlns:c="http://schemas.openxmlformats.org/drawingml/2006/chart" xmlns="" id="{6B5BC841-2F0C-45F3-96BB-2EF2519C1D02}"/>
+                <a16:creationId xmlns="" xmlns:c="http://schemas.openxmlformats.org/drawingml/2006/chart" xmlns:cs="http://schemas.microsoft.com/office/drawing/2012/chartStyle" xmlns:ns1="http://schemas.openxmlformats.org/officeDocument/2006/extended-properties" xmlns:vt="http://schemas.openxmlformats.org/officeDocument/2006/docPropsVTypes" xmlns:a16="http://schemas.microsoft.com/office/drawing/2010/main" id="{6B5BC841-2F0C-45F3-96BB-2EF2519C1D02}"/>
               </a:ext>
             </a:extLst>
           </p:cNvPr>
@@ -3662,7 +3662,7 @@
           <p:cNvPr id="6" name="Group 3">
             <a:extLst>
               <a:ext uri="{85BD558E-6550-4960-915B-15EE57EF29BC}">
-                <a16:creationId xmlns:a16="http://schemas.microsoft.com/office/drawing/2010/main" xmlns:vt="http://schemas.openxmlformats.org/officeDocument/2006/docPropsVTypes" xmlns:ns1="http://schemas.openxmlformats.org/officeDocument/2006/extended-properties" xmlns:cs="http://schemas.microsoft.com/office/drawing/2012/chartStyle" xmlns:c="http://schemas.openxmlformats.org/drawingml/2006/chart" xmlns="" id="{68C84A0A-02CD-4A45-A179-BFB4BECC8FF8}"/>
+                <a16:creationId xmlns="" xmlns:c="http://schemas.openxmlformats.org/drawingml/2006/chart" xmlns:cs="http://schemas.microsoft.com/office/drawing/2012/chartStyle" xmlns:ns1="http://schemas.openxmlformats.org/officeDocument/2006/extended-properties" xmlns:vt="http://schemas.openxmlformats.org/officeDocument/2006/docPropsVTypes" xmlns:a16="http://schemas.microsoft.com/office/drawing/2010/main" id="{68C84A0A-02CD-4A45-A179-BFB4BECC8FF8}"/>
               </a:ext>
             </a:extLst>
           </p:cNvPr>
@@ -3682,7 +3682,7 @@
             <p:cNvPr id="7" name="CustomShape 4">
               <a:extLst>
                 <a:ext uri="{0BB3CD4E-46F3-4714-BE98-D4E4085A80A6}">
-                  <a16:creationId xmlns:a16="http://schemas.microsoft.com/office/drawing/2010/main" xmlns:vt="http://schemas.openxmlformats.org/officeDocument/2006/docPropsVTypes" xmlns:ns1="http://schemas.openxmlformats.org/officeDocument/2006/extended-properties" xmlns:cs="http://schemas.microsoft.com/office/drawing/2012/chartStyle" xmlns:c="http://schemas.openxmlformats.org/drawingml/2006/chart" xmlns="" id="{825A4923-D334-4C17-8C76-B647B0C18D98}"/>
+                  <a16:creationId xmlns="" xmlns:c="http://schemas.openxmlformats.org/drawingml/2006/chart" xmlns:cs="http://schemas.microsoft.com/office/drawing/2012/chartStyle" xmlns:ns1="http://schemas.openxmlformats.org/officeDocument/2006/extended-properties" xmlns:vt="http://schemas.openxmlformats.org/officeDocument/2006/docPropsVTypes" xmlns:a16="http://schemas.microsoft.com/office/drawing/2010/main" id="{825A4923-D334-4C17-8C76-B647B0C18D98}"/>
                 </a:ext>
               </a:extLst>
             </p:cNvPr>
@@ -3725,7 +3725,7 @@
             <p:cNvPr id="8" name="Picture 9" descr="LOGO.gif">
               <a:extLst>
                 <a:ext uri="{6467126D-EC8B-4D83-B62F-911BB00D1D19}">
-                  <a16:creationId xmlns:a16="http://schemas.microsoft.com/office/drawing/2010/main" xmlns:vt="http://schemas.openxmlformats.org/officeDocument/2006/docPropsVTypes" xmlns:ns1="http://schemas.openxmlformats.org/officeDocument/2006/extended-properties" xmlns:cs="http://schemas.microsoft.com/office/drawing/2012/chartStyle" xmlns:c="http://schemas.openxmlformats.org/drawingml/2006/chart" xmlns="" id="{D6BEE510-8173-4C82-AE99-42D49A3F6EAF}"/>
+                  <a16:creationId xmlns="" xmlns:c="http://schemas.openxmlformats.org/drawingml/2006/chart" xmlns:cs="http://schemas.microsoft.com/office/drawing/2012/chartStyle" xmlns:ns1="http://schemas.openxmlformats.org/officeDocument/2006/extended-properties" xmlns:vt="http://schemas.openxmlformats.org/officeDocument/2006/docPropsVTypes" xmlns:a16="http://schemas.microsoft.com/office/drawing/2010/main" id="{D6BEE510-8173-4C82-AE99-42D49A3F6EAF}"/>
                 </a:ext>
               </a:extLst>
             </p:cNvPr>
@@ -3758,7 +3758,7 @@
             <p:cNvPr id="9" name="CustomShape 5">
               <a:extLst>
                 <a:ext uri="{0B8F8274-7A8E-4CCF-8FA6-B5DD393D7B55}">
-                  <a16:creationId xmlns:a16="http://schemas.microsoft.com/office/drawing/2010/main" xmlns:vt="http://schemas.openxmlformats.org/officeDocument/2006/docPropsVTypes" xmlns:ns1="http://schemas.openxmlformats.org/officeDocument/2006/extended-properties" xmlns:cs="http://schemas.microsoft.com/office/drawing/2012/chartStyle" xmlns:c="http://schemas.openxmlformats.org/drawingml/2006/chart" xmlns="" id="{8399502F-055F-4FBA-87E6-A3E5CCE9C237}"/>
+                  <a16:creationId xmlns="" xmlns:c="http://schemas.openxmlformats.org/drawingml/2006/chart" xmlns:cs="http://schemas.microsoft.com/office/drawing/2012/chartStyle" xmlns:ns1="http://schemas.openxmlformats.org/officeDocument/2006/extended-properties" xmlns:vt="http://schemas.openxmlformats.org/officeDocument/2006/docPropsVTypes" xmlns:a16="http://schemas.microsoft.com/office/drawing/2010/main" id="{8399502F-055F-4FBA-87E6-A3E5CCE9C237}"/>
                 </a:ext>
               </a:extLst>
             </p:cNvPr>
@@ -3804,7 +3804,7 @@
           <p:cNvPr id="10" name="Picture 15" descr="logo.jpg">
             <a:extLst>
               <a:ext uri="{B899ED1A-B8C1-45BA-950E-C1BEFE0486AF}">
-                <a16:creationId xmlns:a16="http://schemas.microsoft.com/office/drawing/2010/main" xmlns:vt="http://schemas.openxmlformats.org/officeDocument/2006/docPropsVTypes" xmlns:ns1="http://schemas.openxmlformats.org/officeDocument/2006/extended-properties" xmlns:cs="http://schemas.microsoft.com/office/drawing/2012/chartStyle" xmlns:c="http://schemas.openxmlformats.org/drawingml/2006/chart" xmlns="" id="{A6A6FF20-0CD8-46AD-ABF4-24E4E0696DC6}"/>
+                <a16:creationId xmlns="" xmlns:c="http://schemas.openxmlformats.org/drawingml/2006/chart" xmlns:cs="http://schemas.microsoft.com/office/drawing/2012/chartStyle" xmlns:ns1="http://schemas.openxmlformats.org/officeDocument/2006/extended-properties" xmlns:vt="http://schemas.openxmlformats.org/officeDocument/2006/docPropsVTypes" xmlns:a16="http://schemas.microsoft.com/office/drawing/2010/main" id="{A6A6FF20-0CD8-46AD-ABF4-24E4E0696DC6}"/>
               </a:ext>
             </a:extLst>
           </p:cNvPr>
@@ -3836,7 +3836,7 @@
           <p:cNvPr id="11" name="Picture 10" descr="LOGO.gif">
             <a:extLst>
               <a:ext uri="{64FE3CB0-F299-4BF4-8DB9-A7B0212B7F17}">
-                <a16:creationId xmlns:a16="http://schemas.microsoft.com/office/drawing/2010/main" xmlns:vt="http://schemas.openxmlformats.org/officeDocument/2006/docPropsVTypes" xmlns:ns1="http://schemas.openxmlformats.org/officeDocument/2006/extended-properties" xmlns:cs="http://schemas.microsoft.com/office/drawing/2012/chartStyle" xmlns:c="http://schemas.openxmlformats.org/drawingml/2006/chart" xmlns="" id="{B2F39D56-D52E-41C6-BB6B-0AB65DA8F774}"/>
+                <a16:creationId xmlns="" xmlns:c="http://schemas.openxmlformats.org/drawingml/2006/chart" xmlns:cs="http://schemas.microsoft.com/office/drawing/2012/chartStyle" xmlns:ns1="http://schemas.openxmlformats.org/officeDocument/2006/extended-properties" xmlns:vt="http://schemas.openxmlformats.org/officeDocument/2006/docPropsVTypes" xmlns:a16="http://schemas.microsoft.com/office/drawing/2010/main" id="{B2F39D56-D52E-41C6-BB6B-0AB65DA8F774}"/>
               </a:ext>
             </a:extLst>
           </p:cNvPr>
@@ -3869,7 +3869,7 @@
           <p:cNvPr id="12" name="Group 6">
             <a:extLst>
               <a:ext uri="{5C1DAB7B-4144-46F7-9391-39D2896A1905}">
-                <a16:creationId xmlns:a16="http://schemas.microsoft.com/office/drawing/2010/main" xmlns:vt="http://schemas.openxmlformats.org/officeDocument/2006/docPropsVTypes" xmlns:ns1="http://schemas.openxmlformats.org/officeDocument/2006/extended-properties" xmlns:cs="http://schemas.microsoft.com/office/drawing/2012/chartStyle" xmlns:c="http://schemas.openxmlformats.org/drawingml/2006/chart" xmlns="" id="{48F6B02B-6169-4565-BAC6-D866CBE071C4}"/>
+                <a16:creationId xmlns="" xmlns:c="http://schemas.openxmlformats.org/drawingml/2006/chart" xmlns:cs="http://schemas.microsoft.com/office/drawing/2012/chartStyle" xmlns:ns1="http://schemas.openxmlformats.org/officeDocument/2006/extended-properties" xmlns:vt="http://schemas.openxmlformats.org/officeDocument/2006/docPropsVTypes" xmlns:a16="http://schemas.microsoft.com/office/drawing/2010/main" id="{48F6B02B-6169-4565-BAC6-D866CBE071C4}"/>
               </a:ext>
             </a:extLst>
           </p:cNvPr>
@@ -3889,7 +3889,7 @@
             <p:cNvPr id="13" name="CustomShape 7">
               <a:extLst>
                 <a:ext uri="{E93006CA-FB14-4A05-8F40-023865E84960}">
-                  <a16:creationId xmlns:a16="http://schemas.microsoft.com/office/drawing/2010/main" xmlns:vt="http://schemas.openxmlformats.org/officeDocument/2006/docPropsVTypes" xmlns:ns1="http://schemas.openxmlformats.org/officeDocument/2006/extended-properties" xmlns:cs="http://schemas.microsoft.com/office/drawing/2012/chartStyle" xmlns:c="http://schemas.openxmlformats.org/drawingml/2006/chart" xmlns="" id="{8CFFB17F-8D7F-406E-916D-784BBAA9CA49}"/>
+                  <a16:creationId xmlns="" xmlns:c="http://schemas.openxmlformats.org/drawingml/2006/chart" xmlns:cs="http://schemas.microsoft.com/office/drawing/2012/chartStyle" xmlns:ns1="http://schemas.openxmlformats.org/officeDocument/2006/extended-properties" xmlns:vt="http://schemas.openxmlformats.org/officeDocument/2006/docPropsVTypes" xmlns:a16="http://schemas.microsoft.com/office/drawing/2010/main" id="{8CFFB17F-8D7F-406E-916D-784BBAA9CA49}"/>
                 </a:ext>
               </a:extLst>
             </p:cNvPr>
@@ -3932,7 +3932,7 @@
             <p:cNvPr id="14" name="Picture 9" descr="LOGO.gif">
               <a:extLst>
                 <a:ext uri="{3F3DDB22-625E-4F05-B139-6E8EF3D4655C}">
-                  <a16:creationId xmlns:a16="http://schemas.microsoft.com/office/drawing/2010/main" xmlns:vt="http://schemas.openxmlformats.org/officeDocument/2006/docPropsVTypes" xmlns:ns1="http://schemas.openxmlformats.org/officeDocument/2006/extended-properties" xmlns:cs="http://schemas.microsoft.com/office/drawing/2012/chartStyle" xmlns:c="http://schemas.openxmlformats.org/drawingml/2006/chart" xmlns="" id="{F7F0FE42-2399-440A-A62E-A149C718BD42}"/>
+                  <a16:creationId xmlns="" xmlns:c="http://schemas.openxmlformats.org/drawingml/2006/chart" xmlns:cs="http://schemas.microsoft.com/office/drawing/2012/chartStyle" xmlns:ns1="http://schemas.openxmlformats.org/officeDocument/2006/extended-properties" xmlns:vt="http://schemas.openxmlformats.org/officeDocument/2006/docPropsVTypes" xmlns:a16="http://schemas.microsoft.com/office/drawing/2010/main" id="{F7F0FE42-2399-440A-A62E-A149C718BD42}"/>
                 </a:ext>
               </a:extLst>
             </p:cNvPr>
@@ -3965,7 +3965,7 @@
             <p:cNvPr id="15" name="CustomShape 8">
               <a:extLst>
                 <a:ext uri="{FCDC4AA9-2B29-48CE-BAC1-6A111CBF5B3B}">
-                  <a16:creationId xmlns:a16="http://schemas.microsoft.com/office/drawing/2010/main" xmlns:vt="http://schemas.openxmlformats.org/officeDocument/2006/docPropsVTypes" xmlns:ns1="http://schemas.openxmlformats.org/officeDocument/2006/extended-properties" xmlns:cs="http://schemas.microsoft.com/office/drawing/2012/chartStyle" xmlns:c="http://schemas.openxmlformats.org/drawingml/2006/chart" xmlns="" id="{4C90C34B-B092-43A5-8B67-3B977528D11F}"/>
+                  <a16:creationId xmlns="" xmlns:c="http://schemas.openxmlformats.org/drawingml/2006/chart" xmlns:cs="http://schemas.microsoft.com/office/drawing/2012/chartStyle" xmlns:ns1="http://schemas.openxmlformats.org/officeDocument/2006/extended-properties" xmlns:vt="http://schemas.openxmlformats.org/officeDocument/2006/docPropsVTypes" xmlns:a16="http://schemas.microsoft.com/office/drawing/2010/main" id="{4C90C34B-B092-43A5-8B67-3B977528D11F}"/>
                 </a:ext>
               </a:extLst>
             </p:cNvPr>
@@ -4011,7 +4011,7 @@
           <p:cNvPr id="16" name="Picture 15" descr="logo.jpg">
             <a:extLst>
               <a:ext uri="{A8920B9D-AF1E-4E72-A7DC-9ADA8D41A2A6}">
-                <a16:creationId xmlns:a16="http://schemas.microsoft.com/office/drawing/2010/main" xmlns:vt="http://schemas.openxmlformats.org/officeDocument/2006/docPropsVTypes" xmlns:ns1="http://schemas.openxmlformats.org/officeDocument/2006/extended-properties" xmlns:cs="http://schemas.microsoft.com/office/drawing/2012/chartStyle" xmlns:c="http://schemas.openxmlformats.org/drawingml/2006/chart" xmlns="" id="{D40FE61C-97F4-4142-8364-4F174B7095A3}"/>
+                <a16:creationId xmlns="" xmlns:c="http://schemas.openxmlformats.org/drawingml/2006/chart" xmlns:cs="http://schemas.microsoft.com/office/drawing/2012/chartStyle" xmlns:ns1="http://schemas.openxmlformats.org/officeDocument/2006/extended-properties" xmlns:vt="http://schemas.openxmlformats.org/officeDocument/2006/docPropsVTypes" xmlns:a16="http://schemas.microsoft.com/office/drawing/2010/main" id="{D40FE61C-97F4-4142-8364-4F174B7095A3}"/>
               </a:ext>
             </a:extLst>
           </p:cNvPr>
@@ -4043,7 +4043,7 @@
           <p:cNvPr id="17" name="PlaceHolder 9">
             <a:extLst>
               <a:ext uri="{908A0A0C-A5F0-48E0-9B96-40FAFC00F3AC}">
-                <a16:creationId xmlns:a16="http://schemas.microsoft.com/office/drawing/2010/main" xmlns:vt="http://schemas.openxmlformats.org/officeDocument/2006/docPropsVTypes" xmlns:ns1="http://schemas.openxmlformats.org/officeDocument/2006/extended-properties" xmlns:cs="http://schemas.microsoft.com/office/drawing/2012/chartStyle" xmlns:c="http://schemas.openxmlformats.org/drawingml/2006/chart" xmlns="" id="{DFE0840E-59A6-46EC-A8B5-9C4FCA9DD189}"/>
+                <a16:creationId xmlns="" xmlns:c="http://schemas.openxmlformats.org/drawingml/2006/chart" xmlns:cs="http://schemas.microsoft.com/office/drawing/2012/chartStyle" xmlns:ns1="http://schemas.openxmlformats.org/officeDocument/2006/extended-properties" xmlns:vt="http://schemas.openxmlformats.org/officeDocument/2006/docPropsVTypes" xmlns:a16="http://schemas.microsoft.com/office/drawing/2010/main" id="{DFE0840E-59A6-46EC-A8B5-9C4FCA9DD189}"/>
               </a:ext>
             </a:extLst>
           </p:cNvPr>
@@ -4091,7 +4091,7 @@
           <p:cNvPr id="18" name="PlaceHolder 10">
             <a:extLst>
               <a:ext uri="{0FB503D6-4BA1-4049-B4D7-458ADB9BF154}">
-                <a16:creationId xmlns:a16="http://schemas.microsoft.com/office/drawing/2010/main" xmlns:vt="http://schemas.openxmlformats.org/officeDocument/2006/docPropsVTypes" xmlns:ns1="http://schemas.openxmlformats.org/officeDocument/2006/extended-properties" xmlns:cs="http://schemas.microsoft.com/office/drawing/2012/chartStyle" xmlns:c="http://schemas.openxmlformats.org/drawingml/2006/chart" xmlns="" id="{4311428E-5B05-49F4-BE3A-A24E0D4D409D}"/>
+                <a16:creationId xmlns="" xmlns:c="http://schemas.openxmlformats.org/drawingml/2006/chart" xmlns:cs="http://schemas.microsoft.com/office/drawing/2012/chartStyle" xmlns:ns1="http://schemas.openxmlformats.org/officeDocument/2006/extended-properties" xmlns:vt="http://schemas.openxmlformats.org/officeDocument/2006/docPropsVTypes" xmlns:a16="http://schemas.microsoft.com/office/drawing/2010/main" id="{4311428E-5B05-49F4-BE3A-A24E0D4D409D}"/>
               </a:ext>
             </a:extLst>
           </p:cNvPr>
@@ -4243,7 +4243,7 @@
           <p:cNvPr id="19" name="PlaceHolder 11">
             <a:extLst>
               <a:ext uri="{34E1CE08-00F3-4CF5-90E1-C268602BD352}">
-                <a16:creationId xmlns:a16="http://schemas.microsoft.com/office/drawing/2010/main" xmlns:vt="http://schemas.openxmlformats.org/officeDocument/2006/docPropsVTypes" xmlns:ns1="http://schemas.openxmlformats.org/officeDocument/2006/extended-properties" xmlns:cs="http://schemas.microsoft.com/office/drawing/2012/chartStyle" xmlns:c="http://schemas.openxmlformats.org/drawingml/2006/chart" xmlns="" id="{FEBDEFDA-F776-42EE-B902-352655F244F0}"/>
+                <a16:creationId xmlns="" xmlns:c="http://schemas.openxmlformats.org/drawingml/2006/chart" xmlns:cs="http://schemas.microsoft.com/office/drawing/2012/chartStyle" xmlns:ns1="http://schemas.openxmlformats.org/officeDocument/2006/extended-properties" xmlns:vt="http://schemas.openxmlformats.org/officeDocument/2006/docPropsVTypes" xmlns:a16="http://schemas.microsoft.com/office/drawing/2010/main" id="{FEBDEFDA-F776-42EE-B902-352655F244F0}"/>
               </a:ext>
             </a:extLst>
           </p:cNvPr>
@@ -4285,7 +4285,7 @@
           <p:cNvPr id="20" name="PlaceHolder 12">
             <a:extLst>
               <a:ext uri="{77409E69-C51E-4D61-8B27-6B380FE34CB2}">
-                <a16:creationId xmlns:a16="http://schemas.microsoft.com/office/drawing/2010/main" xmlns:vt="http://schemas.openxmlformats.org/officeDocument/2006/docPropsVTypes" xmlns:ns1="http://schemas.openxmlformats.org/officeDocument/2006/extended-properties" xmlns:cs="http://schemas.microsoft.com/office/drawing/2012/chartStyle" xmlns:c="http://schemas.openxmlformats.org/drawingml/2006/chart" xmlns="" id="{F694BBC0-7DFB-4B7F-8E92-57FEEB034BF4}"/>
+                <a16:creationId xmlns="" xmlns:c="http://schemas.openxmlformats.org/drawingml/2006/chart" xmlns:cs="http://schemas.microsoft.com/office/drawing/2012/chartStyle" xmlns:ns1="http://schemas.openxmlformats.org/officeDocument/2006/extended-properties" xmlns:vt="http://schemas.openxmlformats.org/officeDocument/2006/docPropsVTypes" xmlns:a16="http://schemas.microsoft.com/office/drawing/2010/main" id="{F694BBC0-7DFB-4B7F-8E92-57FEEB034BF4}"/>
               </a:ext>
             </a:extLst>
           </p:cNvPr>
@@ -4325,7 +4325,7 @@
           <p:cNvPr id="21" name="PlaceHolder 13">
             <a:extLst>
               <a:ext uri="{CC205213-EEC0-40E5-99E5-E3BAD5AF9700}">
-                <a16:creationId xmlns:a16="http://schemas.microsoft.com/office/drawing/2010/main" xmlns:vt="http://schemas.openxmlformats.org/officeDocument/2006/docPropsVTypes" xmlns:ns1="http://schemas.openxmlformats.org/officeDocument/2006/extended-properties" xmlns:cs="http://schemas.microsoft.com/office/drawing/2012/chartStyle" xmlns:c="http://schemas.openxmlformats.org/drawingml/2006/chart" xmlns="" id="{8E58C389-B2BA-4A07-A1D7-D3AAA229960F}"/>
+                <a16:creationId xmlns="" xmlns:c="http://schemas.openxmlformats.org/drawingml/2006/chart" xmlns:cs="http://schemas.microsoft.com/office/drawing/2012/chartStyle" xmlns:ns1="http://schemas.openxmlformats.org/officeDocument/2006/extended-properties" xmlns:vt="http://schemas.openxmlformats.org/officeDocument/2006/docPropsVTypes" xmlns:a16="http://schemas.microsoft.com/office/drawing/2010/main" id="{8E58C389-B2BA-4A07-A1D7-D3AAA229960F}"/>
               </a:ext>
             </a:extLst>
           </p:cNvPr>
@@ -4650,7 +4650,7 @@
           <p:cNvPr id="2" name="TextShape 1">
             <a:extLst>
               <a:ext uri="{915281ED-B2E6-4B6B-A1E4-EDE474CDB099}">
-                <a16:creationId xmlns:a16="http://schemas.microsoft.com/office/drawing/2010/main" xmlns:vt="http://schemas.openxmlformats.org/officeDocument/2006/docPropsVTypes" xmlns:ns1="http://schemas.openxmlformats.org/officeDocument/2006/extended-properties" xmlns:cs="http://schemas.microsoft.com/office/drawing/2012/chartStyle" xmlns:c="http://schemas.openxmlformats.org/drawingml/2006/chart" xmlns="" id="{5A18DF06-ACEE-41B1-B72F-529ABAD87F5A}"/>
+                <a16:creationId xmlns="" xmlns:c="http://schemas.openxmlformats.org/drawingml/2006/chart" xmlns:cs="http://schemas.microsoft.com/office/drawing/2012/chartStyle" xmlns:ns1="http://schemas.openxmlformats.org/officeDocument/2006/extended-properties" xmlns:vt="http://schemas.openxmlformats.org/officeDocument/2006/docPropsVTypes" xmlns:a16="http://schemas.microsoft.com/office/drawing/2010/main" id="{5A18DF06-ACEE-41B1-B72F-529ABAD87F5A}"/>
               </a:ext>
             </a:extLst>
           </p:cNvPr>
@@ -4930,7 +4930,7 @@
               <a:rPr lang="en-US" dirty="0">
                 <a:latin typeface="Times New Roman"/>
               </a:rPr>
-              <a:t>Sameer Chandra(2210992237)</a:t>
+              <a:t>Sanya (2210992255)</a:t>
             </a:r>
           </a:p>
           <a:p>
@@ -4993,7 +4993,7 @@
     </p:spTree>
     <p:extLst>
       <p:ext uri="{D4F75D74-FC1A-43EC-9948-CC7D1D132D46}">
-        <p14:creationId xmlns:p14="http://schemas.microsoft.com/office/powerpoint/2010/main" xmlns:vt="http://schemas.openxmlformats.org/officeDocument/2006/docPropsVTypes" xmlns:ns1="http://schemas.openxmlformats.org/officeDocument/2006/extended-properties" xmlns:cs="http://schemas.microsoft.com/office/drawing/2012/chartStyle" xmlns:c="http://schemas.openxmlformats.org/drawingml/2006/chart" xmlns="" val="1725451570501"/>
+        <p14:creationId xmlns="" xmlns:c="http://schemas.openxmlformats.org/drawingml/2006/chart" xmlns:cs="http://schemas.microsoft.com/office/drawing/2012/chartStyle" xmlns:ns1="http://schemas.openxmlformats.org/officeDocument/2006/extended-properties" xmlns:vt="http://schemas.openxmlformats.org/officeDocument/2006/docPropsVTypes" xmlns:p14="http://schemas.microsoft.com/office/powerpoint/2010/main" val="1725451570501"/>
       </p:ext>
     </p:extLst>
   </p:cSld>
@@ -5025,7 +5025,7 @@
           <p:cNvPr id="2" name="TextShape 1">
             <a:extLst>
               <a:ext uri="{7AF3C720-403D-4EE8-B260-D7CE29F00EE5}">
-                <a16:creationId xmlns:a16="http://schemas.microsoft.com/office/drawing/2010/main" xmlns:vt="http://schemas.openxmlformats.org/officeDocument/2006/docPropsVTypes" xmlns:ns1="http://schemas.openxmlformats.org/officeDocument/2006/extended-properties" xmlns:cs="http://schemas.microsoft.com/office/drawing/2012/chartStyle" xmlns:c="http://schemas.openxmlformats.org/drawingml/2006/chart" xmlns="" id="{DCAE2079-996D-4287-B101-5DED7568FB6C}"/>
+                <a16:creationId xmlns="" xmlns:c="http://schemas.openxmlformats.org/drawingml/2006/chart" xmlns:cs="http://schemas.microsoft.com/office/drawing/2012/chartStyle" xmlns:ns1="http://schemas.openxmlformats.org/officeDocument/2006/extended-properties" xmlns:vt="http://schemas.openxmlformats.org/officeDocument/2006/docPropsVTypes" xmlns:a16="http://schemas.microsoft.com/office/drawing/2010/main" id="{DCAE2079-996D-4287-B101-5DED7568FB6C}"/>
               </a:ext>
             </a:extLst>
           </p:cNvPr>
@@ -5071,7 +5071,7 @@
           <p:cNvPr id="3" name="TextShape 3">
             <a:extLst>
               <a:ext uri="{0F023CFB-0474-42F5-8969-7BAB76B57B70}">
-                <a16:creationId xmlns:a16="http://schemas.microsoft.com/office/drawing/2010/main" xmlns:vt="http://schemas.openxmlformats.org/officeDocument/2006/docPropsVTypes" xmlns:ns1="http://schemas.openxmlformats.org/officeDocument/2006/extended-properties" xmlns:cs="http://schemas.microsoft.com/office/drawing/2012/chartStyle" xmlns:c="http://schemas.openxmlformats.org/drawingml/2006/chart" xmlns="" id="{719A4E03-389A-42D6-AED8-7A1676125D38}"/>
+                <a16:creationId xmlns="" xmlns:c="http://schemas.openxmlformats.org/drawingml/2006/chart" xmlns:cs="http://schemas.microsoft.com/office/drawing/2012/chartStyle" xmlns:ns1="http://schemas.openxmlformats.org/officeDocument/2006/extended-properties" xmlns:vt="http://schemas.openxmlformats.org/officeDocument/2006/docPropsVTypes" xmlns:a16="http://schemas.microsoft.com/office/drawing/2010/main" id="{719A4E03-389A-42D6-AED8-7A1676125D38}"/>
               </a:ext>
             </a:extLst>
           </p:cNvPr>
@@ -5124,7 +5124,7 @@
           <p:cNvPr id="4" name="TextShape 2">
             <a:extLst>
               <a:ext uri="{5E4843A5-BAB9-4E82-A25E-6FFA728D6EAE}">
-                <a16:creationId xmlns:a16="http://schemas.microsoft.com/office/drawing/2010/main" xmlns:vt="http://schemas.openxmlformats.org/officeDocument/2006/docPropsVTypes" xmlns:ns1="http://schemas.openxmlformats.org/officeDocument/2006/extended-properties" xmlns:cs="http://schemas.microsoft.com/office/drawing/2012/chartStyle" xmlns:c="http://schemas.openxmlformats.org/drawingml/2006/chart" xmlns="" id="{AF713B40-E3A3-4688-9966-717F02CC6754}"/>
+                <a16:creationId xmlns="" xmlns:c="http://schemas.openxmlformats.org/drawingml/2006/chart" xmlns:cs="http://schemas.microsoft.com/office/drawing/2012/chartStyle" xmlns:ns1="http://schemas.openxmlformats.org/officeDocument/2006/extended-properties" xmlns:vt="http://schemas.openxmlformats.org/officeDocument/2006/docPropsVTypes" xmlns:a16="http://schemas.microsoft.com/office/drawing/2010/main" id="{AF713B40-E3A3-4688-9966-717F02CC6754}"/>
               </a:ext>
             </a:extLst>
           </p:cNvPr>
@@ -5182,7 +5182,7 @@
     </p:spTree>
     <p:extLst>
       <p:ext uri="{55BFAAAF-8B53-42BE-9435-6FCDD3E07624}">
-        <p14:creationId xmlns:p14="http://schemas.microsoft.com/office/powerpoint/2010/main" xmlns:vt="http://schemas.openxmlformats.org/officeDocument/2006/docPropsVTypes" xmlns:ns1="http://schemas.openxmlformats.org/officeDocument/2006/extended-properties" xmlns:cs="http://schemas.microsoft.com/office/drawing/2012/chartStyle" xmlns:c="http://schemas.openxmlformats.org/drawingml/2006/chart" xmlns="" val="1725451570515"/>
+        <p14:creationId xmlns="" xmlns:c="http://schemas.openxmlformats.org/drawingml/2006/chart" xmlns:cs="http://schemas.microsoft.com/office/drawing/2012/chartStyle" xmlns:ns1="http://schemas.openxmlformats.org/officeDocument/2006/extended-properties" xmlns:vt="http://schemas.openxmlformats.org/officeDocument/2006/docPropsVTypes" xmlns:p14="http://schemas.microsoft.com/office/powerpoint/2010/main" val="1725451570515"/>
       </p:ext>
     </p:extLst>
   </p:cSld>
@@ -5223,7 +5223,7 @@
                 <a16:creationId xmlns:a16="http://schemas.microsoft.com/office/drawing/2014/main" id="{0C5247CB-5F91-FE7B-8ADC-469EE72DC374}"/>
               </a:ext>
               <a:ext uri="{7AF3C720-403D-4EE8-B260-D7CE29F00EE5}">
-                <a16:creationId xmlns="" xmlns:c="http://schemas.openxmlformats.org/drawingml/2006/chart" xmlns:cs="http://schemas.microsoft.com/office/drawing/2012/chartStyle" xmlns:ns1="http://schemas.openxmlformats.org/officeDocument/2006/extended-properties" xmlns:vt="http://schemas.openxmlformats.org/officeDocument/2006/docPropsVTypes" xmlns:a16="http://schemas.microsoft.com/office/drawing/2010/main" id="{DCAE2079-996D-4287-B101-5DED7568FB6C}"/>
+                <a16:creationId xmlns:a16="http://schemas.microsoft.com/office/drawing/2010/main" xmlns:vt="http://schemas.openxmlformats.org/officeDocument/2006/docPropsVTypes" xmlns:ns1="http://schemas.openxmlformats.org/officeDocument/2006/extended-properties" xmlns:cs="http://schemas.microsoft.com/office/drawing/2012/chartStyle" xmlns:c="http://schemas.openxmlformats.org/drawingml/2006/chart" xmlns="" id="{DCAE2079-996D-4287-B101-5DED7568FB6C}"/>
               </a:ext>
             </a:extLst>
           </p:cNvPr>
@@ -5281,7 +5281,7 @@
                 <a16:creationId xmlns:a16="http://schemas.microsoft.com/office/drawing/2014/main" id="{E99884A3-8F33-E6BF-A9B0-7C8383C37D5E}"/>
               </a:ext>
               <a:ext uri="{0F023CFB-0474-42F5-8969-7BAB76B57B70}">
-                <a16:creationId xmlns="" xmlns:c="http://schemas.openxmlformats.org/drawingml/2006/chart" xmlns:cs="http://schemas.microsoft.com/office/drawing/2012/chartStyle" xmlns:ns1="http://schemas.openxmlformats.org/officeDocument/2006/extended-properties" xmlns:vt="http://schemas.openxmlformats.org/officeDocument/2006/docPropsVTypes" xmlns:a16="http://schemas.microsoft.com/office/drawing/2010/main" id="{719A4E03-389A-42D6-AED8-7A1676125D38}"/>
+                <a16:creationId xmlns:a16="http://schemas.microsoft.com/office/drawing/2010/main" xmlns:vt="http://schemas.openxmlformats.org/officeDocument/2006/docPropsVTypes" xmlns:ns1="http://schemas.openxmlformats.org/officeDocument/2006/extended-properties" xmlns:cs="http://schemas.microsoft.com/office/drawing/2012/chartStyle" xmlns:c="http://schemas.openxmlformats.org/drawingml/2006/chart" xmlns="" id="{719A4E03-389A-42D6-AED8-7A1676125D38}"/>
               </a:ext>
             </a:extLst>
           </p:cNvPr>
@@ -5337,7 +5337,7 @@
                 <a16:creationId xmlns:a16="http://schemas.microsoft.com/office/drawing/2014/main" id="{FECC3429-EB61-A90F-F09E-D5646FCD2C1E}"/>
               </a:ext>
               <a:ext uri="{5E4843A5-BAB9-4E82-A25E-6FFA728D6EAE}">
-                <a16:creationId xmlns="" xmlns:c="http://schemas.openxmlformats.org/drawingml/2006/chart" xmlns:cs="http://schemas.microsoft.com/office/drawing/2012/chartStyle" xmlns:ns1="http://schemas.openxmlformats.org/officeDocument/2006/extended-properties" xmlns:vt="http://schemas.openxmlformats.org/officeDocument/2006/docPropsVTypes" xmlns:a16="http://schemas.microsoft.com/office/drawing/2010/main" id="{AF713B40-E3A3-4688-9966-717F02CC6754}"/>
+                <a16:creationId xmlns:a16="http://schemas.microsoft.com/office/drawing/2010/main" xmlns:vt="http://schemas.openxmlformats.org/officeDocument/2006/docPropsVTypes" xmlns:ns1="http://schemas.openxmlformats.org/officeDocument/2006/extended-properties" xmlns:cs="http://schemas.microsoft.com/office/drawing/2012/chartStyle" xmlns:c="http://schemas.openxmlformats.org/drawingml/2006/chart" xmlns="" id="{AF713B40-E3A3-4688-9966-717F02CC6754}"/>
               </a:ext>
             </a:extLst>
           </p:cNvPr>
@@ -5623,7 +5623,7 @@
         <p14:creationId xmlns:p14="http://schemas.microsoft.com/office/powerpoint/2010/main" val="2398573024"/>
       </p:ext>
       <p:ext uri="{55BFAAAF-8B53-42BE-9435-6FCDD3E07624}">
-        <p14:creationId xmlns="" xmlns:c="http://schemas.openxmlformats.org/drawingml/2006/chart" xmlns:cs="http://schemas.microsoft.com/office/drawing/2012/chartStyle" xmlns:ns1="http://schemas.openxmlformats.org/officeDocument/2006/extended-properties" xmlns:vt="http://schemas.openxmlformats.org/officeDocument/2006/docPropsVTypes" xmlns:p14="http://schemas.microsoft.com/office/powerpoint/2010/main" val="1725451570515"/>
+        <p14:creationId xmlns:p14="http://schemas.microsoft.com/office/powerpoint/2010/main" xmlns:vt="http://schemas.openxmlformats.org/officeDocument/2006/docPropsVTypes" xmlns:ns1="http://schemas.openxmlformats.org/officeDocument/2006/extended-properties" xmlns:cs="http://schemas.microsoft.com/office/drawing/2012/chartStyle" xmlns:c="http://schemas.openxmlformats.org/drawingml/2006/chart" xmlns="" val="1725451570515"/>
       </p:ext>
     </p:extLst>
   </p:cSld>
@@ -5655,7 +5655,7 @@
           <p:cNvPr id="2" name="TextShape 1">
             <a:extLst>
               <a:ext uri="{EB3431F4-4BB7-4DBF-B92F-27F43EDC8454}">
-                <a16:creationId xmlns:a16="http://schemas.microsoft.com/office/drawing/2010/main" xmlns:vt="http://schemas.openxmlformats.org/officeDocument/2006/docPropsVTypes" xmlns:ns1="http://schemas.openxmlformats.org/officeDocument/2006/extended-properties" xmlns:cs="http://schemas.microsoft.com/office/drawing/2012/chartStyle" xmlns:c="http://schemas.openxmlformats.org/drawingml/2006/chart" xmlns="" id="{0EA175CE-BDA2-4440-8674-D07C356B121B}"/>
+                <a16:creationId xmlns="" xmlns:c="http://schemas.openxmlformats.org/drawingml/2006/chart" xmlns:cs="http://schemas.microsoft.com/office/drawing/2012/chartStyle" xmlns:ns1="http://schemas.openxmlformats.org/officeDocument/2006/extended-properties" xmlns:vt="http://schemas.openxmlformats.org/officeDocument/2006/docPropsVTypes" xmlns:a16="http://schemas.microsoft.com/office/drawing/2010/main" id="{0EA175CE-BDA2-4440-8674-D07C356B121B}"/>
               </a:ext>
             </a:extLst>
           </p:cNvPr>
@@ -5701,7 +5701,7 @@
           <p:cNvPr id="3" name="TextShape 3">
             <a:extLst>
               <a:ext uri="{9AE72409-A8FA-4E43-9D86-979837CD1B1D}">
-                <a16:creationId xmlns:a16="http://schemas.microsoft.com/office/drawing/2010/main" xmlns:vt="http://schemas.openxmlformats.org/officeDocument/2006/docPropsVTypes" xmlns:ns1="http://schemas.openxmlformats.org/officeDocument/2006/extended-properties" xmlns:cs="http://schemas.microsoft.com/office/drawing/2012/chartStyle" xmlns:c="http://schemas.openxmlformats.org/drawingml/2006/chart" xmlns="" id="{E8857C45-BED2-4DCB-A2CB-898C12BC84DB}"/>
+                <a16:creationId xmlns="" xmlns:c="http://schemas.openxmlformats.org/drawingml/2006/chart" xmlns:cs="http://schemas.microsoft.com/office/drawing/2012/chartStyle" xmlns:ns1="http://schemas.openxmlformats.org/officeDocument/2006/extended-properties" xmlns:vt="http://schemas.openxmlformats.org/officeDocument/2006/docPropsVTypes" xmlns:a16="http://schemas.microsoft.com/office/drawing/2010/main" id="{E8857C45-BED2-4DCB-A2CB-898C12BC84DB}"/>
               </a:ext>
             </a:extLst>
           </p:cNvPr>
@@ -5752,7 +5752,7 @@
     </p:spTree>
     <p:extLst>
       <p:ext uri="{D8681DED-C0B5-4A01-AA0A-4C71C5C739F1}">
-        <p14:creationId xmlns:p14="http://schemas.microsoft.com/office/powerpoint/2010/main" xmlns:vt="http://schemas.openxmlformats.org/officeDocument/2006/docPropsVTypes" xmlns:ns1="http://schemas.openxmlformats.org/officeDocument/2006/extended-properties" xmlns:cs="http://schemas.microsoft.com/office/drawing/2012/chartStyle" xmlns:c="http://schemas.openxmlformats.org/drawingml/2006/chart" xmlns="" val="1725451570516"/>
+        <p14:creationId xmlns="" xmlns:c="http://schemas.openxmlformats.org/drawingml/2006/chart" xmlns:cs="http://schemas.microsoft.com/office/drawing/2012/chartStyle" xmlns:ns1="http://schemas.openxmlformats.org/officeDocument/2006/extended-properties" xmlns:vt="http://schemas.openxmlformats.org/officeDocument/2006/docPropsVTypes" xmlns:p14="http://schemas.microsoft.com/office/powerpoint/2010/main" val="1725451570516"/>
       </p:ext>
     </p:extLst>
   </p:cSld>
@@ -5784,7 +5784,7 @@
           <p:cNvPr id="2" name="Title 1">
             <a:extLst>
               <a:ext uri="{996AF645-5A86-4B42-9BED-2A5770D898B6}">
-                <a16:creationId xmlns:a16="http://schemas.microsoft.com/office/drawing/2010/main" xmlns:vt="http://schemas.openxmlformats.org/officeDocument/2006/docPropsVTypes" xmlns:ns1="http://schemas.openxmlformats.org/officeDocument/2006/extended-properties" xmlns:cs="http://schemas.microsoft.com/office/drawing/2012/chartStyle" xmlns:c="http://schemas.openxmlformats.org/drawingml/2006/chart" xmlns="" id="{173C1C26-6C3B-47E5-800F-4EF92372E049}"/>
+                <a16:creationId xmlns="" xmlns:c="http://schemas.openxmlformats.org/drawingml/2006/chart" xmlns:cs="http://schemas.microsoft.com/office/drawing/2012/chartStyle" xmlns:ns1="http://schemas.openxmlformats.org/officeDocument/2006/extended-properties" xmlns:vt="http://schemas.openxmlformats.org/officeDocument/2006/docPropsVTypes" xmlns:a16="http://schemas.microsoft.com/office/drawing/2010/main" id="{173C1C26-6C3B-47E5-800F-4EF92372E049}"/>
               </a:ext>
             </a:extLst>
           </p:cNvPr>
@@ -5825,7 +5825,7 @@
           <p:cNvPr id="3" name="Text Placeholder 2">
             <a:extLst>
               <a:ext uri="{5AE0E925-78E6-4D69-B0CF-344770665430}">
-                <a16:creationId xmlns:a16="http://schemas.microsoft.com/office/drawing/2010/main" xmlns:vt="http://schemas.openxmlformats.org/officeDocument/2006/docPropsVTypes" xmlns:ns1="http://schemas.openxmlformats.org/officeDocument/2006/extended-properties" xmlns:cs="http://schemas.microsoft.com/office/drawing/2012/chartStyle" xmlns:c="http://schemas.openxmlformats.org/drawingml/2006/chart" xmlns="" id="{1A718510-5EAB-4EEA-9194-7CE2AE76BCB0}"/>
+                <a16:creationId xmlns="" xmlns:c="http://schemas.openxmlformats.org/drawingml/2006/chart" xmlns:cs="http://schemas.microsoft.com/office/drawing/2012/chartStyle" xmlns:ns1="http://schemas.openxmlformats.org/officeDocument/2006/extended-properties" xmlns:vt="http://schemas.openxmlformats.org/officeDocument/2006/docPropsVTypes" xmlns:a16="http://schemas.microsoft.com/office/drawing/2010/main" id="{1A718510-5EAB-4EEA-9194-7CE2AE76BCB0}"/>
               </a:ext>
             </a:extLst>
           </p:cNvPr>
@@ -5900,7 +5900,7 @@
           <p:cNvPr id="6" name="Picture 5">
             <a:extLst>
               <a:ext uri="{8E5B0347-42A0-4653-8F50-3D22370ACA14}">
-                <a16:creationId xmlns:a16="http://schemas.microsoft.com/office/drawing/2010/main" xmlns:vt="http://schemas.openxmlformats.org/officeDocument/2006/docPropsVTypes" xmlns:ns1="http://schemas.openxmlformats.org/officeDocument/2006/extended-properties" xmlns:cs="http://schemas.microsoft.com/office/drawing/2012/chartStyle" xmlns:c="http://schemas.openxmlformats.org/drawingml/2006/chart" xmlns="" id="{EF0F164D-3CDE-495F-9755-2C9DF20BBD4C}"/>
+                <a16:creationId xmlns="" xmlns:c="http://schemas.openxmlformats.org/drawingml/2006/chart" xmlns:cs="http://schemas.microsoft.com/office/drawing/2012/chartStyle" xmlns:ns1="http://schemas.openxmlformats.org/officeDocument/2006/extended-properties" xmlns:vt="http://schemas.openxmlformats.org/officeDocument/2006/docPropsVTypes" xmlns:a16="http://schemas.microsoft.com/office/drawing/2010/main" id="{EF0F164D-3CDE-495F-9755-2C9DF20BBD4C}"/>
               </a:ext>
             </a:extLst>
           </p:cNvPr>
@@ -5937,7 +5937,7 @@
     </p:spTree>
     <p:extLst>
       <p:ext uri="{79EDF9BA-1A1A-42CC-A67E-5D76495BDF32}">
-        <p14:creationId xmlns:p14="http://schemas.microsoft.com/office/powerpoint/2010/main" xmlns:vt="http://schemas.openxmlformats.org/officeDocument/2006/docPropsVTypes" xmlns:ns1="http://schemas.openxmlformats.org/officeDocument/2006/extended-properties" xmlns:cs="http://schemas.microsoft.com/office/drawing/2012/chartStyle" xmlns:c="http://schemas.openxmlformats.org/drawingml/2006/chart" xmlns="" val="1725451570505"/>
+        <p14:creationId xmlns="" xmlns:c="http://schemas.openxmlformats.org/drawingml/2006/chart" xmlns:cs="http://schemas.microsoft.com/office/drawing/2012/chartStyle" xmlns:ns1="http://schemas.openxmlformats.org/officeDocument/2006/extended-properties" xmlns:vt="http://schemas.openxmlformats.org/officeDocument/2006/docPropsVTypes" xmlns:p14="http://schemas.microsoft.com/office/powerpoint/2010/main" val="1725451570505"/>
       </p:ext>
     </p:extLst>
   </p:cSld>
@@ -5969,7 +5969,7 @@
           <p:cNvPr id="2" name="TextShape 1">
             <a:extLst>
               <a:ext uri="{018158CB-7AAD-4F13-BE9D-9E3113309920}">
-                <a16:creationId xmlns:a16="http://schemas.microsoft.com/office/drawing/2010/main" xmlns:vt="http://schemas.openxmlformats.org/officeDocument/2006/docPropsVTypes" xmlns:ns1="http://schemas.openxmlformats.org/officeDocument/2006/extended-properties" xmlns:cs="http://schemas.microsoft.com/office/drawing/2012/chartStyle" xmlns:c="http://schemas.openxmlformats.org/drawingml/2006/chart" xmlns="" id="{843A0093-F8B0-4CCB-8E7C-37DD2DBEEB89}"/>
+                <a16:creationId xmlns="" xmlns:c="http://schemas.openxmlformats.org/drawingml/2006/chart" xmlns:cs="http://schemas.microsoft.com/office/drawing/2012/chartStyle" xmlns:ns1="http://schemas.openxmlformats.org/officeDocument/2006/extended-properties" xmlns:vt="http://schemas.openxmlformats.org/officeDocument/2006/docPropsVTypes" xmlns:a16="http://schemas.microsoft.com/office/drawing/2010/main" id="{843A0093-F8B0-4CCB-8E7C-37DD2DBEEB89}"/>
               </a:ext>
             </a:extLst>
           </p:cNvPr>
@@ -6015,7 +6015,7 @@
           <p:cNvPr id="4" name="TextShape 2">
             <a:extLst>
               <a:ext uri="{D5C2878E-425B-4617-A256-934EB526FA3E}">
-                <a16:creationId xmlns:a16="http://schemas.microsoft.com/office/drawing/2010/main" xmlns:vt="http://schemas.openxmlformats.org/officeDocument/2006/docPropsVTypes" xmlns:ns1="http://schemas.openxmlformats.org/officeDocument/2006/extended-properties" xmlns:cs="http://schemas.microsoft.com/office/drawing/2012/chartStyle" xmlns:c="http://schemas.openxmlformats.org/drawingml/2006/chart" xmlns="" id="{CB9442DD-6A83-4E8B-ADC0-0377973833B5}"/>
+                <a16:creationId xmlns="" xmlns:c="http://schemas.openxmlformats.org/drawingml/2006/chart" xmlns:cs="http://schemas.microsoft.com/office/drawing/2012/chartStyle" xmlns:ns1="http://schemas.openxmlformats.org/officeDocument/2006/extended-properties" xmlns:vt="http://schemas.openxmlformats.org/officeDocument/2006/docPropsVTypes" xmlns:a16="http://schemas.microsoft.com/office/drawing/2010/main" id="{CB9442DD-6A83-4E8B-ADC0-0377973833B5}"/>
               </a:ext>
             </a:extLst>
           </p:cNvPr>
@@ -6315,7 +6315,7 @@
     </p:spTree>
     <p:extLst>
       <p:ext uri="{9BE60696-63D1-45D4-93CD-D43DBB807D6B}">
-        <p14:creationId xmlns:p14="http://schemas.microsoft.com/office/powerpoint/2010/main" xmlns:vt="http://schemas.openxmlformats.org/officeDocument/2006/docPropsVTypes" xmlns:ns1="http://schemas.openxmlformats.org/officeDocument/2006/extended-properties" xmlns:cs="http://schemas.microsoft.com/office/drawing/2012/chartStyle" xmlns:c="http://schemas.openxmlformats.org/drawingml/2006/chart" xmlns="" val="1725451570506"/>
+        <p14:creationId xmlns="" xmlns:c="http://schemas.openxmlformats.org/drawingml/2006/chart" xmlns:cs="http://schemas.microsoft.com/office/drawing/2012/chartStyle" xmlns:ns1="http://schemas.openxmlformats.org/officeDocument/2006/extended-properties" xmlns:vt="http://schemas.openxmlformats.org/officeDocument/2006/docPropsVTypes" xmlns:p14="http://schemas.microsoft.com/office/powerpoint/2010/main" val="1725451570506"/>
       </p:ext>
     </p:extLst>
   </p:cSld>
@@ -6356,7 +6356,7 @@
                 <a16:creationId xmlns:a16="http://schemas.microsoft.com/office/drawing/2014/main" id="{4A28FA5C-7C40-0973-E0A0-019C434D2E18}"/>
               </a:ext>
               <a:ext uri="{018158CB-7AAD-4F13-BE9D-9E3113309920}">
-                <a16:creationId xmlns="" xmlns:c="http://schemas.openxmlformats.org/drawingml/2006/chart" xmlns:cs="http://schemas.microsoft.com/office/drawing/2012/chartStyle" xmlns:ns1="http://schemas.openxmlformats.org/officeDocument/2006/extended-properties" xmlns:vt="http://schemas.openxmlformats.org/officeDocument/2006/docPropsVTypes" xmlns:a16="http://schemas.microsoft.com/office/drawing/2010/main" id="{843A0093-F8B0-4CCB-8E7C-37DD2DBEEB89}"/>
+                <a16:creationId xmlns:a16="http://schemas.microsoft.com/office/drawing/2010/main" xmlns:vt="http://schemas.openxmlformats.org/officeDocument/2006/docPropsVTypes" xmlns:ns1="http://schemas.openxmlformats.org/officeDocument/2006/extended-properties" xmlns:cs="http://schemas.microsoft.com/office/drawing/2012/chartStyle" xmlns:c="http://schemas.openxmlformats.org/drawingml/2006/chart" xmlns="" id="{843A0093-F8B0-4CCB-8E7C-37DD2DBEEB89}"/>
               </a:ext>
             </a:extLst>
           </p:cNvPr>
@@ -6405,7 +6405,7 @@
                 <a16:creationId xmlns:a16="http://schemas.microsoft.com/office/drawing/2014/main" id="{ECAB5FAE-55A9-ACD0-5530-8BDD03123391}"/>
               </a:ext>
               <a:ext uri="{D5C2878E-425B-4617-A256-934EB526FA3E}">
-                <a16:creationId xmlns="" xmlns:c="http://schemas.openxmlformats.org/drawingml/2006/chart" xmlns:cs="http://schemas.microsoft.com/office/drawing/2012/chartStyle" xmlns:ns1="http://schemas.openxmlformats.org/officeDocument/2006/extended-properties" xmlns:vt="http://schemas.openxmlformats.org/officeDocument/2006/docPropsVTypes" xmlns:a16="http://schemas.microsoft.com/office/drawing/2010/main" id="{CB9442DD-6A83-4E8B-ADC0-0377973833B5}"/>
+                <a16:creationId xmlns:a16="http://schemas.microsoft.com/office/drawing/2010/main" xmlns:vt="http://schemas.openxmlformats.org/officeDocument/2006/docPropsVTypes" xmlns:ns1="http://schemas.openxmlformats.org/officeDocument/2006/extended-properties" xmlns:cs="http://schemas.microsoft.com/office/drawing/2012/chartStyle" xmlns:c="http://schemas.openxmlformats.org/drawingml/2006/chart" xmlns="" id="{CB9442DD-6A83-4E8B-ADC0-0377973833B5}"/>
               </a:ext>
             </a:extLst>
           </p:cNvPr>
@@ -6743,7 +6743,7 @@
         <p14:creationId xmlns:p14="http://schemas.microsoft.com/office/powerpoint/2010/main" val="4077709394"/>
       </p:ext>
       <p:ext uri="{9BE60696-63D1-45D4-93CD-D43DBB807D6B}">
-        <p14:creationId xmlns="" xmlns:c="http://schemas.openxmlformats.org/drawingml/2006/chart" xmlns:cs="http://schemas.microsoft.com/office/drawing/2012/chartStyle" xmlns:ns1="http://schemas.openxmlformats.org/officeDocument/2006/extended-properties" xmlns:vt="http://schemas.openxmlformats.org/officeDocument/2006/docPropsVTypes" xmlns:p14="http://schemas.microsoft.com/office/powerpoint/2010/main" val="1725451570506"/>
+        <p14:creationId xmlns:p14="http://schemas.microsoft.com/office/powerpoint/2010/main" xmlns:vt="http://schemas.openxmlformats.org/officeDocument/2006/docPropsVTypes" xmlns:ns1="http://schemas.openxmlformats.org/officeDocument/2006/extended-properties" xmlns:cs="http://schemas.microsoft.com/office/drawing/2012/chartStyle" xmlns:c="http://schemas.openxmlformats.org/drawingml/2006/chart" xmlns="" val="1725451570506"/>
       </p:ext>
     </p:extLst>
   </p:cSld>
@@ -6775,7 +6775,7 @@
           <p:cNvPr id="2" name="Title 1">
             <a:extLst>
               <a:ext uri="{ABD55965-AAC0-434F-93A6-6A38A7E4326F}">
-                <a16:creationId xmlns:a16="http://schemas.microsoft.com/office/drawing/2010/main" xmlns:vt="http://schemas.openxmlformats.org/officeDocument/2006/docPropsVTypes" xmlns:ns1="http://schemas.openxmlformats.org/officeDocument/2006/extended-properties" xmlns:cs="http://schemas.microsoft.com/office/drawing/2012/chartStyle" xmlns:c="http://schemas.openxmlformats.org/drawingml/2006/chart" xmlns="" id="{5CFEA8B9-342E-431D-B16F-C027D965B073}"/>
+                <a16:creationId xmlns="" xmlns:c="http://schemas.openxmlformats.org/drawingml/2006/chart" xmlns:cs="http://schemas.microsoft.com/office/drawing/2012/chartStyle" xmlns:ns1="http://schemas.openxmlformats.org/officeDocument/2006/extended-properties" xmlns:vt="http://schemas.openxmlformats.org/officeDocument/2006/docPropsVTypes" xmlns:a16="http://schemas.microsoft.com/office/drawing/2010/main" id="{5CFEA8B9-342E-431D-B16F-C027D965B073}"/>
               </a:ext>
             </a:extLst>
           </p:cNvPr>
@@ -6814,7 +6814,7 @@
           <p:cNvPr id="3" name="TextBox 3">
             <a:extLst>
               <a:ext uri="{8DCBD04A-EFBF-4DCF-9195-5F835808891B}">
-                <a16:creationId xmlns:a16="http://schemas.microsoft.com/office/drawing/2010/main" xmlns:vt="http://schemas.openxmlformats.org/officeDocument/2006/docPropsVTypes" xmlns:ns1="http://schemas.openxmlformats.org/officeDocument/2006/extended-properties" xmlns:cs="http://schemas.microsoft.com/office/drawing/2012/chartStyle" xmlns:c="http://schemas.openxmlformats.org/drawingml/2006/chart" xmlns="" id="{4284C9B5-4E97-4CAA-AFDC-22CD81C77859}"/>
+                <a16:creationId xmlns="" xmlns:c="http://schemas.openxmlformats.org/drawingml/2006/chart" xmlns:cs="http://schemas.microsoft.com/office/drawing/2012/chartStyle" xmlns:ns1="http://schemas.openxmlformats.org/officeDocument/2006/extended-properties" xmlns:vt="http://schemas.openxmlformats.org/officeDocument/2006/docPropsVTypes" xmlns:a16="http://schemas.microsoft.com/office/drawing/2010/main" id="{4284C9B5-4E97-4CAA-AFDC-22CD81C77859}"/>
               </a:ext>
             </a:extLst>
           </p:cNvPr>
@@ -7849,7 +7849,7 @@
     </p:spTree>
     <p:extLst>
       <p:ext uri="{C96DE47B-A4A2-4C14-967B-4E240D95E6FF}">
-        <p14:creationId xmlns:p14="http://schemas.microsoft.com/office/powerpoint/2010/main" xmlns:vt="http://schemas.openxmlformats.org/officeDocument/2006/docPropsVTypes" xmlns:ns1="http://schemas.openxmlformats.org/officeDocument/2006/extended-properties" xmlns:cs="http://schemas.microsoft.com/office/drawing/2012/chartStyle" xmlns:c="http://schemas.openxmlformats.org/drawingml/2006/chart" xmlns="" val="1725451570508"/>
+        <p14:creationId xmlns="" xmlns:c="http://schemas.openxmlformats.org/drawingml/2006/chart" xmlns:cs="http://schemas.microsoft.com/office/drawing/2012/chartStyle" xmlns:ns1="http://schemas.openxmlformats.org/officeDocument/2006/extended-properties" xmlns:vt="http://schemas.openxmlformats.org/officeDocument/2006/docPropsVTypes" xmlns:p14="http://schemas.microsoft.com/office/powerpoint/2010/main" val="1725451570508"/>
       </p:ext>
     </p:extLst>
   </p:cSld>
@@ -9193,7 +9193,7 @@
           <p:cNvPr id="2" name="Title 1">
             <a:extLst>
               <a:ext uri="{CEC05665-2C14-425B-ADBE-DAA735154B5B}">
-                <a16:creationId xmlns:a16="http://schemas.microsoft.com/office/drawing/2010/main" xmlns:vt="http://schemas.openxmlformats.org/officeDocument/2006/docPropsVTypes" xmlns:ns1="http://schemas.openxmlformats.org/officeDocument/2006/extended-properties" xmlns:cs="http://schemas.microsoft.com/office/drawing/2012/chartStyle" xmlns:c="http://schemas.openxmlformats.org/drawingml/2006/chart" xmlns="" id="{5B7214BF-BFCD-4425-9B1B-EC3795D8A7EF}"/>
+                <a16:creationId xmlns="" xmlns:c="http://schemas.openxmlformats.org/drawingml/2006/chart" xmlns:cs="http://schemas.microsoft.com/office/drawing/2012/chartStyle" xmlns:ns1="http://schemas.openxmlformats.org/officeDocument/2006/extended-properties" xmlns:vt="http://schemas.openxmlformats.org/officeDocument/2006/docPropsVTypes" xmlns:a16="http://schemas.microsoft.com/office/drawing/2010/main" id="{5B7214BF-BFCD-4425-9B1B-EC3795D8A7EF}"/>
               </a:ext>
             </a:extLst>
           </p:cNvPr>
@@ -9224,7 +9224,7 @@
           <p:cNvPr id="3" name="TextBox 2">
             <a:extLst>
               <a:ext uri="{78EC0886-F137-4378-AE8E-43EC76ADCEF9}">
-                <a16:creationId xmlns:a16="http://schemas.microsoft.com/office/drawing/2010/main" xmlns:vt="http://schemas.openxmlformats.org/officeDocument/2006/docPropsVTypes" xmlns:ns1="http://schemas.openxmlformats.org/officeDocument/2006/extended-properties" xmlns:cs="http://schemas.microsoft.com/office/drawing/2012/chartStyle" xmlns:c="http://schemas.openxmlformats.org/drawingml/2006/chart" xmlns="" id="{53B5C1F0-CC9B-481E-A028-911961DBD2E7}"/>
+                <a16:creationId xmlns="" xmlns:c="http://schemas.openxmlformats.org/drawingml/2006/chart" xmlns:cs="http://schemas.microsoft.com/office/drawing/2012/chartStyle" xmlns:ns1="http://schemas.openxmlformats.org/officeDocument/2006/extended-properties" xmlns:vt="http://schemas.openxmlformats.org/officeDocument/2006/docPropsVTypes" xmlns:a16="http://schemas.microsoft.com/office/drawing/2010/main" id="{53B5C1F0-CC9B-481E-A028-911961DBD2E7}"/>
               </a:ext>
             </a:extLst>
           </p:cNvPr>
@@ -9490,7 +9490,7 @@
     </p:spTree>
     <p:extLst>
       <p:ext uri="{E22729CB-0AB9-4AEB-8366-C21A23C1A9BF}">
-        <p14:creationId xmlns:p14="http://schemas.microsoft.com/office/powerpoint/2010/main" xmlns:vt="http://schemas.openxmlformats.org/officeDocument/2006/docPropsVTypes" xmlns:ns1="http://schemas.openxmlformats.org/officeDocument/2006/extended-properties" xmlns:cs="http://schemas.microsoft.com/office/drawing/2012/chartStyle" xmlns:c="http://schemas.openxmlformats.org/drawingml/2006/chart" xmlns="" val="1725451570512"/>
+        <p14:creationId xmlns="" xmlns:c="http://schemas.openxmlformats.org/drawingml/2006/chart" xmlns:cs="http://schemas.microsoft.com/office/drawing/2012/chartStyle" xmlns:ns1="http://schemas.openxmlformats.org/officeDocument/2006/extended-properties" xmlns:vt="http://schemas.openxmlformats.org/officeDocument/2006/docPropsVTypes" xmlns:p14="http://schemas.microsoft.com/office/powerpoint/2010/main" val="1725451570512"/>
       </p:ext>
     </p:extLst>
   </p:cSld>
@@ -9522,7 +9522,7 @@
           <p:cNvPr id="2" name="Text Placeholder 4">
             <a:extLst>
               <a:ext uri="{3763160F-11D0-4A7E-BC5B-FB93F9FDF400}">
-                <a16:creationId xmlns:a16="http://schemas.microsoft.com/office/drawing/2010/main" xmlns:vt="http://schemas.openxmlformats.org/officeDocument/2006/docPropsVTypes" xmlns:ns1="http://schemas.openxmlformats.org/officeDocument/2006/extended-properties" xmlns:cs="http://schemas.microsoft.com/office/drawing/2012/chartStyle" xmlns:c="http://schemas.openxmlformats.org/drawingml/2006/chart" xmlns="" id="{060E92BF-D30E-4133-83EB-E2A9A442495D}"/>
+                <a16:creationId xmlns="" xmlns:c="http://schemas.openxmlformats.org/drawingml/2006/chart" xmlns:cs="http://schemas.microsoft.com/office/drawing/2012/chartStyle" xmlns:ns1="http://schemas.openxmlformats.org/officeDocument/2006/extended-properties" xmlns:vt="http://schemas.openxmlformats.org/officeDocument/2006/docPropsVTypes" xmlns:a16="http://schemas.microsoft.com/office/drawing/2010/main" id="{060E92BF-D30E-4133-83EB-E2A9A442495D}"/>
               </a:ext>
             </a:extLst>
           </p:cNvPr>
@@ -9561,7 +9561,7 @@
           <p:cNvPr id="3" name="Text Placeholder 5">
             <a:extLst>
               <a:ext uri="{FF6109CA-1901-4625-B6FE-47CC71EB2110}">
-                <a16:creationId xmlns:a16="http://schemas.microsoft.com/office/drawing/2010/main" xmlns:vt="http://schemas.openxmlformats.org/officeDocument/2006/docPropsVTypes" xmlns:ns1="http://schemas.openxmlformats.org/officeDocument/2006/extended-properties" xmlns:cs="http://schemas.microsoft.com/office/drawing/2012/chartStyle" xmlns:c="http://schemas.openxmlformats.org/drawingml/2006/chart" xmlns="" id="{DBF85AA0-2D9E-489C-A2B9-BED882D190DB}"/>
+                <a16:creationId xmlns="" xmlns:c="http://schemas.openxmlformats.org/drawingml/2006/chart" xmlns:cs="http://schemas.microsoft.com/office/drawing/2012/chartStyle" xmlns:ns1="http://schemas.openxmlformats.org/officeDocument/2006/extended-properties" xmlns:vt="http://schemas.openxmlformats.org/officeDocument/2006/docPropsVTypes" xmlns:a16="http://schemas.microsoft.com/office/drawing/2010/main" id="{DBF85AA0-2D9E-489C-A2B9-BED882D190DB}"/>
               </a:ext>
             </a:extLst>
           </p:cNvPr>
@@ -9615,7 +9615,7 @@
           <p:cNvPr id="4" name="Title 1">
             <a:extLst>
               <a:ext uri="{E63B6A04-4D08-4A36-B734-7D942E565B37}">
-                <a16:creationId xmlns:a16="http://schemas.microsoft.com/office/drawing/2010/main" xmlns:vt="http://schemas.openxmlformats.org/officeDocument/2006/docPropsVTypes" xmlns:ns1="http://schemas.openxmlformats.org/officeDocument/2006/extended-properties" xmlns:cs="http://schemas.microsoft.com/office/drawing/2012/chartStyle" xmlns:c="http://schemas.openxmlformats.org/drawingml/2006/chart" xmlns="" id="{E6ACDA48-AEF7-44E7-A0C4-01EAC59C6776}"/>
+                <a16:creationId xmlns="" xmlns:c="http://schemas.openxmlformats.org/drawingml/2006/chart" xmlns:cs="http://schemas.microsoft.com/office/drawing/2012/chartStyle" xmlns:ns1="http://schemas.openxmlformats.org/officeDocument/2006/extended-properties" xmlns:vt="http://schemas.openxmlformats.org/officeDocument/2006/docPropsVTypes" xmlns:a16="http://schemas.microsoft.com/office/drawing/2010/main" id="{E6ACDA48-AEF7-44E7-A0C4-01EAC59C6776}"/>
               </a:ext>
             </a:extLst>
           </p:cNvPr>
@@ -9656,7 +9656,7 @@
           <p:cNvPr id="5" name="Picture 6">
             <a:extLst>
               <a:ext uri="{E4003412-91BD-4680-8CB2-407EE33EE179}">
-                <a16:creationId xmlns:a16="http://schemas.microsoft.com/office/drawing/2010/main" xmlns:vt="http://schemas.openxmlformats.org/officeDocument/2006/docPropsVTypes" xmlns:ns1="http://schemas.openxmlformats.org/officeDocument/2006/extended-properties" xmlns:cs="http://schemas.microsoft.com/office/drawing/2012/chartStyle" xmlns:c="http://schemas.openxmlformats.org/drawingml/2006/chart" xmlns="" id="{35D2D138-B3D3-485B-A426-E24B296BCE14}"/>
+                <a16:creationId xmlns="" xmlns:c="http://schemas.openxmlformats.org/drawingml/2006/chart" xmlns:cs="http://schemas.microsoft.com/office/drawing/2012/chartStyle" xmlns:ns1="http://schemas.openxmlformats.org/officeDocument/2006/extended-properties" xmlns:vt="http://schemas.openxmlformats.org/officeDocument/2006/docPropsVTypes" xmlns:a16="http://schemas.microsoft.com/office/drawing/2010/main" id="{35D2D138-B3D3-485B-A426-E24B296BCE14}"/>
               </a:ext>
             </a:extLst>
           </p:cNvPr>
@@ -9686,7 +9686,7 @@
     </p:spTree>
     <p:extLst>
       <p:ext uri="{A3940CE7-1BF6-4CB8-A6B0-627E378ECA5B}">
-        <p14:creationId xmlns:p14="http://schemas.microsoft.com/office/powerpoint/2010/main" xmlns:vt="http://schemas.openxmlformats.org/officeDocument/2006/docPropsVTypes" xmlns:ns1="http://schemas.openxmlformats.org/officeDocument/2006/extended-properties" xmlns:cs="http://schemas.microsoft.com/office/drawing/2012/chartStyle" xmlns:c="http://schemas.openxmlformats.org/drawingml/2006/chart" xmlns="" val="1725451570513"/>
+        <p14:creationId xmlns="" xmlns:c="http://schemas.openxmlformats.org/drawingml/2006/chart" xmlns:cs="http://schemas.microsoft.com/office/drawing/2012/chartStyle" xmlns:ns1="http://schemas.openxmlformats.org/officeDocument/2006/extended-properties" xmlns:vt="http://schemas.openxmlformats.org/officeDocument/2006/docPropsVTypes" xmlns:p14="http://schemas.microsoft.com/office/powerpoint/2010/main" val="1725451570513"/>
       </p:ext>
     </p:extLst>
   </p:cSld>
@@ -9727,7 +9727,7 @@
                 <a16:creationId xmlns:a16="http://schemas.microsoft.com/office/drawing/2014/main" id="{F1B934A3-6E9C-145B-9CBF-0B90F9345B25}"/>
               </a:ext>
               <a:ext uri="{3763160F-11D0-4A7E-BC5B-FB93F9FDF400}">
-                <a16:creationId xmlns="" xmlns:c="http://schemas.openxmlformats.org/drawingml/2006/chart" xmlns:cs="http://schemas.microsoft.com/office/drawing/2012/chartStyle" xmlns:ns1="http://schemas.openxmlformats.org/officeDocument/2006/extended-properties" xmlns:vt="http://schemas.openxmlformats.org/officeDocument/2006/docPropsVTypes" xmlns:a16="http://schemas.microsoft.com/office/drawing/2010/main" id="{060E92BF-D30E-4133-83EB-E2A9A442495D}"/>
+                <a16:creationId xmlns:a16="http://schemas.microsoft.com/office/drawing/2010/main" xmlns:vt="http://schemas.openxmlformats.org/officeDocument/2006/docPropsVTypes" xmlns:ns1="http://schemas.openxmlformats.org/officeDocument/2006/extended-properties" xmlns:cs="http://schemas.microsoft.com/office/drawing/2012/chartStyle" xmlns:c="http://schemas.openxmlformats.org/drawingml/2006/chart" xmlns="" id="{060E92BF-D30E-4133-83EB-E2A9A442495D}"/>
               </a:ext>
             </a:extLst>
           </p:cNvPr>
@@ -9769,7 +9769,7 @@
                 <a16:creationId xmlns:a16="http://schemas.microsoft.com/office/drawing/2014/main" id="{7012DB3A-EED6-52E3-53F0-0F60094393B5}"/>
               </a:ext>
               <a:ext uri="{FF6109CA-1901-4625-B6FE-47CC71EB2110}">
-                <a16:creationId xmlns="" xmlns:c="http://schemas.openxmlformats.org/drawingml/2006/chart" xmlns:cs="http://schemas.microsoft.com/office/drawing/2012/chartStyle" xmlns:ns1="http://schemas.openxmlformats.org/officeDocument/2006/extended-properties" xmlns:vt="http://schemas.openxmlformats.org/officeDocument/2006/docPropsVTypes" xmlns:a16="http://schemas.microsoft.com/office/drawing/2010/main" id="{DBF85AA0-2D9E-489C-A2B9-BED882D190DB}"/>
+                <a16:creationId xmlns:a16="http://schemas.microsoft.com/office/drawing/2010/main" xmlns:vt="http://schemas.openxmlformats.org/officeDocument/2006/docPropsVTypes" xmlns:ns1="http://schemas.openxmlformats.org/officeDocument/2006/extended-properties" xmlns:cs="http://schemas.microsoft.com/office/drawing/2012/chartStyle" xmlns:c="http://schemas.openxmlformats.org/drawingml/2006/chart" xmlns="" id="{DBF85AA0-2D9E-489C-A2B9-BED882D190DB}"/>
               </a:ext>
             </a:extLst>
           </p:cNvPr>
@@ -10029,7 +10029,7 @@
                 <a16:creationId xmlns:a16="http://schemas.microsoft.com/office/drawing/2014/main" id="{1DA6894B-7BCD-E748-7F2C-93739612FD2C}"/>
               </a:ext>
               <a:ext uri="{E63B6A04-4D08-4A36-B734-7D942E565B37}">
-                <a16:creationId xmlns="" xmlns:c="http://schemas.openxmlformats.org/drawingml/2006/chart" xmlns:cs="http://schemas.microsoft.com/office/drawing/2012/chartStyle" xmlns:ns1="http://schemas.openxmlformats.org/officeDocument/2006/extended-properties" xmlns:vt="http://schemas.openxmlformats.org/officeDocument/2006/docPropsVTypes" xmlns:a16="http://schemas.microsoft.com/office/drawing/2010/main" id="{E6ACDA48-AEF7-44E7-A0C4-01EAC59C6776}"/>
+                <a16:creationId xmlns:a16="http://schemas.microsoft.com/office/drawing/2010/main" xmlns:vt="http://schemas.openxmlformats.org/officeDocument/2006/docPropsVTypes" xmlns:ns1="http://schemas.openxmlformats.org/officeDocument/2006/extended-properties" xmlns:cs="http://schemas.microsoft.com/office/drawing/2012/chartStyle" xmlns:c="http://schemas.openxmlformats.org/drawingml/2006/chart" xmlns="" id="{E6ACDA48-AEF7-44E7-A0C4-01EAC59C6776}"/>
               </a:ext>
             </a:extLst>
           </p:cNvPr>
@@ -10101,7 +10101,7 @@
         <p14:creationId xmlns:p14="http://schemas.microsoft.com/office/powerpoint/2010/main" val="2503469018"/>
       </p:ext>
       <p:ext uri="{A3940CE7-1BF6-4CB8-A6B0-627E378ECA5B}">
-        <p14:creationId xmlns="" xmlns:c="http://schemas.openxmlformats.org/drawingml/2006/chart" xmlns:cs="http://schemas.microsoft.com/office/drawing/2012/chartStyle" xmlns:ns1="http://schemas.openxmlformats.org/officeDocument/2006/extended-properties" xmlns:vt="http://schemas.openxmlformats.org/officeDocument/2006/docPropsVTypes" xmlns:p14="http://schemas.microsoft.com/office/powerpoint/2010/main" val="1725451570513"/>
+        <p14:creationId xmlns:p14="http://schemas.microsoft.com/office/powerpoint/2010/main" xmlns:vt="http://schemas.openxmlformats.org/officeDocument/2006/docPropsVTypes" xmlns:ns1="http://schemas.openxmlformats.org/officeDocument/2006/extended-properties" xmlns:cs="http://schemas.microsoft.com/office/drawing/2012/chartStyle" xmlns:c="http://schemas.openxmlformats.org/drawingml/2006/chart" xmlns="" val="1725451570513"/>
       </p:ext>
     </p:extLst>
   </p:cSld>

--- a/files/ppt.pptx
+++ b/files/ppt.pptx
@@ -201,7 +201,7 @@
           <a:p>
             <a:fld id="{44B65459-4C01-9248-BDAA-F28591FAF6F5}" type="datetimeFigureOut">
               <a:rPr lang="en-US" smtClean="0"/>
-              <a:t>3/5/2025</a:t>
+              <a:t>3/6/2025</a:t>
             </a:fld>
             <a:endParaRPr lang="en-US"/>
           </a:p>
@@ -626,7 +626,7 @@
           <p:cNvPr id="2" name="Footer Placeholder 4">
             <a:extLst>
               <a:ext uri="{7E63DD45-CC51-4F78-BABB-1264CF0E28B7}">
-                <a16:creationId xmlns="" xmlns:c="http://schemas.openxmlformats.org/drawingml/2006/chart" xmlns:cs="http://schemas.microsoft.com/office/drawing/2012/chartStyle" xmlns:ns1="http://schemas.openxmlformats.org/officeDocument/2006/extended-properties" xmlns:vt="http://schemas.openxmlformats.org/officeDocument/2006/docPropsVTypes" xmlns:a16="http://schemas.microsoft.com/office/drawing/2010/main" id="{9F2FB918-20DE-4564-BCE0-CBCD6011E7F0}"/>
+                <a16:creationId xmlns:a16="http://schemas.microsoft.com/office/drawing/2010/main" xmlns:vt="http://schemas.openxmlformats.org/officeDocument/2006/docPropsVTypes" xmlns:ns1="http://schemas.openxmlformats.org/officeDocument/2006/extended-properties" xmlns:cs="http://schemas.microsoft.com/office/drawing/2012/chartStyle" xmlns:c="http://schemas.openxmlformats.org/drawingml/2006/chart" xmlns="" id="{9F2FB918-20DE-4564-BCE0-CBCD6011E7F0}"/>
               </a:ext>
             </a:extLst>
           </p:cNvPr>
@@ -656,7 +656,7 @@
           <p:cNvPr id="3" name="Slide Number Placeholder 5">
             <a:extLst>
               <a:ext uri="{0AE553BF-F3F1-4009-833F-5EE19CD499BA}">
-                <a16:creationId xmlns="" xmlns:c="http://schemas.openxmlformats.org/drawingml/2006/chart" xmlns:cs="http://schemas.microsoft.com/office/drawing/2012/chartStyle" xmlns:ns1="http://schemas.openxmlformats.org/officeDocument/2006/extended-properties" xmlns:vt="http://schemas.openxmlformats.org/officeDocument/2006/docPropsVTypes" xmlns:a16="http://schemas.microsoft.com/office/drawing/2010/main" id="{534723BC-317B-4B4F-8F8C-2394E5D6087C}"/>
+                <a16:creationId xmlns:a16="http://schemas.microsoft.com/office/drawing/2010/main" xmlns:vt="http://schemas.openxmlformats.org/officeDocument/2006/docPropsVTypes" xmlns:ns1="http://schemas.openxmlformats.org/officeDocument/2006/extended-properties" xmlns:cs="http://schemas.microsoft.com/office/drawing/2012/chartStyle" xmlns:c="http://schemas.openxmlformats.org/drawingml/2006/chart" xmlns="" id="{534723BC-317B-4B4F-8F8C-2394E5D6087C}"/>
               </a:ext>
             </a:extLst>
           </p:cNvPr>
@@ -686,7 +686,7 @@
           <p:cNvPr id="4" name="Date Placeholder 3">
             <a:extLst>
               <a:ext uri="{EE6DC50B-4624-4797-9AC0-058C9E89D076}">
-                <a16:creationId xmlns="" xmlns:c="http://schemas.openxmlformats.org/drawingml/2006/chart" xmlns:cs="http://schemas.microsoft.com/office/drawing/2012/chartStyle" xmlns:ns1="http://schemas.openxmlformats.org/officeDocument/2006/extended-properties" xmlns:vt="http://schemas.openxmlformats.org/officeDocument/2006/docPropsVTypes" xmlns:a16="http://schemas.microsoft.com/office/drawing/2010/main" id="{6DED6DBB-866E-4D6C-8AD3-75EEE3BCCE08}"/>
+                <a16:creationId xmlns:a16="http://schemas.microsoft.com/office/drawing/2010/main" xmlns:vt="http://schemas.openxmlformats.org/officeDocument/2006/docPropsVTypes" xmlns:ns1="http://schemas.openxmlformats.org/officeDocument/2006/extended-properties" xmlns:cs="http://schemas.microsoft.com/office/drawing/2012/chartStyle" xmlns:c="http://schemas.openxmlformats.org/drawingml/2006/chart" xmlns="" id="{6DED6DBB-866E-4D6C-8AD3-75EEE3BCCE08}"/>
               </a:ext>
             </a:extLst>
           </p:cNvPr>
@@ -714,7 +714,7 @@
     </p:spTree>
     <p:extLst>
       <p:ext uri="{0D6D7EE9-57A9-42B8-A21E-3BB2D55BDBFD}">
-        <p14:creationId xmlns="" xmlns:c="http://schemas.openxmlformats.org/drawingml/2006/chart" xmlns:cs="http://schemas.microsoft.com/office/drawing/2012/chartStyle" xmlns:ns1="http://schemas.openxmlformats.org/officeDocument/2006/extended-properties" xmlns:vt="http://schemas.openxmlformats.org/officeDocument/2006/docPropsVTypes" xmlns:p14="http://schemas.microsoft.com/office/powerpoint/2010/main" val="1725451570479"/>
+        <p14:creationId xmlns:p14="http://schemas.microsoft.com/office/powerpoint/2010/main" xmlns:vt="http://schemas.openxmlformats.org/officeDocument/2006/docPropsVTypes" xmlns:ns1="http://schemas.openxmlformats.org/officeDocument/2006/extended-properties" xmlns:cs="http://schemas.microsoft.com/office/drawing/2012/chartStyle" xmlns:c="http://schemas.openxmlformats.org/drawingml/2006/chart" xmlns="" val="1725451570479"/>
       </p:ext>
     </p:extLst>
   </p:cSld>
@@ -746,7 +746,7 @@
           <p:cNvPr id="4" name="PlaceHolder 1">
             <a:extLst>
               <a:ext uri="{22FBA574-9B94-4AEA-A13D-0DA1C4C895BA}">
-                <a16:creationId xmlns="" xmlns:c="http://schemas.openxmlformats.org/drawingml/2006/chart" xmlns:cs="http://schemas.microsoft.com/office/drawing/2012/chartStyle" xmlns:ns1="http://schemas.openxmlformats.org/officeDocument/2006/extended-properties" xmlns:vt="http://schemas.openxmlformats.org/officeDocument/2006/docPropsVTypes" xmlns:a16="http://schemas.microsoft.com/office/drawing/2010/main" id="{934E77A3-724D-4DB6-B26E-7B175E28D3C5}"/>
+                <a16:creationId xmlns:a16="http://schemas.microsoft.com/office/drawing/2010/main" xmlns:vt="http://schemas.openxmlformats.org/officeDocument/2006/docPropsVTypes" xmlns:ns1="http://schemas.openxmlformats.org/officeDocument/2006/extended-properties" xmlns:cs="http://schemas.microsoft.com/office/drawing/2012/chartStyle" xmlns:c="http://schemas.openxmlformats.org/drawingml/2006/chart" xmlns="" id="{934E77A3-724D-4DB6-B26E-7B175E28D3C5}"/>
               </a:ext>
             </a:extLst>
           </p:cNvPr>
@@ -786,7 +786,7 @@
           <p:cNvPr id="2" name="PlaceHolder 2">
             <a:extLst>
               <a:ext uri="{9C42F8D6-4596-465E-8F79-5A5E34848478}">
-                <a16:creationId xmlns="" xmlns:c="http://schemas.openxmlformats.org/drawingml/2006/chart" xmlns:cs="http://schemas.microsoft.com/office/drawing/2012/chartStyle" xmlns:ns1="http://schemas.openxmlformats.org/officeDocument/2006/extended-properties" xmlns:vt="http://schemas.openxmlformats.org/officeDocument/2006/docPropsVTypes" xmlns:a16="http://schemas.microsoft.com/office/drawing/2010/main" id="{CB9BF2F1-33A1-47FF-813E-8F0269CC1FA8}"/>
+                <a16:creationId xmlns:a16="http://schemas.microsoft.com/office/drawing/2010/main" xmlns:vt="http://schemas.openxmlformats.org/officeDocument/2006/docPropsVTypes" xmlns:ns1="http://schemas.openxmlformats.org/officeDocument/2006/extended-properties" xmlns:cs="http://schemas.microsoft.com/office/drawing/2012/chartStyle" xmlns:c="http://schemas.openxmlformats.org/drawingml/2006/chart" xmlns="" id="{CB9BF2F1-33A1-47FF-813E-8F0269CC1FA8}"/>
               </a:ext>
             </a:extLst>
           </p:cNvPr>
@@ -826,7 +826,7 @@
           <p:cNvPr id="3" name="PlaceHolder 3">
             <a:extLst>
               <a:ext uri="{BEFDF029-36C8-4DC2-85CD-310141B0A713}">
-                <a16:creationId xmlns="" xmlns:c="http://schemas.openxmlformats.org/drawingml/2006/chart" xmlns:cs="http://schemas.microsoft.com/office/drawing/2012/chartStyle" xmlns:ns1="http://schemas.openxmlformats.org/officeDocument/2006/extended-properties" xmlns:vt="http://schemas.openxmlformats.org/officeDocument/2006/docPropsVTypes" xmlns:a16="http://schemas.microsoft.com/office/drawing/2010/main" id="{53B37E69-46CC-432C-8045-CC987053A3F7}"/>
+                <a16:creationId xmlns:a16="http://schemas.microsoft.com/office/drawing/2010/main" xmlns:vt="http://schemas.openxmlformats.org/officeDocument/2006/docPropsVTypes" xmlns:ns1="http://schemas.openxmlformats.org/officeDocument/2006/extended-properties" xmlns:cs="http://schemas.microsoft.com/office/drawing/2012/chartStyle" xmlns:c="http://schemas.openxmlformats.org/drawingml/2006/chart" xmlns="" id="{53B37E69-46CC-432C-8045-CC987053A3F7}"/>
               </a:ext>
             </a:extLst>
           </p:cNvPr>
@@ -866,7 +866,7 @@
           <p:cNvPr id="5" name="Footer Placeholder 4">
             <a:extLst>
               <a:ext uri="{E567B75A-8D5E-4DBE-994E-89279D5BD25A}">
-                <a16:creationId xmlns="" xmlns:c="http://schemas.openxmlformats.org/drawingml/2006/chart" xmlns:cs="http://schemas.microsoft.com/office/drawing/2012/chartStyle" xmlns:ns1="http://schemas.openxmlformats.org/officeDocument/2006/extended-properties" xmlns:vt="http://schemas.openxmlformats.org/officeDocument/2006/docPropsVTypes" xmlns:a16="http://schemas.microsoft.com/office/drawing/2010/main" id="{B8676D2E-2ECB-41F0-A8CE-8BC4C9513C86}"/>
+                <a16:creationId xmlns:a16="http://schemas.microsoft.com/office/drawing/2010/main" xmlns:vt="http://schemas.openxmlformats.org/officeDocument/2006/docPropsVTypes" xmlns:ns1="http://schemas.openxmlformats.org/officeDocument/2006/extended-properties" xmlns:cs="http://schemas.microsoft.com/office/drawing/2012/chartStyle" xmlns:c="http://schemas.openxmlformats.org/drawingml/2006/chart" xmlns="" id="{B8676D2E-2ECB-41F0-A8CE-8BC4C9513C86}"/>
               </a:ext>
             </a:extLst>
           </p:cNvPr>
@@ -896,7 +896,7 @@
           <p:cNvPr id="6" name="Slide Number Placeholder 5">
             <a:extLst>
               <a:ext uri="{70540FFD-9ED9-4CD3-A79B-8EAD77BA2EEE}">
-                <a16:creationId xmlns="" xmlns:c="http://schemas.openxmlformats.org/drawingml/2006/chart" xmlns:cs="http://schemas.microsoft.com/office/drawing/2012/chartStyle" xmlns:ns1="http://schemas.openxmlformats.org/officeDocument/2006/extended-properties" xmlns:vt="http://schemas.openxmlformats.org/officeDocument/2006/docPropsVTypes" xmlns:a16="http://schemas.microsoft.com/office/drawing/2010/main" id="{925D7328-2E8C-45FE-99DC-223E6B6F8809}"/>
+                <a16:creationId xmlns:a16="http://schemas.microsoft.com/office/drawing/2010/main" xmlns:vt="http://schemas.openxmlformats.org/officeDocument/2006/docPropsVTypes" xmlns:ns1="http://schemas.openxmlformats.org/officeDocument/2006/extended-properties" xmlns:cs="http://schemas.microsoft.com/office/drawing/2012/chartStyle" xmlns:c="http://schemas.openxmlformats.org/drawingml/2006/chart" xmlns="" id="{925D7328-2E8C-45FE-99DC-223E6B6F8809}"/>
               </a:ext>
             </a:extLst>
           </p:cNvPr>
@@ -926,7 +926,7 @@
           <p:cNvPr id="7" name="Date Placeholder 3">
             <a:extLst>
               <a:ext uri="{9282D384-3708-4CCA-9483-AA504587240D}">
-                <a16:creationId xmlns="" xmlns:c="http://schemas.openxmlformats.org/drawingml/2006/chart" xmlns:cs="http://schemas.microsoft.com/office/drawing/2012/chartStyle" xmlns:ns1="http://schemas.openxmlformats.org/officeDocument/2006/extended-properties" xmlns:vt="http://schemas.openxmlformats.org/officeDocument/2006/docPropsVTypes" xmlns:a16="http://schemas.microsoft.com/office/drawing/2010/main" id="{387ADD13-CE1D-480B-BFAB-4F5BA51E3C3C}"/>
+                <a16:creationId xmlns:a16="http://schemas.microsoft.com/office/drawing/2010/main" xmlns:vt="http://schemas.openxmlformats.org/officeDocument/2006/docPropsVTypes" xmlns:ns1="http://schemas.openxmlformats.org/officeDocument/2006/extended-properties" xmlns:cs="http://schemas.microsoft.com/office/drawing/2012/chartStyle" xmlns:c="http://schemas.openxmlformats.org/drawingml/2006/chart" xmlns="" id="{387ADD13-CE1D-480B-BFAB-4F5BA51E3C3C}"/>
               </a:ext>
             </a:extLst>
           </p:cNvPr>
@@ -954,7 +954,7 @@
     </p:spTree>
     <p:extLst>
       <p:ext uri="{CB7523AE-2802-4065-A95A-82AC275418D5}">
-        <p14:creationId xmlns="" xmlns:c="http://schemas.openxmlformats.org/drawingml/2006/chart" xmlns:cs="http://schemas.microsoft.com/office/drawing/2012/chartStyle" xmlns:ns1="http://schemas.openxmlformats.org/officeDocument/2006/extended-properties" xmlns:vt="http://schemas.openxmlformats.org/officeDocument/2006/docPropsVTypes" xmlns:p14="http://schemas.microsoft.com/office/powerpoint/2010/main" val="1725451570494"/>
+        <p14:creationId xmlns:p14="http://schemas.microsoft.com/office/powerpoint/2010/main" xmlns:vt="http://schemas.openxmlformats.org/officeDocument/2006/docPropsVTypes" xmlns:ns1="http://schemas.openxmlformats.org/officeDocument/2006/extended-properties" xmlns:cs="http://schemas.microsoft.com/office/drawing/2012/chartStyle" xmlns:c="http://schemas.openxmlformats.org/drawingml/2006/chart" xmlns="" val="1725451570494"/>
       </p:ext>
     </p:extLst>
   </p:cSld>
@@ -986,7 +986,7 @@
           <p:cNvPr id="6" name="PlaceHolder 1">
             <a:extLst>
               <a:ext uri="{1B366A63-A644-4D84-A84D-99D0CB811973}">
-                <a16:creationId xmlns="" xmlns:c="http://schemas.openxmlformats.org/drawingml/2006/chart" xmlns:cs="http://schemas.microsoft.com/office/drawing/2012/chartStyle" xmlns:ns1="http://schemas.openxmlformats.org/officeDocument/2006/extended-properties" xmlns:vt="http://schemas.openxmlformats.org/officeDocument/2006/docPropsVTypes" xmlns:a16="http://schemas.microsoft.com/office/drawing/2010/main" id="{4DCCFC1F-3E4A-4E8D-AD58-B59ECAD59349}"/>
+                <a16:creationId xmlns:a16="http://schemas.microsoft.com/office/drawing/2010/main" xmlns:vt="http://schemas.openxmlformats.org/officeDocument/2006/docPropsVTypes" xmlns:ns1="http://schemas.openxmlformats.org/officeDocument/2006/extended-properties" xmlns:cs="http://schemas.microsoft.com/office/drawing/2012/chartStyle" xmlns:c="http://schemas.openxmlformats.org/drawingml/2006/chart" xmlns="" id="{4DCCFC1F-3E4A-4E8D-AD58-B59ECAD59349}"/>
               </a:ext>
             </a:extLst>
           </p:cNvPr>
@@ -1026,7 +1026,7 @@
           <p:cNvPr id="2" name="PlaceHolder 2">
             <a:extLst>
               <a:ext uri="{1BC96858-644B-4073-88DF-42ED299A04A6}">
-                <a16:creationId xmlns="" xmlns:c="http://schemas.openxmlformats.org/drawingml/2006/chart" xmlns:cs="http://schemas.microsoft.com/office/drawing/2012/chartStyle" xmlns:ns1="http://schemas.openxmlformats.org/officeDocument/2006/extended-properties" xmlns:vt="http://schemas.openxmlformats.org/officeDocument/2006/docPropsVTypes" xmlns:a16="http://schemas.microsoft.com/office/drawing/2010/main" id="{3239EF6A-5E06-4141-AEFF-C0F88FD717E4}"/>
+                <a16:creationId xmlns:a16="http://schemas.microsoft.com/office/drawing/2010/main" xmlns:vt="http://schemas.openxmlformats.org/officeDocument/2006/docPropsVTypes" xmlns:ns1="http://schemas.openxmlformats.org/officeDocument/2006/extended-properties" xmlns:cs="http://schemas.microsoft.com/office/drawing/2012/chartStyle" xmlns:c="http://schemas.openxmlformats.org/drawingml/2006/chart" xmlns="" id="{3239EF6A-5E06-4141-AEFF-C0F88FD717E4}"/>
               </a:ext>
             </a:extLst>
           </p:cNvPr>
@@ -1066,7 +1066,7 @@
           <p:cNvPr id="3" name="PlaceHolder 3">
             <a:extLst>
               <a:ext uri="{87A8D0EC-765A-409A-81E1-912F8BBEF20A}">
-                <a16:creationId xmlns="" xmlns:c="http://schemas.openxmlformats.org/drawingml/2006/chart" xmlns:cs="http://schemas.microsoft.com/office/drawing/2012/chartStyle" xmlns:ns1="http://schemas.openxmlformats.org/officeDocument/2006/extended-properties" xmlns:vt="http://schemas.openxmlformats.org/officeDocument/2006/docPropsVTypes" xmlns:a16="http://schemas.microsoft.com/office/drawing/2010/main" id="{76ACCCDC-23FE-4A4C-A6A4-7F7FC288CCDE}"/>
+                <a16:creationId xmlns:a16="http://schemas.microsoft.com/office/drawing/2010/main" xmlns:vt="http://schemas.openxmlformats.org/officeDocument/2006/docPropsVTypes" xmlns:ns1="http://schemas.openxmlformats.org/officeDocument/2006/extended-properties" xmlns:cs="http://schemas.microsoft.com/office/drawing/2012/chartStyle" xmlns:c="http://schemas.openxmlformats.org/drawingml/2006/chart" xmlns="" id="{76ACCCDC-23FE-4A4C-A6A4-7F7FC288CCDE}"/>
               </a:ext>
             </a:extLst>
           </p:cNvPr>
@@ -1106,7 +1106,7 @@
           <p:cNvPr id="4" name="PlaceHolder 4">
             <a:extLst>
               <a:ext uri="{44FD9CD4-F247-4785-9F60-46011E50FD29}">
-                <a16:creationId xmlns="" xmlns:c="http://schemas.openxmlformats.org/drawingml/2006/chart" xmlns:cs="http://schemas.microsoft.com/office/drawing/2012/chartStyle" xmlns:ns1="http://schemas.openxmlformats.org/officeDocument/2006/extended-properties" xmlns:vt="http://schemas.openxmlformats.org/officeDocument/2006/docPropsVTypes" xmlns:a16="http://schemas.microsoft.com/office/drawing/2010/main" id="{0AAD2FA7-9731-4937-A4D4-4EFAFB468F13}"/>
+                <a16:creationId xmlns:a16="http://schemas.microsoft.com/office/drawing/2010/main" xmlns:vt="http://schemas.openxmlformats.org/officeDocument/2006/docPropsVTypes" xmlns:ns1="http://schemas.openxmlformats.org/officeDocument/2006/extended-properties" xmlns:cs="http://schemas.microsoft.com/office/drawing/2012/chartStyle" xmlns:c="http://schemas.openxmlformats.org/drawingml/2006/chart" xmlns="" id="{0AAD2FA7-9731-4937-A4D4-4EFAFB468F13}"/>
               </a:ext>
             </a:extLst>
           </p:cNvPr>
@@ -1146,7 +1146,7 @@
           <p:cNvPr id="5" name="PlaceHolder 5">
             <a:extLst>
               <a:ext uri="{9EA5F664-08F5-4DE4-8CBB-7E143D270E01}">
-                <a16:creationId xmlns="" xmlns:c="http://schemas.openxmlformats.org/drawingml/2006/chart" xmlns:cs="http://schemas.microsoft.com/office/drawing/2012/chartStyle" xmlns:ns1="http://schemas.openxmlformats.org/officeDocument/2006/extended-properties" xmlns:vt="http://schemas.openxmlformats.org/officeDocument/2006/docPropsVTypes" xmlns:a16="http://schemas.microsoft.com/office/drawing/2010/main" id="{96FA0C3D-E728-406E-98BC-F596DEEAFF0F}"/>
+                <a16:creationId xmlns:a16="http://schemas.microsoft.com/office/drawing/2010/main" xmlns:vt="http://schemas.openxmlformats.org/officeDocument/2006/docPropsVTypes" xmlns:ns1="http://schemas.openxmlformats.org/officeDocument/2006/extended-properties" xmlns:cs="http://schemas.microsoft.com/office/drawing/2012/chartStyle" xmlns:c="http://schemas.openxmlformats.org/drawingml/2006/chart" xmlns="" id="{96FA0C3D-E728-406E-98BC-F596DEEAFF0F}"/>
               </a:ext>
             </a:extLst>
           </p:cNvPr>
@@ -1186,7 +1186,7 @@
           <p:cNvPr id="7" name="Footer Placeholder 4">
             <a:extLst>
               <a:ext uri="{EAB37F21-E633-465B-9D8C-3AE8CCD772A3}">
-                <a16:creationId xmlns="" xmlns:c="http://schemas.openxmlformats.org/drawingml/2006/chart" xmlns:cs="http://schemas.microsoft.com/office/drawing/2012/chartStyle" xmlns:ns1="http://schemas.openxmlformats.org/officeDocument/2006/extended-properties" xmlns:vt="http://schemas.openxmlformats.org/officeDocument/2006/docPropsVTypes" xmlns:a16="http://schemas.microsoft.com/office/drawing/2010/main" id="{7E6D50BF-8F8E-4768-AECF-DB280913CC49}"/>
+                <a16:creationId xmlns:a16="http://schemas.microsoft.com/office/drawing/2010/main" xmlns:vt="http://schemas.openxmlformats.org/officeDocument/2006/docPropsVTypes" xmlns:ns1="http://schemas.openxmlformats.org/officeDocument/2006/extended-properties" xmlns:cs="http://schemas.microsoft.com/office/drawing/2012/chartStyle" xmlns:c="http://schemas.openxmlformats.org/drawingml/2006/chart" xmlns="" id="{7E6D50BF-8F8E-4768-AECF-DB280913CC49}"/>
               </a:ext>
             </a:extLst>
           </p:cNvPr>
@@ -1216,7 +1216,7 @@
           <p:cNvPr id="8" name="Slide Number Placeholder 5">
             <a:extLst>
               <a:ext uri="{6667C576-D65C-467A-810C-E8556AE2D815}">
-                <a16:creationId xmlns="" xmlns:c="http://schemas.openxmlformats.org/drawingml/2006/chart" xmlns:cs="http://schemas.microsoft.com/office/drawing/2012/chartStyle" xmlns:ns1="http://schemas.openxmlformats.org/officeDocument/2006/extended-properties" xmlns:vt="http://schemas.openxmlformats.org/officeDocument/2006/docPropsVTypes" xmlns:a16="http://schemas.microsoft.com/office/drawing/2010/main" id="{ADDE0BC9-8C07-4F2E-BEF8-5DFEA320B70E}"/>
+                <a16:creationId xmlns:a16="http://schemas.microsoft.com/office/drawing/2010/main" xmlns:vt="http://schemas.openxmlformats.org/officeDocument/2006/docPropsVTypes" xmlns:ns1="http://schemas.openxmlformats.org/officeDocument/2006/extended-properties" xmlns:cs="http://schemas.microsoft.com/office/drawing/2012/chartStyle" xmlns:c="http://schemas.openxmlformats.org/drawingml/2006/chart" xmlns="" id="{ADDE0BC9-8C07-4F2E-BEF8-5DFEA320B70E}"/>
               </a:ext>
             </a:extLst>
           </p:cNvPr>
@@ -1246,7 +1246,7 @@
           <p:cNvPr id="9" name="Date Placeholder 3">
             <a:extLst>
               <a:ext uri="{D0895288-3648-49F7-9C94-B046D4AC1A83}">
-                <a16:creationId xmlns="" xmlns:c="http://schemas.openxmlformats.org/drawingml/2006/chart" xmlns:cs="http://schemas.microsoft.com/office/drawing/2012/chartStyle" xmlns:ns1="http://schemas.openxmlformats.org/officeDocument/2006/extended-properties" xmlns:vt="http://schemas.openxmlformats.org/officeDocument/2006/docPropsVTypes" xmlns:a16="http://schemas.microsoft.com/office/drawing/2010/main" id="{E47C921F-354C-428D-9523-DE727ECBCBD0}"/>
+                <a16:creationId xmlns:a16="http://schemas.microsoft.com/office/drawing/2010/main" xmlns:vt="http://schemas.openxmlformats.org/officeDocument/2006/docPropsVTypes" xmlns:ns1="http://schemas.openxmlformats.org/officeDocument/2006/extended-properties" xmlns:cs="http://schemas.microsoft.com/office/drawing/2012/chartStyle" xmlns:c="http://schemas.openxmlformats.org/drawingml/2006/chart" xmlns="" id="{E47C921F-354C-428D-9523-DE727ECBCBD0}"/>
               </a:ext>
             </a:extLst>
           </p:cNvPr>
@@ -1274,7 +1274,7 @@
     </p:spTree>
     <p:extLst>
       <p:ext uri="{3E1D7AC9-1663-4BA8-88E4-B98521B11BD6}">
-        <p14:creationId xmlns="" xmlns:c="http://schemas.openxmlformats.org/drawingml/2006/chart" xmlns:cs="http://schemas.microsoft.com/office/drawing/2012/chartStyle" xmlns:ns1="http://schemas.openxmlformats.org/officeDocument/2006/extended-properties" xmlns:vt="http://schemas.openxmlformats.org/officeDocument/2006/docPropsVTypes" xmlns:p14="http://schemas.microsoft.com/office/powerpoint/2010/main" val="1725451570495"/>
+        <p14:creationId xmlns:p14="http://schemas.microsoft.com/office/powerpoint/2010/main" xmlns:vt="http://schemas.openxmlformats.org/officeDocument/2006/docPropsVTypes" xmlns:ns1="http://schemas.openxmlformats.org/officeDocument/2006/extended-properties" xmlns:cs="http://schemas.microsoft.com/office/drawing/2012/chartStyle" xmlns:c="http://schemas.openxmlformats.org/drawingml/2006/chart" xmlns="" val="1725451570495"/>
       </p:ext>
     </p:extLst>
   </p:cSld>
@@ -1306,7 +1306,7 @@
           <p:cNvPr id="2" name="PlaceHolder 1">
             <a:extLst>
               <a:ext uri="{08891E17-CD5F-4AA3-9CC1-09E147BB51F2}">
-                <a16:creationId xmlns="" xmlns:c="http://schemas.openxmlformats.org/drawingml/2006/chart" xmlns:cs="http://schemas.microsoft.com/office/drawing/2012/chartStyle" xmlns:ns1="http://schemas.openxmlformats.org/officeDocument/2006/extended-properties" xmlns:vt="http://schemas.openxmlformats.org/officeDocument/2006/docPropsVTypes" xmlns:a16="http://schemas.microsoft.com/office/drawing/2010/main" id="{B6226487-336E-4232-83AB-B8C9DD13C2B6}"/>
+                <a16:creationId xmlns:a16="http://schemas.microsoft.com/office/drawing/2010/main" xmlns:vt="http://schemas.openxmlformats.org/officeDocument/2006/docPropsVTypes" xmlns:ns1="http://schemas.openxmlformats.org/officeDocument/2006/extended-properties" xmlns:cs="http://schemas.microsoft.com/office/drawing/2012/chartStyle" xmlns:c="http://schemas.openxmlformats.org/drawingml/2006/chart" xmlns="" id="{B6226487-336E-4232-83AB-B8C9DD13C2B6}"/>
               </a:ext>
             </a:extLst>
           </p:cNvPr>
@@ -1346,7 +1346,7 @@
           <p:cNvPr id="3" name="PlaceHolder 2">
             <a:extLst>
               <a:ext uri="{1186F3C7-A1EC-49AD-BD29-BC7B58B2596E}">
-                <a16:creationId xmlns="" xmlns:c="http://schemas.openxmlformats.org/drawingml/2006/chart" xmlns:cs="http://schemas.microsoft.com/office/drawing/2012/chartStyle" xmlns:ns1="http://schemas.openxmlformats.org/officeDocument/2006/extended-properties" xmlns:vt="http://schemas.openxmlformats.org/officeDocument/2006/docPropsVTypes" xmlns:a16="http://schemas.microsoft.com/office/drawing/2010/main" id="{B72DFF7F-7075-43E5-9F2B-D6DDF4D68F54}"/>
+                <a16:creationId xmlns:a16="http://schemas.microsoft.com/office/drawing/2010/main" xmlns:vt="http://schemas.openxmlformats.org/officeDocument/2006/docPropsVTypes" xmlns:ns1="http://schemas.openxmlformats.org/officeDocument/2006/extended-properties" xmlns:cs="http://schemas.microsoft.com/office/drawing/2012/chartStyle" xmlns:c="http://schemas.openxmlformats.org/drawingml/2006/chart" xmlns="" id="{B72DFF7F-7075-43E5-9F2B-D6DDF4D68F54}"/>
               </a:ext>
             </a:extLst>
           </p:cNvPr>
@@ -1386,7 +1386,7 @@
           <p:cNvPr id="4" name="PlaceHolder 3">
             <a:extLst>
               <a:ext uri="{B3EB62D3-044D-424C-BDFB-A03B5E6FDB71}">
-                <a16:creationId xmlns="" xmlns:c="http://schemas.openxmlformats.org/drawingml/2006/chart" xmlns:cs="http://schemas.microsoft.com/office/drawing/2012/chartStyle" xmlns:ns1="http://schemas.openxmlformats.org/officeDocument/2006/extended-properties" xmlns:vt="http://schemas.openxmlformats.org/officeDocument/2006/docPropsVTypes" xmlns:a16="http://schemas.microsoft.com/office/drawing/2010/main" id="{DF88E4CB-D7A6-46A9-B2EC-5BC1BEDCBA05}"/>
+                <a16:creationId xmlns:a16="http://schemas.microsoft.com/office/drawing/2010/main" xmlns:vt="http://schemas.openxmlformats.org/officeDocument/2006/docPropsVTypes" xmlns:ns1="http://schemas.openxmlformats.org/officeDocument/2006/extended-properties" xmlns:cs="http://schemas.microsoft.com/office/drawing/2012/chartStyle" xmlns:c="http://schemas.openxmlformats.org/drawingml/2006/chart" xmlns="" id="{DF88E4CB-D7A6-46A9-B2EC-5BC1BEDCBA05}"/>
               </a:ext>
             </a:extLst>
           </p:cNvPr>
@@ -1426,7 +1426,7 @@
           <p:cNvPr id="5" name="PlaceHolder 4">
             <a:extLst>
               <a:ext uri="{831AF208-D681-48FD-91B5-FAC71173B3BA}">
-                <a16:creationId xmlns="" xmlns:c="http://schemas.openxmlformats.org/drawingml/2006/chart" xmlns:cs="http://schemas.microsoft.com/office/drawing/2012/chartStyle" xmlns:ns1="http://schemas.openxmlformats.org/officeDocument/2006/extended-properties" xmlns:vt="http://schemas.openxmlformats.org/officeDocument/2006/docPropsVTypes" xmlns:a16="http://schemas.microsoft.com/office/drawing/2010/main" id="{9D0017C4-9FC3-4E80-8967-E5AF2D8C61C0}"/>
+                <a16:creationId xmlns:a16="http://schemas.microsoft.com/office/drawing/2010/main" xmlns:vt="http://schemas.openxmlformats.org/officeDocument/2006/docPropsVTypes" xmlns:ns1="http://schemas.openxmlformats.org/officeDocument/2006/extended-properties" xmlns:cs="http://schemas.microsoft.com/office/drawing/2012/chartStyle" xmlns:c="http://schemas.openxmlformats.org/drawingml/2006/chart" xmlns="" id="{9D0017C4-9FC3-4E80-8967-E5AF2D8C61C0}"/>
               </a:ext>
             </a:extLst>
           </p:cNvPr>
@@ -1466,7 +1466,7 @@
           <p:cNvPr id="6" name="PlaceHolder 5">
             <a:extLst>
               <a:ext uri="{E0D8C49F-300A-4955-B406-3BC25D57F4FB}">
-                <a16:creationId xmlns="" xmlns:c="http://schemas.openxmlformats.org/drawingml/2006/chart" xmlns:cs="http://schemas.microsoft.com/office/drawing/2012/chartStyle" xmlns:ns1="http://schemas.openxmlformats.org/officeDocument/2006/extended-properties" xmlns:vt="http://schemas.openxmlformats.org/officeDocument/2006/docPropsVTypes" xmlns:a16="http://schemas.microsoft.com/office/drawing/2010/main" id="{852378CF-AC34-4036-BC0B-69AEAD96021D}"/>
+                <a16:creationId xmlns:a16="http://schemas.microsoft.com/office/drawing/2010/main" xmlns:vt="http://schemas.openxmlformats.org/officeDocument/2006/docPropsVTypes" xmlns:ns1="http://schemas.openxmlformats.org/officeDocument/2006/extended-properties" xmlns:cs="http://schemas.microsoft.com/office/drawing/2012/chartStyle" xmlns:c="http://schemas.openxmlformats.org/drawingml/2006/chart" xmlns="" id="{852378CF-AC34-4036-BC0B-69AEAD96021D}"/>
               </a:ext>
             </a:extLst>
           </p:cNvPr>
@@ -1506,7 +1506,7 @@
           <p:cNvPr id="7" name="PlaceHolder 6">
             <a:extLst>
               <a:ext uri="{358E035D-9732-45DC-800C-C3156B670137}">
-                <a16:creationId xmlns="" xmlns:c="http://schemas.openxmlformats.org/drawingml/2006/chart" xmlns:cs="http://schemas.microsoft.com/office/drawing/2012/chartStyle" xmlns:ns1="http://schemas.openxmlformats.org/officeDocument/2006/extended-properties" xmlns:vt="http://schemas.openxmlformats.org/officeDocument/2006/docPropsVTypes" xmlns:a16="http://schemas.microsoft.com/office/drawing/2010/main" id="{71EBDC88-343A-492D-A4E5-A0C8AFA246A4}"/>
+                <a16:creationId xmlns:a16="http://schemas.microsoft.com/office/drawing/2010/main" xmlns:vt="http://schemas.openxmlformats.org/officeDocument/2006/docPropsVTypes" xmlns:ns1="http://schemas.openxmlformats.org/officeDocument/2006/extended-properties" xmlns:cs="http://schemas.microsoft.com/office/drawing/2012/chartStyle" xmlns:c="http://schemas.openxmlformats.org/drawingml/2006/chart" xmlns="" id="{71EBDC88-343A-492D-A4E5-A0C8AFA246A4}"/>
               </a:ext>
             </a:extLst>
           </p:cNvPr>
@@ -1546,7 +1546,7 @@
           <p:cNvPr id="8" name="PlaceHolder 7">
             <a:extLst>
               <a:ext uri="{3B951E5B-CAF1-44B3-8A0F-FA6D78F37898}">
-                <a16:creationId xmlns="" xmlns:c="http://schemas.openxmlformats.org/drawingml/2006/chart" xmlns:cs="http://schemas.microsoft.com/office/drawing/2012/chartStyle" xmlns:ns1="http://schemas.openxmlformats.org/officeDocument/2006/extended-properties" xmlns:vt="http://schemas.openxmlformats.org/officeDocument/2006/docPropsVTypes" xmlns:a16="http://schemas.microsoft.com/office/drawing/2010/main" id="{4775E1D5-C91C-41DB-86E8-5A26FEE31CA6}"/>
+                <a16:creationId xmlns:a16="http://schemas.microsoft.com/office/drawing/2010/main" xmlns:vt="http://schemas.openxmlformats.org/officeDocument/2006/docPropsVTypes" xmlns:ns1="http://schemas.openxmlformats.org/officeDocument/2006/extended-properties" xmlns:cs="http://schemas.microsoft.com/office/drawing/2012/chartStyle" xmlns:c="http://schemas.openxmlformats.org/drawingml/2006/chart" xmlns="" id="{4775E1D5-C91C-41DB-86E8-5A26FEE31CA6}"/>
               </a:ext>
             </a:extLst>
           </p:cNvPr>
@@ -1586,7 +1586,7 @@
           <p:cNvPr id="9" name="Footer Placeholder 4">
             <a:extLst>
               <a:ext uri="{6826CA5E-F7F2-419D-A296-E7A175223E62}">
-                <a16:creationId xmlns="" xmlns:c="http://schemas.openxmlformats.org/drawingml/2006/chart" xmlns:cs="http://schemas.microsoft.com/office/drawing/2012/chartStyle" xmlns:ns1="http://schemas.openxmlformats.org/officeDocument/2006/extended-properties" xmlns:vt="http://schemas.openxmlformats.org/officeDocument/2006/docPropsVTypes" xmlns:a16="http://schemas.microsoft.com/office/drawing/2010/main" id="{2018D69D-98C6-4720-8A0F-72C472C7D57D}"/>
+                <a16:creationId xmlns:a16="http://schemas.microsoft.com/office/drawing/2010/main" xmlns:vt="http://schemas.openxmlformats.org/officeDocument/2006/docPropsVTypes" xmlns:ns1="http://schemas.openxmlformats.org/officeDocument/2006/extended-properties" xmlns:cs="http://schemas.microsoft.com/office/drawing/2012/chartStyle" xmlns:c="http://schemas.openxmlformats.org/drawingml/2006/chart" xmlns="" id="{2018D69D-98C6-4720-8A0F-72C472C7D57D}"/>
               </a:ext>
             </a:extLst>
           </p:cNvPr>
@@ -1616,7 +1616,7 @@
           <p:cNvPr id="10" name="Slide Number Placeholder 5">
             <a:extLst>
               <a:ext uri="{5735E181-D9D1-4E91-A382-87BE39A74A5A}">
-                <a16:creationId xmlns="" xmlns:c="http://schemas.openxmlformats.org/drawingml/2006/chart" xmlns:cs="http://schemas.microsoft.com/office/drawing/2012/chartStyle" xmlns:ns1="http://schemas.openxmlformats.org/officeDocument/2006/extended-properties" xmlns:vt="http://schemas.openxmlformats.org/officeDocument/2006/docPropsVTypes" xmlns:a16="http://schemas.microsoft.com/office/drawing/2010/main" id="{42051B02-C900-479A-8739-B23A8E1A4B47}"/>
+                <a16:creationId xmlns:a16="http://schemas.microsoft.com/office/drawing/2010/main" xmlns:vt="http://schemas.openxmlformats.org/officeDocument/2006/docPropsVTypes" xmlns:ns1="http://schemas.openxmlformats.org/officeDocument/2006/extended-properties" xmlns:cs="http://schemas.microsoft.com/office/drawing/2012/chartStyle" xmlns:c="http://schemas.openxmlformats.org/drawingml/2006/chart" xmlns="" id="{42051B02-C900-479A-8739-B23A8E1A4B47}"/>
               </a:ext>
             </a:extLst>
           </p:cNvPr>
@@ -1646,7 +1646,7 @@
           <p:cNvPr id="11" name="Date Placeholder 3">
             <a:extLst>
               <a:ext uri="{812447E5-F796-4FE0-ACA4-A01EBB506474}">
-                <a16:creationId xmlns="" xmlns:c="http://schemas.openxmlformats.org/drawingml/2006/chart" xmlns:cs="http://schemas.microsoft.com/office/drawing/2012/chartStyle" xmlns:ns1="http://schemas.openxmlformats.org/officeDocument/2006/extended-properties" xmlns:vt="http://schemas.openxmlformats.org/officeDocument/2006/docPropsVTypes" xmlns:a16="http://schemas.microsoft.com/office/drawing/2010/main" id="{42ED3E93-A3EE-4035-B54C-512BFC62B3C6}"/>
+                <a16:creationId xmlns:a16="http://schemas.microsoft.com/office/drawing/2010/main" xmlns:vt="http://schemas.openxmlformats.org/officeDocument/2006/docPropsVTypes" xmlns:ns1="http://schemas.openxmlformats.org/officeDocument/2006/extended-properties" xmlns:cs="http://schemas.microsoft.com/office/drawing/2012/chartStyle" xmlns:c="http://schemas.openxmlformats.org/drawingml/2006/chart" xmlns="" id="{42ED3E93-A3EE-4035-B54C-512BFC62B3C6}"/>
               </a:ext>
             </a:extLst>
           </p:cNvPr>
@@ -1674,7 +1674,7 @@
     </p:spTree>
     <p:extLst>
       <p:ext uri="{3D1BB6E4-F09F-4773-AD3F-C6E005C125F6}">
-        <p14:creationId xmlns="" xmlns:c="http://schemas.openxmlformats.org/drawingml/2006/chart" xmlns:cs="http://schemas.microsoft.com/office/drawing/2012/chartStyle" xmlns:ns1="http://schemas.openxmlformats.org/officeDocument/2006/extended-properties" xmlns:vt="http://schemas.openxmlformats.org/officeDocument/2006/docPropsVTypes" xmlns:p14="http://schemas.microsoft.com/office/powerpoint/2010/main" val="1725451570497"/>
+        <p14:creationId xmlns:p14="http://schemas.microsoft.com/office/powerpoint/2010/main" xmlns:vt="http://schemas.openxmlformats.org/officeDocument/2006/docPropsVTypes" xmlns:ns1="http://schemas.openxmlformats.org/officeDocument/2006/extended-properties" xmlns:cs="http://schemas.microsoft.com/office/drawing/2012/chartStyle" xmlns:c="http://schemas.openxmlformats.org/drawingml/2006/chart" xmlns="" val="1725451570497"/>
       </p:ext>
     </p:extLst>
   </p:cSld>
@@ -1706,7 +1706,7 @@
           <p:cNvPr id="3" name="PlaceHolder 1">
             <a:extLst>
               <a:ext uri="{2950D799-F615-4E99-A0DC-7D7D1A8403D9}">
-                <a16:creationId xmlns="" xmlns:c="http://schemas.openxmlformats.org/drawingml/2006/chart" xmlns:cs="http://schemas.microsoft.com/office/drawing/2012/chartStyle" xmlns:ns1="http://schemas.openxmlformats.org/officeDocument/2006/extended-properties" xmlns:vt="http://schemas.openxmlformats.org/officeDocument/2006/docPropsVTypes" xmlns:a16="http://schemas.microsoft.com/office/drawing/2010/main" id="{E18E207C-6131-432B-80F2-2645A97604EA}"/>
+                <a16:creationId xmlns:a16="http://schemas.microsoft.com/office/drawing/2010/main" xmlns:vt="http://schemas.openxmlformats.org/officeDocument/2006/docPropsVTypes" xmlns:ns1="http://schemas.openxmlformats.org/officeDocument/2006/extended-properties" xmlns:cs="http://schemas.microsoft.com/office/drawing/2012/chartStyle" xmlns:c="http://schemas.openxmlformats.org/drawingml/2006/chart" xmlns="" id="{E18E207C-6131-432B-80F2-2645A97604EA}"/>
               </a:ext>
             </a:extLst>
           </p:cNvPr>
@@ -1746,7 +1746,7 @@
           <p:cNvPr id="2" name="PlaceHolder 2">
             <a:extLst>
               <a:ext uri="{A27C61CC-ECD2-4805-9D14-B58C1F564DF5}">
-                <a16:creationId xmlns="" xmlns:c="http://schemas.openxmlformats.org/drawingml/2006/chart" xmlns:cs="http://schemas.microsoft.com/office/drawing/2012/chartStyle" xmlns:ns1="http://schemas.openxmlformats.org/officeDocument/2006/extended-properties" xmlns:vt="http://schemas.openxmlformats.org/officeDocument/2006/docPropsVTypes" xmlns:a16="http://schemas.microsoft.com/office/drawing/2010/main" id="{1607AE31-8DC9-4C17-9850-72C1690A0690}"/>
+                <a16:creationId xmlns:a16="http://schemas.microsoft.com/office/drawing/2010/main" xmlns:vt="http://schemas.openxmlformats.org/officeDocument/2006/docPropsVTypes" xmlns:ns1="http://schemas.openxmlformats.org/officeDocument/2006/extended-properties" xmlns:cs="http://schemas.microsoft.com/office/drawing/2012/chartStyle" xmlns:c="http://schemas.openxmlformats.org/drawingml/2006/chart" xmlns="" id="{1607AE31-8DC9-4C17-9850-72C1690A0690}"/>
               </a:ext>
             </a:extLst>
           </p:cNvPr>
@@ -1784,7 +1784,7 @@
           <p:cNvPr id="4" name="Footer Placeholder 4">
             <a:extLst>
               <a:ext uri="{EBB34AAA-41BF-4C88-8545-2A8ADE8D350A}">
-                <a16:creationId xmlns="" xmlns:c="http://schemas.openxmlformats.org/drawingml/2006/chart" xmlns:cs="http://schemas.microsoft.com/office/drawing/2012/chartStyle" xmlns:ns1="http://schemas.openxmlformats.org/officeDocument/2006/extended-properties" xmlns:vt="http://schemas.openxmlformats.org/officeDocument/2006/docPropsVTypes" xmlns:a16="http://schemas.microsoft.com/office/drawing/2010/main" id="{9A90ADEB-0A0A-4BDB-A226-0460144F46AF}"/>
+                <a16:creationId xmlns:a16="http://schemas.microsoft.com/office/drawing/2010/main" xmlns:vt="http://schemas.openxmlformats.org/officeDocument/2006/docPropsVTypes" xmlns:ns1="http://schemas.openxmlformats.org/officeDocument/2006/extended-properties" xmlns:cs="http://schemas.microsoft.com/office/drawing/2012/chartStyle" xmlns:c="http://schemas.openxmlformats.org/drawingml/2006/chart" xmlns="" id="{9A90ADEB-0A0A-4BDB-A226-0460144F46AF}"/>
               </a:ext>
             </a:extLst>
           </p:cNvPr>
@@ -1814,7 +1814,7 @@
           <p:cNvPr id="5" name="Slide Number Placeholder 5">
             <a:extLst>
               <a:ext uri="{96E54BC4-D2A4-4080-8365-F65BC4F11B66}">
-                <a16:creationId xmlns="" xmlns:c="http://schemas.openxmlformats.org/drawingml/2006/chart" xmlns:cs="http://schemas.microsoft.com/office/drawing/2012/chartStyle" xmlns:ns1="http://schemas.openxmlformats.org/officeDocument/2006/extended-properties" xmlns:vt="http://schemas.openxmlformats.org/officeDocument/2006/docPropsVTypes" xmlns:a16="http://schemas.microsoft.com/office/drawing/2010/main" id="{ADF2CA95-2CD0-4B6F-9125-388D9E7E5AF6}"/>
+                <a16:creationId xmlns:a16="http://schemas.microsoft.com/office/drawing/2010/main" xmlns:vt="http://schemas.openxmlformats.org/officeDocument/2006/docPropsVTypes" xmlns:ns1="http://schemas.openxmlformats.org/officeDocument/2006/extended-properties" xmlns:cs="http://schemas.microsoft.com/office/drawing/2012/chartStyle" xmlns:c="http://schemas.openxmlformats.org/drawingml/2006/chart" xmlns="" id="{ADF2CA95-2CD0-4B6F-9125-388D9E7E5AF6}"/>
               </a:ext>
             </a:extLst>
           </p:cNvPr>
@@ -1844,7 +1844,7 @@
           <p:cNvPr id="6" name="Date Placeholder 3">
             <a:extLst>
               <a:ext uri="{E316BDAF-A48F-421D-9214-CCCCAC2F5595}">
-                <a16:creationId xmlns="" xmlns:c="http://schemas.openxmlformats.org/drawingml/2006/chart" xmlns:cs="http://schemas.microsoft.com/office/drawing/2012/chartStyle" xmlns:ns1="http://schemas.openxmlformats.org/officeDocument/2006/extended-properties" xmlns:vt="http://schemas.openxmlformats.org/officeDocument/2006/docPropsVTypes" xmlns:a16="http://schemas.microsoft.com/office/drawing/2010/main" id="{A00FC1B0-D9C6-430E-A73F-ACAFD2A7AE8E}"/>
+                <a16:creationId xmlns:a16="http://schemas.microsoft.com/office/drawing/2010/main" xmlns:vt="http://schemas.openxmlformats.org/officeDocument/2006/docPropsVTypes" xmlns:ns1="http://schemas.openxmlformats.org/officeDocument/2006/extended-properties" xmlns:cs="http://schemas.microsoft.com/office/drawing/2012/chartStyle" xmlns:c="http://schemas.openxmlformats.org/drawingml/2006/chart" xmlns="" id="{A00FC1B0-D9C6-430E-A73F-ACAFD2A7AE8E}"/>
               </a:ext>
             </a:extLst>
           </p:cNvPr>
@@ -1872,7 +1872,7 @@
     </p:spTree>
     <p:extLst>
       <p:ext uri="{BCE9C86C-EF4C-4E28-9B30-98C9E8A8CFBA}">
-        <p14:creationId xmlns="" xmlns:c="http://schemas.openxmlformats.org/drawingml/2006/chart" xmlns:cs="http://schemas.microsoft.com/office/drawing/2012/chartStyle" xmlns:ns1="http://schemas.openxmlformats.org/officeDocument/2006/extended-properties" xmlns:vt="http://schemas.openxmlformats.org/officeDocument/2006/docPropsVTypes" xmlns:p14="http://schemas.microsoft.com/office/powerpoint/2010/main" val="1725451570480"/>
+        <p14:creationId xmlns:p14="http://schemas.microsoft.com/office/powerpoint/2010/main" xmlns:vt="http://schemas.openxmlformats.org/officeDocument/2006/docPropsVTypes" xmlns:ns1="http://schemas.openxmlformats.org/officeDocument/2006/extended-properties" xmlns:cs="http://schemas.microsoft.com/office/drawing/2012/chartStyle" xmlns:c="http://schemas.openxmlformats.org/drawingml/2006/chart" xmlns="" val="1725451570480"/>
       </p:ext>
     </p:extLst>
   </p:cSld>
@@ -1904,7 +1904,7 @@
           <p:cNvPr id="3" name="PlaceHolder 1">
             <a:extLst>
               <a:ext uri="{58360F47-5846-4DC5-A3A5-E28EF795EDD2}">
-                <a16:creationId xmlns="" xmlns:c="http://schemas.openxmlformats.org/drawingml/2006/chart" xmlns:cs="http://schemas.microsoft.com/office/drawing/2012/chartStyle" xmlns:ns1="http://schemas.openxmlformats.org/officeDocument/2006/extended-properties" xmlns:vt="http://schemas.openxmlformats.org/officeDocument/2006/docPropsVTypes" xmlns:a16="http://schemas.microsoft.com/office/drawing/2010/main" id="{A3A716A7-424D-421A-82EC-E30C44A06514}"/>
+                <a16:creationId xmlns:a16="http://schemas.microsoft.com/office/drawing/2010/main" xmlns:vt="http://schemas.openxmlformats.org/officeDocument/2006/docPropsVTypes" xmlns:ns1="http://schemas.openxmlformats.org/officeDocument/2006/extended-properties" xmlns:cs="http://schemas.microsoft.com/office/drawing/2012/chartStyle" xmlns:c="http://schemas.openxmlformats.org/drawingml/2006/chart" xmlns="" id="{A3A716A7-424D-421A-82EC-E30C44A06514}"/>
               </a:ext>
             </a:extLst>
           </p:cNvPr>
@@ -1944,7 +1944,7 @@
           <p:cNvPr id="2" name="PlaceHolder 2">
             <a:extLst>
               <a:ext uri="{63BF9830-3C9F-4B53-A35E-6B6D3DEFE7A2}">
-                <a16:creationId xmlns="" xmlns:c="http://schemas.openxmlformats.org/drawingml/2006/chart" xmlns:cs="http://schemas.microsoft.com/office/drawing/2012/chartStyle" xmlns:ns1="http://schemas.openxmlformats.org/officeDocument/2006/extended-properties" xmlns:vt="http://schemas.openxmlformats.org/officeDocument/2006/docPropsVTypes" xmlns:a16="http://schemas.microsoft.com/office/drawing/2010/main" id="{4C5B09C9-5044-4A49-A5A4-7BF8A4FAFDD2}"/>
+                <a16:creationId xmlns:a16="http://schemas.microsoft.com/office/drawing/2010/main" xmlns:vt="http://schemas.openxmlformats.org/officeDocument/2006/docPropsVTypes" xmlns:ns1="http://schemas.openxmlformats.org/officeDocument/2006/extended-properties" xmlns:cs="http://schemas.microsoft.com/office/drawing/2012/chartStyle" xmlns:c="http://schemas.openxmlformats.org/drawingml/2006/chart" xmlns="" id="{4C5B09C9-5044-4A49-A5A4-7BF8A4FAFDD2}"/>
               </a:ext>
             </a:extLst>
           </p:cNvPr>
@@ -1984,7 +1984,7 @@
           <p:cNvPr id="4" name="Footer Placeholder 4">
             <a:extLst>
               <a:ext uri="{824E1FBA-25FC-4050-ADA7-340111342E51}">
-                <a16:creationId xmlns="" xmlns:c="http://schemas.openxmlformats.org/drawingml/2006/chart" xmlns:cs="http://schemas.microsoft.com/office/drawing/2012/chartStyle" xmlns:ns1="http://schemas.openxmlformats.org/officeDocument/2006/extended-properties" xmlns:vt="http://schemas.openxmlformats.org/officeDocument/2006/docPropsVTypes" xmlns:a16="http://schemas.microsoft.com/office/drawing/2010/main" id="{E6D06663-A7BB-4A32-95CB-99A1FE75DE66}"/>
+                <a16:creationId xmlns:a16="http://schemas.microsoft.com/office/drawing/2010/main" xmlns:vt="http://schemas.openxmlformats.org/officeDocument/2006/docPropsVTypes" xmlns:ns1="http://schemas.openxmlformats.org/officeDocument/2006/extended-properties" xmlns:cs="http://schemas.microsoft.com/office/drawing/2012/chartStyle" xmlns:c="http://schemas.openxmlformats.org/drawingml/2006/chart" xmlns="" id="{E6D06663-A7BB-4A32-95CB-99A1FE75DE66}"/>
               </a:ext>
             </a:extLst>
           </p:cNvPr>
@@ -2014,7 +2014,7 @@
           <p:cNvPr id="5" name="Slide Number Placeholder 5">
             <a:extLst>
               <a:ext uri="{D4CDF396-15D1-401B-990E-48D7255BA729}">
-                <a16:creationId xmlns="" xmlns:c="http://schemas.openxmlformats.org/drawingml/2006/chart" xmlns:cs="http://schemas.microsoft.com/office/drawing/2012/chartStyle" xmlns:ns1="http://schemas.openxmlformats.org/officeDocument/2006/extended-properties" xmlns:vt="http://schemas.openxmlformats.org/officeDocument/2006/docPropsVTypes" xmlns:a16="http://schemas.microsoft.com/office/drawing/2010/main" id="{3A968CD0-8B3E-48E7-A45C-D14A8ECC50EA}"/>
+                <a16:creationId xmlns:a16="http://schemas.microsoft.com/office/drawing/2010/main" xmlns:vt="http://schemas.openxmlformats.org/officeDocument/2006/docPropsVTypes" xmlns:ns1="http://schemas.openxmlformats.org/officeDocument/2006/extended-properties" xmlns:cs="http://schemas.microsoft.com/office/drawing/2012/chartStyle" xmlns:c="http://schemas.openxmlformats.org/drawingml/2006/chart" xmlns="" id="{3A968CD0-8B3E-48E7-A45C-D14A8ECC50EA}"/>
               </a:ext>
             </a:extLst>
           </p:cNvPr>
@@ -2044,7 +2044,7 @@
           <p:cNvPr id="6" name="Date Placeholder 3">
             <a:extLst>
               <a:ext uri="{4A6A4CEA-5FCA-4E79-A958-8288D64D2BA9}">
-                <a16:creationId xmlns="" xmlns:c="http://schemas.openxmlformats.org/drawingml/2006/chart" xmlns:cs="http://schemas.microsoft.com/office/drawing/2012/chartStyle" xmlns:ns1="http://schemas.openxmlformats.org/officeDocument/2006/extended-properties" xmlns:vt="http://schemas.openxmlformats.org/officeDocument/2006/docPropsVTypes" xmlns:a16="http://schemas.microsoft.com/office/drawing/2010/main" id="{BAC79841-9D30-4C4B-9931-BF9FC3120F99}"/>
+                <a16:creationId xmlns:a16="http://schemas.microsoft.com/office/drawing/2010/main" xmlns:vt="http://schemas.openxmlformats.org/officeDocument/2006/docPropsVTypes" xmlns:ns1="http://schemas.openxmlformats.org/officeDocument/2006/extended-properties" xmlns:cs="http://schemas.microsoft.com/office/drawing/2012/chartStyle" xmlns:c="http://schemas.openxmlformats.org/drawingml/2006/chart" xmlns="" id="{BAC79841-9D30-4C4B-9931-BF9FC3120F99}"/>
               </a:ext>
             </a:extLst>
           </p:cNvPr>
@@ -2072,7 +2072,7 @@
     </p:spTree>
     <p:extLst>
       <p:ext uri="{4D9904C7-8D42-4658-BF97-3005AAAE0111}">
-        <p14:creationId xmlns="" xmlns:c="http://schemas.openxmlformats.org/drawingml/2006/chart" xmlns:cs="http://schemas.microsoft.com/office/drawing/2012/chartStyle" xmlns:ns1="http://schemas.openxmlformats.org/officeDocument/2006/extended-properties" xmlns:vt="http://schemas.openxmlformats.org/officeDocument/2006/docPropsVTypes" xmlns:p14="http://schemas.microsoft.com/office/powerpoint/2010/main" val="1725451570482"/>
+        <p14:creationId xmlns:p14="http://schemas.microsoft.com/office/powerpoint/2010/main" xmlns:vt="http://schemas.openxmlformats.org/officeDocument/2006/docPropsVTypes" xmlns:ns1="http://schemas.openxmlformats.org/officeDocument/2006/extended-properties" xmlns:cs="http://schemas.microsoft.com/office/drawing/2012/chartStyle" xmlns:c="http://schemas.openxmlformats.org/drawingml/2006/chart" xmlns="" val="1725451570482"/>
       </p:ext>
     </p:extLst>
   </p:cSld>
@@ -2104,7 +2104,7 @@
           <p:cNvPr id="4" name="PlaceHolder 1">
             <a:extLst>
               <a:ext uri="{A9941F11-08FE-4DD2-B111-B62B25D6F2E7}">
-                <a16:creationId xmlns="" xmlns:c="http://schemas.openxmlformats.org/drawingml/2006/chart" xmlns:cs="http://schemas.microsoft.com/office/drawing/2012/chartStyle" xmlns:ns1="http://schemas.openxmlformats.org/officeDocument/2006/extended-properties" xmlns:vt="http://schemas.openxmlformats.org/officeDocument/2006/docPropsVTypes" xmlns:a16="http://schemas.microsoft.com/office/drawing/2010/main" id="{51671CE5-C429-4468-86A4-4F3972E172AB}"/>
+                <a16:creationId xmlns:a16="http://schemas.microsoft.com/office/drawing/2010/main" xmlns:vt="http://schemas.openxmlformats.org/officeDocument/2006/docPropsVTypes" xmlns:ns1="http://schemas.openxmlformats.org/officeDocument/2006/extended-properties" xmlns:cs="http://schemas.microsoft.com/office/drawing/2012/chartStyle" xmlns:c="http://schemas.openxmlformats.org/drawingml/2006/chart" xmlns="" id="{51671CE5-C429-4468-86A4-4F3972E172AB}"/>
               </a:ext>
             </a:extLst>
           </p:cNvPr>
@@ -2144,7 +2144,7 @@
           <p:cNvPr id="2" name="PlaceHolder 2">
             <a:extLst>
               <a:ext uri="{6A7D1366-81A5-4D4D-9900-3AF2B2C9DEE6}">
-                <a16:creationId xmlns="" xmlns:c="http://schemas.openxmlformats.org/drawingml/2006/chart" xmlns:cs="http://schemas.microsoft.com/office/drawing/2012/chartStyle" xmlns:ns1="http://schemas.openxmlformats.org/officeDocument/2006/extended-properties" xmlns:vt="http://schemas.openxmlformats.org/officeDocument/2006/docPropsVTypes" xmlns:a16="http://schemas.microsoft.com/office/drawing/2010/main" id="{17A6CD33-BC91-4D22-BB76-C6ABB9E080E7}"/>
+                <a16:creationId xmlns:a16="http://schemas.microsoft.com/office/drawing/2010/main" xmlns:vt="http://schemas.openxmlformats.org/officeDocument/2006/docPropsVTypes" xmlns:ns1="http://schemas.openxmlformats.org/officeDocument/2006/extended-properties" xmlns:cs="http://schemas.microsoft.com/office/drawing/2012/chartStyle" xmlns:c="http://schemas.openxmlformats.org/drawingml/2006/chart" xmlns="" id="{17A6CD33-BC91-4D22-BB76-C6ABB9E080E7}"/>
               </a:ext>
             </a:extLst>
           </p:cNvPr>
@@ -2184,7 +2184,7 @@
           <p:cNvPr id="3" name="PlaceHolder 3">
             <a:extLst>
               <a:ext uri="{99025CBA-8D1C-4D7F-965C-7576A0636AC8}">
-                <a16:creationId xmlns="" xmlns:c="http://schemas.openxmlformats.org/drawingml/2006/chart" xmlns:cs="http://schemas.microsoft.com/office/drawing/2012/chartStyle" xmlns:ns1="http://schemas.openxmlformats.org/officeDocument/2006/extended-properties" xmlns:vt="http://schemas.openxmlformats.org/officeDocument/2006/docPropsVTypes" xmlns:a16="http://schemas.microsoft.com/office/drawing/2010/main" id="{C9E8840C-DBED-43BE-B5FE-43A1448805F3}"/>
+                <a16:creationId xmlns:a16="http://schemas.microsoft.com/office/drawing/2010/main" xmlns:vt="http://schemas.openxmlformats.org/officeDocument/2006/docPropsVTypes" xmlns:ns1="http://schemas.openxmlformats.org/officeDocument/2006/extended-properties" xmlns:cs="http://schemas.microsoft.com/office/drawing/2012/chartStyle" xmlns:c="http://schemas.openxmlformats.org/drawingml/2006/chart" xmlns="" id="{C9E8840C-DBED-43BE-B5FE-43A1448805F3}"/>
               </a:ext>
             </a:extLst>
           </p:cNvPr>
@@ -2224,7 +2224,7 @@
           <p:cNvPr id="5" name="Footer Placeholder 4">
             <a:extLst>
               <a:ext uri="{E05F73E3-8ECF-416F-ABED-134949191045}">
-                <a16:creationId xmlns="" xmlns:c="http://schemas.openxmlformats.org/drawingml/2006/chart" xmlns:cs="http://schemas.microsoft.com/office/drawing/2012/chartStyle" xmlns:ns1="http://schemas.openxmlformats.org/officeDocument/2006/extended-properties" xmlns:vt="http://schemas.openxmlformats.org/officeDocument/2006/docPropsVTypes" xmlns:a16="http://schemas.microsoft.com/office/drawing/2010/main" id="{8423BCD5-BBF7-4C98-A0BE-981766F0416B}"/>
+                <a16:creationId xmlns:a16="http://schemas.microsoft.com/office/drawing/2010/main" xmlns:vt="http://schemas.openxmlformats.org/officeDocument/2006/docPropsVTypes" xmlns:ns1="http://schemas.openxmlformats.org/officeDocument/2006/extended-properties" xmlns:cs="http://schemas.microsoft.com/office/drawing/2012/chartStyle" xmlns:c="http://schemas.openxmlformats.org/drawingml/2006/chart" xmlns="" id="{8423BCD5-BBF7-4C98-A0BE-981766F0416B}"/>
               </a:ext>
             </a:extLst>
           </p:cNvPr>
@@ -2254,7 +2254,7 @@
           <p:cNvPr id="6" name="Slide Number Placeholder 5">
             <a:extLst>
               <a:ext uri="{1CEBD6D1-F6FE-4656-9206-5E7E785A8B84}">
-                <a16:creationId xmlns="" xmlns:c="http://schemas.openxmlformats.org/drawingml/2006/chart" xmlns:cs="http://schemas.microsoft.com/office/drawing/2012/chartStyle" xmlns:ns1="http://schemas.openxmlformats.org/officeDocument/2006/extended-properties" xmlns:vt="http://schemas.openxmlformats.org/officeDocument/2006/docPropsVTypes" xmlns:a16="http://schemas.microsoft.com/office/drawing/2010/main" id="{161A4EBE-F7C3-4169-A50C-579BB6A12230}"/>
+                <a16:creationId xmlns:a16="http://schemas.microsoft.com/office/drawing/2010/main" xmlns:vt="http://schemas.openxmlformats.org/officeDocument/2006/docPropsVTypes" xmlns:ns1="http://schemas.openxmlformats.org/officeDocument/2006/extended-properties" xmlns:cs="http://schemas.microsoft.com/office/drawing/2012/chartStyle" xmlns:c="http://schemas.openxmlformats.org/drawingml/2006/chart" xmlns="" id="{161A4EBE-F7C3-4169-A50C-579BB6A12230}"/>
               </a:ext>
             </a:extLst>
           </p:cNvPr>
@@ -2284,7 +2284,7 @@
           <p:cNvPr id="7" name="Date Placeholder 3">
             <a:extLst>
               <a:ext uri="{17652D2C-E558-46D3-A35A-0B997F9DDA88}">
-                <a16:creationId xmlns="" xmlns:c="http://schemas.openxmlformats.org/drawingml/2006/chart" xmlns:cs="http://schemas.microsoft.com/office/drawing/2012/chartStyle" xmlns:ns1="http://schemas.openxmlformats.org/officeDocument/2006/extended-properties" xmlns:vt="http://schemas.openxmlformats.org/officeDocument/2006/docPropsVTypes" xmlns:a16="http://schemas.microsoft.com/office/drawing/2010/main" id="{89CB0C8C-E616-4F82-8B02-0976628DAA2F}"/>
+                <a16:creationId xmlns:a16="http://schemas.microsoft.com/office/drawing/2010/main" xmlns:vt="http://schemas.openxmlformats.org/officeDocument/2006/docPropsVTypes" xmlns:ns1="http://schemas.openxmlformats.org/officeDocument/2006/extended-properties" xmlns:cs="http://schemas.microsoft.com/office/drawing/2012/chartStyle" xmlns:c="http://schemas.openxmlformats.org/drawingml/2006/chart" xmlns="" id="{89CB0C8C-E616-4F82-8B02-0976628DAA2F}"/>
               </a:ext>
             </a:extLst>
           </p:cNvPr>
@@ -2312,7 +2312,7 @@
     </p:spTree>
     <p:extLst>
       <p:ext uri="{A8963543-6711-41B1-9FF6-FFCB84AE6FB8}">
-        <p14:creationId xmlns="" xmlns:c="http://schemas.openxmlformats.org/drawingml/2006/chart" xmlns:cs="http://schemas.microsoft.com/office/drawing/2012/chartStyle" xmlns:ns1="http://schemas.openxmlformats.org/officeDocument/2006/extended-properties" xmlns:vt="http://schemas.openxmlformats.org/officeDocument/2006/docPropsVTypes" xmlns:p14="http://schemas.microsoft.com/office/powerpoint/2010/main" val="1725451570483"/>
+        <p14:creationId xmlns:p14="http://schemas.microsoft.com/office/powerpoint/2010/main" xmlns:vt="http://schemas.openxmlformats.org/officeDocument/2006/docPropsVTypes" xmlns:ns1="http://schemas.openxmlformats.org/officeDocument/2006/extended-properties" xmlns:cs="http://schemas.microsoft.com/office/drawing/2012/chartStyle" xmlns:c="http://schemas.openxmlformats.org/drawingml/2006/chart" xmlns="" val="1725451570483"/>
       </p:ext>
     </p:extLst>
   </p:cSld>
@@ -2344,7 +2344,7 @@
           <p:cNvPr id="2" name="PlaceHolder 1">
             <a:extLst>
               <a:ext uri="{EFBDA4B3-E00B-4206-A776-5C8463CE4EBB}">
-                <a16:creationId xmlns="" xmlns:c="http://schemas.openxmlformats.org/drawingml/2006/chart" xmlns:cs="http://schemas.microsoft.com/office/drawing/2012/chartStyle" xmlns:ns1="http://schemas.openxmlformats.org/officeDocument/2006/extended-properties" xmlns:vt="http://schemas.openxmlformats.org/officeDocument/2006/docPropsVTypes" xmlns:a16="http://schemas.microsoft.com/office/drawing/2010/main" id="{CB9B21DC-70DB-4BF4-BA2C-4AA0532AC827}"/>
+                <a16:creationId xmlns:a16="http://schemas.microsoft.com/office/drawing/2010/main" xmlns:vt="http://schemas.openxmlformats.org/officeDocument/2006/docPropsVTypes" xmlns:ns1="http://schemas.openxmlformats.org/officeDocument/2006/extended-properties" xmlns:cs="http://schemas.microsoft.com/office/drawing/2012/chartStyle" xmlns:c="http://schemas.openxmlformats.org/drawingml/2006/chart" xmlns="" id="{CB9B21DC-70DB-4BF4-BA2C-4AA0532AC827}"/>
               </a:ext>
             </a:extLst>
           </p:cNvPr>
@@ -2384,7 +2384,7 @@
           <p:cNvPr id="3" name="Footer Placeholder 4">
             <a:extLst>
               <a:ext uri="{20EFF1E7-A883-4712-8058-79039484DFC1}">
-                <a16:creationId xmlns="" xmlns:c="http://schemas.openxmlformats.org/drawingml/2006/chart" xmlns:cs="http://schemas.microsoft.com/office/drawing/2012/chartStyle" xmlns:ns1="http://schemas.openxmlformats.org/officeDocument/2006/extended-properties" xmlns:vt="http://schemas.openxmlformats.org/officeDocument/2006/docPropsVTypes" xmlns:a16="http://schemas.microsoft.com/office/drawing/2010/main" id="{F0654F62-0928-47E8-ABB9-EB4302BAC5E4}"/>
+                <a16:creationId xmlns:a16="http://schemas.microsoft.com/office/drawing/2010/main" xmlns:vt="http://schemas.openxmlformats.org/officeDocument/2006/docPropsVTypes" xmlns:ns1="http://schemas.openxmlformats.org/officeDocument/2006/extended-properties" xmlns:cs="http://schemas.microsoft.com/office/drawing/2012/chartStyle" xmlns:c="http://schemas.openxmlformats.org/drawingml/2006/chart" xmlns="" id="{F0654F62-0928-47E8-ABB9-EB4302BAC5E4}"/>
               </a:ext>
             </a:extLst>
           </p:cNvPr>
@@ -2414,7 +2414,7 @@
           <p:cNvPr id="4" name="Slide Number Placeholder 5">
             <a:extLst>
               <a:ext uri="{E3AFEDB8-3875-4CCF-B918-6E9E496F0D1D}">
-                <a16:creationId xmlns="" xmlns:c="http://schemas.openxmlformats.org/drawingml/2006/chart" xmlns:cs="http://schemas.microsoft.com/office/drawing/2012/chartStyle" xmlns:ns1="http://schemas.openxmlformats.org/officeDocument/2006/extended-properties" xmlns:vt="http://schemas.openxmlformats.org/officeDocument/2006/docPropsVTypes" xmlns:a16="http://schemas.microsoft.com/office/drawing/2010/main" id="{E95816FE-0D85-428E-8C9F-DD1EB23446F7}"/>
+                <a16:creationId xmlns:a16="http://schemas.microsoft.com/office/drawing/2010/main" xmlns:vt="http://schemas.openxmlformats.org/officeDocument/2006/docPropsVTypes" xmlns:ns1="http://schemas.openxmlformats.org/officeDocument/2006/extended-properties" xmlns:cs="http://schemas.microsoft.com/office/drawing/2012/chartStyle" xmlns:c="http://schemas.openxmlformats.org/drawingml/2006/chart" xmlns="" id="{E95816FE-0D85-428E-8C9F-DD1EB23446F7}"/>
               </a:ext>
             </a:extLst>
           </p:cNvPr>
@@ -2444,7 +2444,7 @@
           <p:cNvPr id="5" name="Date Placeholder 3">
             <a:extLst>
               <a:ext uri="{6A33784B-431A-40A6-9C4F-9CADD905CF48}">
-                <a16:creationId xmlns="" xmlns:c="http://schemas.openxmlformats.org/drawingml/2006/chart" xmlns:cs="http://schemas.microsoft.com/office/drawing/2012/chartStyle" xmlns:ns1="http://schemas.openxmlformats.org/officeDocument/2006/extended-properties" xmlns:vt="http://schemas.openxmlformats.org/officeDocument/2006/docPropsVTypes" xmlns:a16="http://schemas.microsoft.com/office/drawing/2010/main" id="{0D44746E-3275-4D97-A86A-C28D19782F90}"/>
+                <a16:creationId xmlns:a16="http://schemas.microsoft.com/office/drawing/2010/main" xmlns:vt="http://schemas.openxmlformats.org/officeDocument/2006/docPropsVTypes" xmlns:ns1="http://schemas.openxmlformats.org/officeDocument/2006/extended-properties" xmlns:cs="http://schemas.microsoft.com/office/drawing/2012/chartStyle" xmlns:c="http://schemas.openxmlformats.org/drawingml/2006/chart" xmlns="" id="{0D44746E-3275-4D97-A86A-C28D19782F90}"/>
               </a:ext>
             </a:extLst>
           </p:cNvPr>
@@ -2472,7 +2472,7 @@
     </p:spTree>
     <p:extLst>
       <p:ext uri="{8D39AA8C-3D7C-492E-BD90-8B79FA07DE46}">
-        <p14:creationId xmlns="" xmlns:c="http://schemas.openxmlformats.org/drawingml/2006/chart" xmlns:cs="http://schemas.microsoft.com/office/drawing/2012/chartStyle" xmlns:ns1="http://schemas.openxmlformats.org/officeDocument/2006/extended-properties" xmlns:vt="http://schemas.openxmlformats.org/officeDocument/2006/docPropsVTypes" xmlns:p14="http://schemas.microsoft.com/office/powerpoint/2010/main" val="1725451570485"/>
+        <p14:creationId xmlns:p14="http://schemas.microsoft.com/office/powerpoint/2010/main" xmlns:vt="http://schemas.openxmlformats.org/officeDocument/2006/docPropsVTypes" xmlns:ns1="http://schemas.openxmlformats.org/officeDocument/2006/extended-properties" xmlns:cs="http://schemas.microsoft.com/office/drawing/2012/chartStyle" xmlns:c="http://schemas.openxmlformats.org/drawingml/2006/chart" xmlns="" val="1725451570485"/>
       </p:ext>
     </p:extLst>
   </p:cSld>
@@ -2504,7 +2504,7 @@
           <p:cNvPr id="2" name="PlaceHolder 1">
             <a:extLst>
               <a:ext uri="{BE372411-6178-4C31-9EFB-08304F71297C}">
-                <a16:creationId xmlns="" xmlns:c="http://schemas.openxmlformats.org/drawingml/2006/chart" xmlns:cs="http://schemas.microsoft.com/office/drawing/2012/chartStyle" xmlns:ns1="http://schemas.openxmlformats.org/officeDocument/2006/extended-properties" xmlns:vt="http://schemas.openxmlformats.org/officeDocument/2006/docPropsVTypes" xmlns:a16="http://schemas.microsoft.com/office/drawing/2010/main" id="{FA920AE5-C681-449B-916F-D5F4A40559E1}"/>
+                <a16:creationId xmlns:a16="http://schemas.microsoft.com/office/drawing/2010/main" xmlns:vt="http://schemas.openxmlformats.org/officeDocument/2006/docPropsVTypes" xmlns:ns1="http://schemas.openxmlformats.org/officeDocument/2006/extended-properties" xmlns:cs="http://schemas.microsoft.com/office/drawing/2012/chartStyle" xmlns:c="http://schemas.openxmlformats.org/drawingml/2006/chart" xmlns="" id="{FA920AE5-C681-449B-916F-D5F4A40559E1}"/>
               </a:ext>
             </a:extLst>
           </p:cNvPr>
@@ -2542,7 +2542,7 @@
           <p:cNvPr id="3" name="Footer Placeholder 4">
             <a:extLst>
               <a:ext uri="{0CCDD1E7-F798-4C16-A578-3E8C0D562D3B}">
-                <a16:creationId xmlns="" xmlns:c="http://schemas.openxmlformats.org/drawingml/2006/chart" xmlns:cs="http://schemas.microsoft.com/office/drawing/2012/chartStyle" xmlns:ns1="http://schemas.openxmlformats.org/officeDocument/2006/extended-properties" xmlns:vt="http://schemas.openxmlformats.org/officeDocument/2006/docPropsVTypes" xmlns:a16="http://schemas.microsoft.com/office/drawing/2010/main" id="{311DCAE6-3A95-4894-9E46-454493018C20}"/>
+                <a16:creationId xmlns:a16="http://schemas.microsoft.com/office/drawing/2010/main" xmlns:vt="http://schemas.openxmlformats.org/officeDocument/2006/docPropsVTypes" xmlns:ns1="http://schemas.openxmlformats.org/officeDocument/2006/extended-properties" xmlns:cs="http://schemas.microsoft.com/office/drawing/2012/chartStyle" xmlns:c="http://schemas.openxmlformats.org/drawingml/2006/chart" xmlns="" id="{311DCAE6-3A95-4894-9E46-454493018C20}"/>
               </a:ext>
             </a:extLst>
           </p:cNvPr>
@@ -2572,7 +2572,7 @@
           <p:cNvPr id="4" name="Slide Number Placeholder 5">
             <a:extLst>
               <a:ext uri="{C42A90DF-A5FD-42D1-90EA-CF7D53B28A29}">
-                <a16:creationId xmlns="" xmlns:c="http://schemas.openxmlformats.org/drawingml/2006/chart" xmlns:cs="http://schemas.microsoft.com/office/drawing/2012/chartStyle" xmlns:ns1="http://schemas.openxmlformats.org/officeDocument/2006/extended-properties" xmlns:vt="http://schemas.openxmlformats.org/officeDocument/2006/docPropsVTypes" xmlns:a16="http://schemas.microsoft.com/office/drawing/2010/main" id="{46671A00-BA67-4C8D-889E-9922C1CFB86A}"/>
+                <a16:creationId xmlns:a16="http://schemas.microsoft.com/office/drawing/2010/main" xmlns:vt="http://schemas.openxmlformats.org/officeDocument/2006/docPropsVTypes" xmlns:ns1="http://schemas.openxmlformats.org/officeDocument/2006/extended-properties" xmlns:cs="http://schemas.microsoft.com/office/drawing/2012/chartStyle" xmlns:c="http://schemas.openxmlformats.org/drawingml/2006/chart" xmlns="" id="{46671A00-BA67-4C8D-889E-9922C1CFB86A}"/>
               </a:ext>
             </a:extLst>
           </p:cNvPr>
@@ -2602,7 +2602,7 @@
           <p:cNvPr id="5" name="Date Placeholder 3">
             <a:extLst>
               <a:ext uri="{062AB4F9-F6EC-4158-893E-802A79FC6C4B}">
-                <a16:creationId xmlns="" xmlns:c="http://schemas.openxmlformats.org/drawingml/2006/chart" xmlns:cs="http://schemas.microsoft.com/office/drawing/2012/chartStyle" xmlns:ns1="http://schemas.openxmlformats.org/officeDocument/2006/extended-properties" xmlns:vt="http://schemas.openxmlformats.org/officeDocument/2006/docPropsVTypes" xmlns:a16="http://schemas.microsoft.com/office/drawing/2010/main" id="{75C2E7EC-2F64-4D4A-AA63-813B90196E18}"/>
+                <a16:creationId xmlns:a16="http://schemas.microsoft.com/office/drawing/2010/main" xmlns:vt="http://schemas.openxmlformats.org/officeDocument/2006/docPropsVTypes" xmlns:ns1="http://schemas.openxmlformats.org/officeDocument/2006/extended-properties" xmlns:cs="http://schemas.microsoft.com/office/drawing/2012/chartStyle" xmlns:c="http://schemas.openxmlformats.org/drawingml/2006/chart" xmlns="" id="{75C2E7EC-2F64-4D4A-AA63-813B90196E18}"/>
               </a:ext>
             </a:extLst>
           </p:cNvPr>
@@ -2630,7 +2630,7 @@
     </p:spTree>
     <p:extLst>
       <p:ext uri="{473E2E35-501D-4144-8566-5ED9BF8A7576}">
-        <p14:creationId xmlns="" xmlns:c="http://schemas.openxmlformats.org/drawingml/2006/chart" xmlns:cs="http://schemas.microsoft.com/office/drawing/2012/chartStyle" xmlns:ns1="http://schemas.openxmlformats.org/officeDocument/2006/extended-properties" xmlns:vt="http://schemas.openxmlformats.org/officeDocument/2006/docPropsVTypes" xmlns:p14="http://schemas.microsoft.com/office/powerpoint/2010/main" val="1725451570487"/>
+        <p14:creationId xmlns:p14="http://schemas.microsoft.com/office/powerpoint/2010/main" xmlns:vt="http://schemas.openxmlformats.org/officeDocument/2006/docPropsVTypes" xmlns:ns1="http://schemas.openxmlformats.org/officeDocument/2006/extended-properties" xmlns:cs="http://schemas.microsoft.com/office/drawing/2012/chartStyle" xmlns:c="http://schemas.openxmlformats.org/drawingml/2006/chart" xmlns="" val="1725451570487"/>
       </p:ext>
     </p:extLst>
   </p:cSld>
@@ -2662,7 +2662,7 @@
           <p:cNvPr id="5" name="PlaceHolder 1">
             <a:extLst>
               <a:ext uri="{D49B7E62-8833-4A88-A8EC-9D6861C9A102}">
-                <a16:creationId xmlns="" xmlns:c="http://schemas.openxmlformats.org/drawingml/2006/chart" xmlns:cs="http://schemas.microsoft.com/office/drawing/2012/chartStyle" xmlns:ns1="http://schemas.openxmlformats.org/officeDocument/2006/extended-properties" xmlns:vt="http://schemas.openxmlformats.org/officeDocument/2006/docPropsVTypes" xmlns:a16="http://schemas.microsoft.com/office/drawing/2010/main" id="{6A194DF2-2718-4CEB-87B6-A5705671AF1F}"/>
+                <a16:creationId xmlns:a16="http://schemas.microsoft.com/office/drawing/2010/main" xmlns:vt="http://schemas.openxmlformats.org/officeDocument/2006/docPropsVTypes" xmlns:ns1="http://schemas.openxmlformats.org/officeDocument/2006/extended-properties" xmlns:cs="http://schemas.microsoft.com/office/drawing/2012/chartStyle" xmlns:c="http://schemas.openxmlformats.org/drawingml/2006/chart" xmlns="" id="{6A194DF2-2718-4CEB-87B6-A5705671AF1F}"/>
               </a:ext>
             </a:extLst>
           </p:cNvPr>
@@ -2702,7 +2702,7 @@
           <p:cNvPr id="2" name="PlaceHolder 2">
             <a:extLst>
               <a:ext uri="{08D9DD65-DEA0-4176-87F1-F5127AB4CE52}">
-                <a16:creationId xmlns="" xmlns:c="http://schemas.openxmlformats.org/drawingml/2006/chart" xmlns:cs="http://schemas.microsoft.com/office/drawing/2012/chartStyle" xmlns:ns1="http://schemas.openxmlformats.org/officeDocument/2006/extended-properties" xmlns:vt="http://schemas.openxmlformats.org/officeDocument/2006/docPropsVTypes" xmlns:a16="http://schemas.microsoft.com/office/drawing/2010/main" id="{06E020C9-DB07-4750-9870-8148C284567E}"/>
+                <a16:creationId xmlns:a16="http://schemas.microsoft.com/office/drawing/2010/main" xmlns:vt="http://schemas.openxmlformats.org/officeDocument/2006/docPropsVTypes" xmlns:ns1="http://schemas.openxmlformats.org/officeDocument/2006/extended-properties" xmlns:cs="http://schemas.microsoft.com/office/drawing/2012/chartStyle" xmlns:c="http://schemas.openxmlformats.org/drawingml/2006/chart" xmlns="" id="{06E020C9-DB07-4750-9870-8148C284567E}"/>
               </a:ext>
             </a:extLst>
           </p:cNvPr>
@@ -2742,7 +2742,7 @@
           <p:cNvPr id="3" name="PlaceHolder 3">
             <a:extLst>
               <a:ext uri="{97585C36-6227-4713-8C84-1BE003696C3E}">
-                <a16:creationId xmlns="" xmlns:c="http://schemas.openxmlformats.org/drawingml/2006/chart" xmlns:cs="http://schemas.microsoft.com/office/drawing/2012/chartStyle" xmlns:ns1="http://schemas.openxmlformats.org/officeDocument/2006/extended-properties" xmlns:vt="http://schemas.openxmlformats.org/officeDocument/2006/docPropsVTypes" xmlns:a16="http://schemas.microsoft.com/office/drawing/2010/main" id="{00FF4D61-0823-4BA7-955F-19D31AD95030}"/>
+                <a16:creationId xmlns:a16="http://schemas.microsoft.com/office/drawing/2010/main" xmlns:vt="http://schemas.openxmlformats.org/officeDocument/2006/docPropsVTypes" xmlns:ns1="http://schemas.openxmlformats.org/officeDocument/2006/extended-properties" xmlns:cs="http://schemas.microsoft.com/office/drawing/2012/chartStyle" xmlns:c="http://schemas.openxmlformats.org/drawingml/2006/chart" xmlns="" id="{00FF4D61-0823-4BA7-955F-19D31AD95030}"/>
               </a:ext>
             </a:extLst>
           </p:cNvPr>
@@ -2782,7 +2782,7 @@
           <p:cNvPr id="4" name="PlaceHolder 4">
             <a:extLst>
               <a:ext uri="{44E0478A-2032-47B4-A8BC-7E48E22463B9}">
-                <a16:creationId xmlns="" xmlns:c="http://schemas.openxmlformats.org/drawingml/2006/chart" xmlns:cs="http://schemas.microsoft.com/office/drawing/2012/chartStyle" xmlns:ns1="http://schemas.openxmlformats.org/officeDocument/2006/extended-properties" xmlns:vt="http://schemas.openxmlformats.org/officeDocument/2006/docPropsVTypes" xmlns:a16="http://schemas.microsoft.com/office/drawing/2010/main" id="{8249F535-5FD5-47E7-AE43-FFAB4B5ADF91}"/>
+                <a16:creationId xmlns:a16="http://schemas.microsoft.com/office/drawing/2010/main" xmlns:vt="http://schemas.openxmlformats.org/officeDocument/2006/docPropsVTypes" xmlns:ns1="http://schemas.openxmlformats.org/officeDocument/2006/extended-properties" xmlns:cs="http://schemas.microsoft.com/office/drawing/2012/chartStyle" xmlns:c="http://schemas.openxmlformats.org/drawingml/2006/chart" xmlns="" id="{8249F535-5FD5-47E7-AE43-FFAB4B5ADF91}"/>
               </a:ext>
             </a:extLst>
           </p:cNvPr>
@@ -2822,7 +2822,7 @@
           <p:cNvPr id="6" name="Footer Placeholder 4">
             <a:extLst>
               <a:ext uri="{60582054-37C3-4EAA-B5A2-C9A823B34F18}">
-                <a16:creationId xmlns="" xmlns:c="http://schemas.openxmlformats.org/drawingml/2006/chart" xmlns:cs="http://schemas.microsoft.com/office/drawing/2012/chartStyle" xmlns:ns1="http://schemas.openxmlformats.org/officeDocument/2006/extended-properties" xmlns:vt="http://schemas.openxmlformats.org/officeDocument/2006/docPropsVTypes" xmlns:a16="http://schemas.microsoft.com/office/drawing/2010/main" id="{D0C2A864-6DF9-4603-AAD9-ADF3CFFBAB8D}"/>
+                <a16:creationId xmlns:a16="http://schemas.microsoft.com/office/drawing/2010/main" xmlns:vt="http://schemas.openxmlformats.org/officeDocument/2006/docPropsVTypes" xmlns:ns1="http://schemas.openxmlformats.org/officeDocument/2006/extended-properties" xmlns:cs="http://schemas.microsoft.com/office/drawing/2012/chartStyle" xmlns:c="http://schemas.openxmlformats.org/drawingml/2006/chart" xmlns="" id="{D0C2A864-6DF9-4603-AAD9-ADF3CFFBAB8D}"/>
               </a:ext>
             </a:extLst>
           </p:cNvPr>
@@ -2852,7 +2852,7 @@
           <p:cNvPr id="7" name="Slide Number Placeholder 5">
             <a:extLst>
               <a:ext uri="{98754C4D-4688-4FDF-AA5B-CE27516C88DC}">
-                <a16:creationId xmlns="" xmlns:c="http://schemas.openxmlformats.org/drawingml/2006/chart" xmlns:cs="http://schemas.microsoft.com/office/drawing/2012/chartStyle" xmlns:ns1="http://schemas.openxmlformats.org/officeDocument/2006/extended-properties" xmlns:vt="http://schemas.openxmlformats.org/officeDocument/2006/docPropsVTypes" xmlns:a16="http://schemas.microsoft.com/office/drawing/2010/main" id="{95954EEB-3092-464C-91D1-BCAA3202FAE4}"/>
+                <a16:creationId xmlns:a16="http://schemas.microsoft.com/office/drawing/2010/main" xmlns:vt="http://schemas.openxmlformats.org/officeDocument/2006/docPropsVTypes" xmlns:ns1="http://schemas.openxmlformats.org/officeDocument/2006/extended-properties" xmlns:cs="http://schemas.microsoft.com/office/drawing/2012/chartStyle" xmlns:c="http://schemas.openxmlformats.org/drawingml/2006/chart" xmlns="" id="{95954EEB-3092-464C-91D1-BCAA3202FAE4}"/>
               </a:ext>
             </a:extLst>
           </p:cNvPr>
@@ -2882,7 +2882,7 @@
           <p:cNvPr id="8" name="Date Placeholder 3">
             <a:extLst>
               <a:ext uri="{B72F1D89-DA7A-47D4-90E7-08510115CD0A}">
-                <a16:creationId xmlns="" xmlns:c="http://schemas.openxmlformats.org/drawingml/2006/chart" xmlns:cs="http://schemas.microsoft.com/office/drawing/2012/chartStyle" xmlns:ns1="http://schemas.openxmlformats.org/officeDocument/2006/extended-properties" xmlns:vt="http://schemas.openxmlformats.org/officeDocument/2006/docPropsVTypes" xmlns:a16="http://schemas.microsoft.com/office/drawing/2010/main" id="{440F38A4-CD39-460A-9F5F-4269E395A960}"/>
+                <a16:creationId xmlns:a16="http://schemas.microsoft.com/office/drawing/2010/main" xmlns:vt="http://schemas.openxmlformats.org/officeDocument/2006/docPropsVTypes" xmlns:ns1="http://schemas.openxmlformats.org/officeDocument/2006/extended-properties" xmlns:cs="http://schemas.microsoft.com/office/drawing/2012/chartStyle" xmlns:c="http://schemas.openxmlformats.org/drawingml/2006/chart" xmlns="" id="{440F38A4-CD39-460A-9F5F-4269E395A960}"/>
               </a:ext>
             </a:extLst>
           </p:cNvPr>
@@ -2910,7 +2910,7 @@
     </p:spTree>
     <p:extLst>
       <p:ext uri="{C1F3C634-6FFC-447F-8390-109185B62BB3}">
-        <p14:creationId xmlns="" xmlns:c="http://schemas.openxmlformats.org/drawingml/2006/chart" xmlns:cs="http://schemas.microsoft.com/office/drawing/2012/chartStyle" xmlns:ns1="http://schemas.openxmlformats.org/officeDocument/2006/extended-properties" xmlns:vt="http://schemas.openxmlformats.org/officeDocument/2006/docPropsVTypes" xmlns:p14="http://schemas.microsoft.com/office/powerpoint/2010/main" val="1725451570488"/>
+        <p14:creationId xmlns:p14="http://schemas.microsoft.com/office/powerpoint/2010/main" xmlns:vt="http://schemas.openxmlformats.org/officeDocument/2006/docPropsVTypes" xmlns:ns1="http://schemas.openxmlformats.org/officeDocument/2006/extended-properties" xmlns:cs="http://schemas.microsoft.com/office/drawing/2012/chartStyle" xmlns:c="http://schemas.openxmlformats.org/drawingml/2006/chart" xmlns="" val="1725451570488"/>
       </p:ext>
     </p:extLst>
   </p:cSld>
@@ -2942,7 +2942,7 @@
           <p:cNvPr id="5" name="PlaceHolder 1">
             <a:extLst>
               <a:ext uri="{31AA740E-9295-4BE7-A4A1-33614530732B}">
-                <a16:creationId xmlns="" xmlns:c="http://schemas.openxmlformats.org/drawingml/2006/chart" xmlns:cs="http://schemas.microsoft.com/office/drawing/2012/chartStyle" xmlns:ns1="http://schemas.openxmlformats.org/officeDocument/2006/extended-properties" xmlns:vt="http://schemas.openxmlformats.org/officeDocument/2006/docPropsVTypes" xmlns:a16="http://schemas.microsoft.com/office/drawing/2010/main" id="{BE677E9D-E47C-4281-9830-F52734DE5C70}"/>
+                <a16:creationId xmlns:a16="http://schemas.microsoft.com/office/drawing/2010/main" xmlns:vt="http://schemas.openxmlformats.org/officeDocument/2006/docPropsVTypes" xmlns:ns1="http://schemas.openxmlformats.org/officeDocument/2006/extended-properties" xmlns:cs="http://schemas.microsoft.com/office/drawing/2012/chartStyle" xmlns:c="http://schemas.openxmlformats.org/drawingml/2006/chart" xmlns="" id="{BE677E9D-E47C-4281-9830-F52734DE5C70}"/>
               </a:ext>
             </a:extLst>
           </p:cNvPr>
@@ -2982,7 +2982,7 @@
           <p:cNvPr id="2" name="PlaceHolder 2">
             <a:extLst>
               <a:ext uri="{ECF59796-4AA0-4649-9F39-F14CC1F82982}">
-                <a16:creationId xmlns="" xmlns:c="http://schemas.openxmlformats.org/drawingml/2006/chart" xmlns:cs="http://schemas.microsoft.com/office/drawing/2012/chartStyle" xmlns:ns1="http://schemas.openxmlformats.org/officeDocument/2006/extended-properties" xmlns:vt="http://schemas.openxmlformats.org/officeDocument/2006/docPropsVTypes" xmlns:a16="http://schemas.microsoft.com/office/drawing/2010/main" id="{66881427-17F2-4A70-8EA0-849FA7EE1240}"/>
+                <a16:creationId xmlns:a16="http://schemas.microsoft.com/office/drawing/2010/main" xmlns:vt="http://schemas.openxmlformats.org/officeDocument/2006/docPropsVTypes" xmlns:ns1="http://schemas.openxmlformats.org/officeDocument/2006/extended-properties" xmlns:cs="http://schemas.microsoft.com/office/drawing/2012/chartStyle" xmlns:c="http://schemas.openxmlformats.org/drawingml/2006/chart" xmlns="" id="{66881427-17F2-4A70-8EA0-849FA7EE1240}"/>
               </a:ext>
             </a:extLst>
           </p:cNvPr>
@@ -3022,7 +3022,7 @@
           <p:cNvPr id="3" name="PlaceHolder 3">
             <a:extLst>
               <a:ext uri="{7FC3C298-B6F0-4D0A-9814-CAAA1070136D}">
-                <a16:creationId xmlns="" xmlns:c="http://schemas.openxmlformats.org/drawingml/2006/chart" xmlns:cs="http://schemas.microsoft.com/office/drawing/2012/chartStyle" xmlns:ns1="http://schemas.openxmlformats.org/officeDocument/2006/extended-properties" xmlns:vt="http://schemas.openxmlformats.org/officeDocument/2006/docPropsVTypes" xmlns:a16="http://schemas.microsoft.com/office/drawing/2010/main" id="{4BC75EDA-982D-49F0-8A6D-46B0F1529510}"/>
+                <a16:creationId xmlns:a16="http://schemas.microsoft.com/office/drawing/2010/main" xmlns:vt="http://schemas.openxmlformats.org/officeDocument/2006/docPropsVTypes" xmlns:ns1="http://schemas.openxmlformats.org/officeDocument/2006/extended-properties" xmlns:cs="http://schemas.microsoft.com/office/drawing/2012/chartStyle" xmlns:c="http://schemas.openxmlformats.org/drawingml/2006/chart" xmlns="" id="{4BC75EDA-982D-49F0-8A6D-46B0F1529510}"/>
               </a:ext>
             </a:extLst>
           </p:cNvPr>
@@ -3062,7 +3062,7 @@
           <p:cNvPr id="4" name="PlaceHolder 4">
             <a:extLst>
               <a:ext uri="{432EF096-EEEE-4076-AE1E-75FBA2F318A9}">
-                <a16:creationId xmlns="" xmlns:c="http://schemas.openxmlformats.org/drawingml/2006/chart" xmlns:cs="http://schemas.microsoft.com/office/drawing/2012/chartStyle" xmlns:ns1="http://schemas.openxmlformats.org/officeDocument/2006/extended-properties" xmlns:vt="http://schemas.openxmlformats.org/officeDocument/2006/docPropsVTypes" xmlns:a16="http://schemas.microsoft.com/office/drawing/2010/main" id="{C4528CB0-8F84-4BE9-BB79-C1C624282ECC}"/>
+                <a16:creationId xmlns:a16="http://schemas.microsoft.com/office/drawing/2010/main" xmlns:vt="http://schemas.openxmlformats.org/officeDocument/2006/docPropsVTypes" xmlns:ns1="http://schemas.openxmlformats.org/officeDocument/2006/extended-properties" xmlns:cs="http://schemas.microsoft.com/office/drawing/2012/chartStyle" xmlns:c="http://schemas.openxmlformats.org/drawingml/2006/chart" xmlns="" id="{C4528CB0-8F84-4BE9-BB79-C1C624282ECC}"/>
               </a:ext>
             </a:extLst>
           </p:cNvPr>
@@ -3102,7 +3102,7 @@
           <p:cNvPr id="6" name="Footer Placeholder 4">
             <a:extLst>
               <a:ext uri="{8EC26C0C-4485-4D84-968B-E74A9EE9D5E2}">
-                <a16:creationId xmlns="" xmlns:c="http://schemas.openxmlformats.org/drawingml/2006/chart" xmlns:cs="http://schemas.microsoft.com/office/drawing/2012/chartStyle" xmlns:ns1="http://schemas.openxmlformats.org/officeDocument/2006/extended-properties" xmlns:vt="http://schemas.openxmlformats.org/officeDocument/2006/docPropsVTypes" xmlns:a16="http://schemas.microsoft.com/office/drawing/2010/main" id="{88A3F895-E733-4421-9742-DC5A4E5A4C05}"/>
+                <a16:creationId xmlns:a16="http://schemas.microsoft.com/office/drawing/2010/main" xmlns:vt="http://schemas.openxmlformats.org/officeDocument/2006/docPropsVTypes" xmlns:ns1="http://schemas.openxmlformats.org/officeDocument/2006/extended-properties" xmlns:cs="http://schemas.microsoft.com/office/drawing/2012/chartStyle" xmlns:c="http://schemas.openxmlformats.org/drawingml/2006/chart" xmlns="" id="{88A3F895-E733-4421-9742-DC5A4E5A4C05}"/>
               </a:ext>
             </a:extLst>
           </p:cNvPr>
@@ -3132,7 +3132,7 @@
           <p:cNvPr id="7" name="Slide Number Placeholder 5">
             <a:extLst>
               <a:ext uri="{5817EE38-4FA7-4C7E-82AA-B7AFD338C78F}">
-                <a16:creationId xmlns="" xmlns:c="http://schemas.openxmlformats.org/drawingml/2006/chart" xmlns:cs="http://schemas.microsoft.com/office/drawing/2012/chartStyle" xmlns:ns1="http://schemas.openxmlformats.org/officeDocument/2006/extended-properties" xmlns:vt="http://schemas.openxmlformats.org/officeDocument/2006/docPropsVTypes" xmlns:a16="http://schemas.microsoft.com/office/drawing/2010/main" id="{5BA5B1B9-707F-4EFD-9702-9216EF38DF28}"/>
+                <a16:creationId xmlns:a16="http://schemas.microsoft.com/office/drawing/2010/main" xmlns:vt="http://schemas.openxmlformats.org/officeDocument/2006/docPropsVTypes" xmlns:ns1="http://schemas.openxmlformats.org/officeDocument/2006/extended-properties" xmlns:cs="http://schemas.microsoft.com/office/drawing/2012/chartStyle" xmlns:c="http://schemas.openxmlformats.org/drawingml/2006/chart" xmlns="" id="{5BA5B1B9-707F-4EFD-9702-9216EF38DF28}"/>
               </a:ext>
             </a:extLst>
           </p:cNvPr>
@@ -3162,7 +3162,7 @@
           <p:cNvPr id="8" name="Date Placeholder 3">
             <a:extLst>
               <a:ext uri="{4350283C-FDAA-4C22-89FB-FD586AE4F0F8}">
-                <a16:creationId xmlns="" xmlns:c="http://schemas.openxmlformats.org/drawingml/2006/chart" xmlns:cs="http://schemas.microsoft.com/office/drawing/2012/chartStyle" xmlns:ns1="http://schemas.openxmlformats.org/officeDocument/2006/extended-properties" xmlns:vt="http://schemas.openxmlformats.org/officeDocument/2006/docPropsVTypes" xmlns:a16="http://schemas.microsoft.com/office/drawing/2010/main" id="{678EDB64-CFB5-4080-BD14-C28BB6FC4A1D}"/>
+                <a16:creationId xmlns:a16="http://schemas.microsoft.com/office/drawing/2010/main" xmlns:vt="http://schemas.openxmlformats.org/officeDocument/2006/docPropsVTypes" xmlns:ns1="http://schemas.openxmlformats.org/officeDocument/2006/extended-properties" xmlns:cs="http://schemas.microsoft.com/office/drawing/2012/chartStyle" xmlns:c="http://schemas.openxmlformats.org/drawingml/2006/chart" xmlns="" id="{678EDB64-CFB5-4080-BD14-C28BB6FC4A1D}"/>
               </a:ext>
             </a:extLst>
           </p:cNvPr>
@@ -3190,7 +3190,7 @@
     </p:spTree>
     <p:extLst>
       <p:ext uri="{AF0283AD-7020-43A8-A51D-05DB672D5950}">
-        <p14:creationId xmlns="" xmlns:c="http://schemas.openxmlformats.org/drawingml/2006/chart" xmlns:cs="http://schemas.microsoft.com/office/drawing/2012/chartStyle" xmlns:ns1="http://schemas.openxmlformats.org/officeDocument/2006/extended-properties" xmlns:vt="http://schemas.openxmlformats.org/officeDocument/2006/docPropsVTypes" xmlns:p14="http://schemas.microsoft.com/office/powerpoint/2010/main" val="1725451570490"/>
+        <p14:creationId xmlns:p14="http://schemas.microsoft.com/office/powerpoint/2010/main" xmlns:vt="http://schemas.openxmlformats.org/officeDocument/2006/docPropsVTypes" xmlns:ns1="http://schemas.openxmlformats.org/officeDocument/2006/extended-properties" xmlns:cs="http://schemas.microsoft.com/office/drawing/2012/chartStyle" xmlns:c="http://schemas.openxmlformats.org/drawingml/2006/chart" xmlns="" val="1725451570490"/>
       </p:ext>
     </p:extLst>
   </p:cSld>
@@ -3222,7 +3222,7 @@
           <p:cNvPr id="5" name="PlaceHolder 1">
             <a:extLst>
               <a:ext uri="{BCEB625A-1F3B-45CC-961C-E472CD817186}">
-                <a16:creationId xmlns="" xmlns:c="http://schemas.openxmlformats.org/drawingml/2006/chart" xmlns:cs="http://schemas.microsoft.com/office/drawing/2012/chartStyle" xmlns:ns1="http://schemas.openxmlformats.org/officeDocument/2006/extended-properties" xmlns:vt="http://schemas.openxmlformats.org/officeDocument/2006/docPropsVTypes" xmlns:a16="http://schemas.microsoft.com/office/drawing/2010/main" id="{A449F6FC-1717-4A0C-96AA-8A62D38A007E}"/>
+                <a16:creationId xmlns:a16="http://schemas.microsoft.com/office/drawing/2010/main" xmlns:vt="http://schemas.openxmlformats.org/officeDocument/2006/docPropsVTypes" xmlns:ns1="http://schemas.openxmlformats.org/officeDocument/2006/extended-properties" xmlns:cs="http://schemas.microsoft.com/office/drawing/2012/chartStyle" xmlns:c="http://schemas.openxmlformats.org/drawingml/2006/chart" xmlns="" id="{A449F6FC-1717-4A0C-96AA-8A62D38A007E}"/>
               </a:ext>
             </a:extLst>
           </p:cNvPr>
@@ -3262,7 +3262,7 @@
           <p:cNvPr id="2" name="PlaceHolder 2">
             <a:extLst>
               <a:ext uri="{BFE46BBD-29B5-4C0B-A618-2C596BDE2D83}">
-                <a16:creationId xmlns="" xmlns:c="http://schemas.openxmlformats.org/drawingml/2006/chart" xmlns:cs="http://schemas.microsoft.com/office/drawing/2012/chartStyle" xmlns:ns1="http://schemas.openxmlformats.org/officeDocument/2006/extended-properties" xmlns:vt="http://schemas.openxmlformats.org/officeDocument/2006/docPropsVTypes" xmlns:a16="http://schemas.microsoft.com/office/drawing/2010/main" id="{6B9EE53D-307A-4B97-B0FB-D1CDC604D759}"/>
+                <a16:creationId xmlns:a16="http://schemas.microsoft.com/office/drawing/2010/main" xmlns:vt="http://schemas.openxmlformats.org/officeDocument/2006/docPropsVTypes" xmlns:ns1="http://schemas.openxmlformats.org/officeDocument/2006/extended-properties" xmlns:cs="http://schemas.microsoft.com/office/drawing/2012/chartStyle" xmlns:c="http://schemas.openxmlformats.org/drawingml/2006/chart" xmlns="" id="{6B9EE53D-307A-4B97-B0FB-D1CDC604D759}"/>
               </a:ext>
             </a:extLst>
           </p:cNvPr>
@@ -3302,7 +3302,7 @@
           <p:cNvPr id="3" name="PlaceHolder 3">
             <a:extLst>
               <a:ext uri="{653E12B7-C2AC-469F-AE52-2A103E8A613C}">
-                <a16:creationId xmlns="" xmlns:c="http://schemas.openxmlformats.org/drawingml/2006/chart" xmlns:cs="http://schemas.microsoft.com/office/drawing/2012/chartStyle" xmlns:ns1="http://schemas.openxmlformats.org/officeDocument/2006/extended-properties" xmlns:vt="http://schemas.openxmlformats.org/officeDocument/2006/docPropsVTypes" xmlns:a16="http://schemas.microsoft.com/office/drawing/2010/main" id="{BC7C420A-21FE-4A63-B9DB-618C42A7A1F3}"/>
+                <a16:creationId xmlns:a16="http://schemas.microsoft.com/office/drawing/2010/main" xmlns:vt="http://schemas.openxmlformats.org/officeDocument/2006/docPropsVTypes" xmlns:ns1="http://schemas.openxmlformats.org/officeDocument/2006/extended-properties" xmlns:cs="http://schemas.microsoft.com/office/drawing/2012/chartStyle" xmlns:c="http://schemas.openxmlformats.org/drawingml/2006/chart" xmlns="" id="{BC7C420A-21FE-4A63-B9DB-618C42A7A1F3}"/>
               </a:ext>
             </a:extLst>
           </p:cNvPr>
@@ -3342,7 +3342,7 @@
           <p:cNvPr id="4" name="PlaceHolder 4">
             <a:extLst>
               <a:ext uri="{5D5A3C27-4250-43DF-B965-411C45BBF512}">
-                <a16:creationId xmlns="" xmlns:c="http://schemas.openxmlformats.org/drawingml/2006/chart" xmlns:cs="http://schemas.microsoft.com/office/drawing/2012/chartStyle" xmlns:ns1="http://schemas.openxmlformats.org/officeDocument/2006/extended-properties" xmlns:vt="http://schemas.openxmlformats.org/officeDocument/2006/docPropsVTypes" xmlns:a16="http://schemas.microsoft.com/office/drawing/2010/main" id="{1C1A4198-66D7-47A6-B0FF-3144782F984D}"/>
+                <a16:creationId xmlns:a16="http://schemas.microsoft.com/office/drawing/2010/main" xmlns:vt="http://schemas.openxmlformats.org/officeDocument/2006/docPropsVTypes" xmlns:ns1="http://schemas.openxmlformats.org/officeDocument/2006/extended-properties" xmlns:cs="http://schemas.microsoft.com/office/drawing/2012/chartStyle" xmlns:c="http://schemas.openxmlformats.org/drawingml/2006/chart" xmlns="" id="{1C1A4198-66D7-47A6-B0FF-3144782F984D}"/>
               </a:ext>
             </a:extLst>
           </p:cNvPr>
@@ -3382,7 +3382,7 @@
           <p:cNvPr id="6" name="Footer Placeholder 4">
             <a:extLst>
               <a:ext uri="{475B6E90-9E20-40DF-A92B-0D7FBE9A6BB0}">
-                <a16:creationId xmlns="" xmlns:c="http://schemas.openxmlformats.org/drawingml/2006/chart" xmlns:cs="http://schemas.microsoft.com/office/drawing/2012/chartStyle" xmlns:ns1="http://schemas.openxmlformats.org/officeDocument/2006/extended-properties" xmlns:vt="http://schemas.openxmlformats.org/officeDocument/2006/docPropsVTypes" xmlns:a16="http://schemas.microsoft.com/office/drawing/2010/main" id="{25E06C67-68D5-4F4A-9ED9-2D03D1F7194B}"/>
+                <a16:creationId xmlns:a16="http://schemas.microsoft.com/office/drawing/2010/main" xmlns:vt="http://schemas.openxmlformats.org/officeDocument/2006/docPropsVTypes" xmlns:ns1="http://schemas.openxmlformats.org/officeDocument/2006/extended-properties" xmlns:cs="http://schemas.microsoft.com/office/drawing/2012/chartStyle" xmlns:c="http://schemas.openxmlformats.org/drawingml/2006/chart" xmlns="" id="{25E06C67-68D5-4F4A-9ED9-2D03D1F7194B}"/>
               </a:ext>
             </a:extLst>
           </p:cNvPr>
@@ -3412,7 +3412,7 @@
           <p:cNvPr id="7" name="Slide Number Placeholder 5">
             <a:extLst>
               <a:ext uri="{4C3E9DF9-18DC-4758-B1D5-8146DE70F697}">
-                <a16:creationId xmlns="" xmlns:c="http://schemas.openxmlformats.org/drawingml/2006/chart" xmlns:cs="http://schemas.microsoft.com/office/drawing/2012/chartStyle" xmlns:ns1="http://schemas.openxmlformats.org/officeDocument/2006/extended-properties" xmlns:vt="http://schemas.openxmlformats.org/officeDocument/2006/docPropsVTypes" xmlns:a16="http://schemas.microsoft.com/office/drawing/2010/main" id="{4132B329-774A-4E37-A8A9-2D0532021F08}"/>
+                <a16:creationId xmlns:a16="http://schemas.microsoft.com/office/drawing/2010/main" xmlns:vt="http://schemas.openxmlformats.org/officeDocument/2006/docPropsVTypes" xmlns:ns1="http://schemas.openxmlformats.org/officeDocument/2006/extended-properties" xmlns:cs="http://schemas.microsoft.com/office/drawing/2012/chartStyle" xmlns:c="http://schemas.openxmlformats.org/drawingml/2006/chart" xmlns="" id="{4132B329-774A-4E37-A8A9-2D0532021F08}"/>
               </a:ext>
             </a:extLst>
           </p:cNvPr>
@@ -3442,7 +3442,7 @@
           <p:cNvPr id="8" name="Date Placeholder 3">
             <a:extLst>
               <a:ext uri="{CF4F2044-A978-49CF-830B-80CB0F21F406}">
-                <a16:creationId xmlns="" xmlns:c="http://schemas.openxmlformats.org/drawingml/2006/chart" xmlns:cs="http://schemas.microsoft.com/office/drawing/2012/chartStyle" xmlns:ns1="http://schemas.openxmlformats.org/officeDocument/2006/extended-properties" xmlns:vt="http://schemas.openxmlformats.org/officeDocument/2006/docPropsVTypes" xmlns:a16="http://schemas.microsoft.com/office/drawing/2010/main" id="{D86A8210-431B-4E60-B545-673105898E22}"/>
+                <a16:creationId xmlns:a16="http://schemas.microsoft.com/office/drawing/2010/main" xmlns:vt="http://schemas.openxmlformats.org/officeDocument/2006/docPropsVTypes" xmlns:ns1="http://schemas.openxmlformats.org/officeDocument/2006/extended-properties" xmlns:cs="http://schemas.microsoft.com/office/drawing/2012/chartStyle" xmlns:c="http://schemas.openxmlformats.org/drawingml/2006/chart" xmlns="" id="{D86A8210-431B-4E60-B545-673105898E22}"/>
               </a:ext>
             </a:extLst>
           </p:cNvPr>
@@ -3470,7 +3470,7 @@
     </p:spTree>
     <p:extLst>
       <p:ext uri="{6B5378A8-2999-4328-9F82-B7A69FAF758D}">
-        <p14:creationId xmlns="" xmlns:c="http://schemas.openxmlformats.org/drawingml/2006/chart" xmlns:cs="http://schemas.microsoft.com/office/drawing/2012/chartStyle" xmlns:ns1="http://schemas.openxmlformats.org/officeDocument/2006/extended-properties" xmlns:vt="http://schemas.openxmlformats.org/officeDocument/2006/docPropsVTypes" xmlns:p14="http://schemas.microsoft.com/office/powerpoint/2010/main" val="1725451570492"/>
+        <p14:creationId xmlns:p14="http://schemas.microsoft.com/office/powerpoint/2010/main" xmlns:vt="http://schemas.openxmlformats.org/officeDocument/2006/docPropsVTypes" xmlns:ns1="http://schemas.openxmlformats.org/officeDocument/2006/extended-properties" xmlns:cs="http://schemas.microsoft.com/office/drawing/2012/chartStyle" xmlns:c="http://schemas.openxmlformats.org/drawingml/2006/chart" xmlns="" val="1725451570492"/>
       </p:ext>
     </p:extLst>
   </p:cSld>
@@ -3510,7 +3510,7 @@
           <p:cNvPr id="2" name="CustomShape 1">
             <a:extLst>
               <a:ext uri="{6020039B-93E6-41B9-9F8C-72027E1128B0}">
-                <a16:creationId xmlns="" xmlns:c="http://schemas.openxmlformats.org/drawingml/2006/chart" xmlns:cs="http://schemas.microsoft.com/office/drawing/2012/chartStyle" xmlns:ns1="http://schemas.openxmlformats.org/officeDocument/2006/extended-properties" xmlns:vt="http://schemas.openxmlformats.org/officeDocument/2006/docPropsVTypes" xmlns:a16="http://schemas.microsoft.com/office/drawing/2010/main" id="{EDC6F588-909D-4A94-AF1B-0810B88C7BF3}"/>
+                <a16:creationId xmlns:a16="http://schemas.microsoft.com/office/drawing/2010/main" xmlns:vt="http://schemas.openxmlformats.org/officeDocument/2006/docPropsVTypes" xmlns:ns1="http://schemas.openxmlformats.org/officeDocument/2006/extended-properties" xmlns:cs="http://schemas.microsoft.com/office/drawing/2012/chartStyle" xmlns:c="http://schemas.openxmlformats.org/drawingml/2006/chart" xmlns="" id="{EDC6F588-909D-4A94-AF1B-0810B88C7BF3}"/>
               </a:ext>
             </a:extLst>
           </p:cNvPr>
@@ -3553,7 +3553,7 @@
           <p:cNvPr id="3" name="CustomShape 2">
             <a:extLst>
               <a:ext uri="{70DB6779-6852-40CE-8EA7-BF4158E1C8D5}">
-                <a16:creationId xmlns="" xmlns:c="http://schemas.openxmlformats.org/drawingml/2006/chart" xmlns:cs="http://schemas.microsoft.com/office/drawing/2012/chartStyle" xmlns:ns1="http://schemas.openxmlformats.org/officeDocument/2006/extended-properties" xmlns:vt="http://schemas.openxmlformats.org/officeDocument/2006/docPropsVTypes" xmlns:a16="http://schemas.microsoft.com/office/drawing/2010/main" id="{A2B8240D-F422-4C6A-BD35-B0C9974585CF}"/>
+                <a16:creationId xmlns:a16="http://schemas.microsoft.com/office/drawing/2010/main" xmlns:vt="http://schemas.openxmlformats.org/officeDocument/2006/docPropsVTypes" xmlns:ns1="http://schemas.openxmlformats.org/officeDocument/2006/extended-properties" xmlns:cs="http://schemas.microsoft.com/office/drawing/2012/chartStyle" xmlns:c="http://schemas.openxmlformats.org/drawingml/2006/chart" xmlns="" id="{A2B8240D-F422-4C6A-BD35-B0C9974585CF}"/>
               </a:ext>
             </a:extLst>
           </p:cNvPr>
@@ -3596,7 +3596,7 @@
           <p:cNvPr id="4" name="Picture 10" descr="LOGO.gif">
             <a:extLst>
               <a:ext uri="{3BAC5D5D-B770-4F34-9115-CEA45B1CA998}">
-                <a16:creationId xmlns="" xmlns:c="http://schemas.openxmlformats.org/drawingml/2006/chart" xmlns:cs="http://schemas.microsoft.com/office/drawing/2012/chartStyle" xmlns:ns1="http://schemas.openxmlformats.org/officeDocument/2006/extended-properties" xmlns:vt="http://schemas.openxmlformats.org/officeDocument/2006/docPropsVTypes" xmlns:a16="http://schemas.microsoft.com/office/drawing/2010/main" id="{042EB9B6-B8FB-401F-9C5E-24A0F5BCFCAD}"/>
+                <a16:creationId xmlns:a16="http://schemas.microsoft.com/office/drawing/2010/main" xmlns:vt="http://schemas.openxmlformats.org/officeDocument/2006/docPropsVTypes" xmlns:ns1="http://schemas.openxmlformats.org/officeDocument/2006/extended-properties" xmlns:cs="http://schemas.microsoft.com/office/drawing/2012/chartStyle" xmlns:c="http://schemas.openxmlformats.org/drawingml/2006/chart" xmlns="" id="{042EB9B6-B8FB-401F-9C5E-24A0F5BCFCAD}"/>
               </a:ext>
             </a:extLst>
           </p:cNvPr>
@@ -3629,7 +3629,7 @@
           <p:cNvPr id="5" name="Picture 10" descr="LOGO.gif">
             <a:extLst>
               <a:ext uri="{5C515FE0-217D-4927-A1D2-6DFB42531621}">
-                <a16:creationId xmlns="" xmlns:c="http://schemas.openxmlformats.org/drawingml/2006/chart" xmlns:cs="http://schemas.microsoft.com/office/drawing/2012/chartStyle" xmlns:ns1="http://schemas.openxmlformats.org/officeDocument/2006/extended-properties" xmlns:vt="http://schemas.openxmlformats.org/officeDocument/2006/docPropsVTypes" xmlns:a16="http://schemas.microsoft.com/office/drawing/2010/main" id="{6B5BC841-2F0C-45F3-96BB-2EF2519C1D02}"/>
+                <a16:creationId xmlns:a16="http://schemas.microsoft.com/office/drawing/2010/main" xmlns:vt="http://schemas.openxmlformats.org/officeDocument/2006/docPropsVTypes" xmlns:ns1="http://schemas.openxmlformats.org/officeDocument/2006/extended-properties" xmlns:cs="http://schemas.microsoft.com/office/drawing/2012/chartStyle" xmlns:c="http://schemas.openxmlformats.org/drawingml/2006/chart" xmlns="" id="{6B5BC841-2F0C-45F3-96BB-2EF2519C1D02}"/>
               </a:ext>
             </a:extLst>
           </p:cNvPr>
@@ -3662,7 +3662,7 @@
           <p:cNvPr id="6" name="Group 3">
             <a:extLst>
               <a:ext uri="{85BD558E-6550-4960-915B-15EE57EF29BC}">
-                <a16:creationId xmlns="" xmlns:c="http://schemas.openxmlformats.org/drawingml/2006/chart" xmlns:cs="http://schemas.microsoft.com/office/drawing/2012/chartStyle" xmlns:ns1="http://schemas.openxmlformats.org/officeDocument/2006/extended-properties" xmlns:vt="http://schemas.openxmlformats.org/officeDocument/2006/docPropsVTypes" xmlns:a16="http://schemas.microsoft.com/office/drawing/2010/main" id="{68C84A0A-02CD-4A45-A179-BFB4BECC8FF8}"/>
+                <a16:creationId xmlns:a16="http://schemas.microsoft.com/office/drawing/2010/main" xmlns:vt="http://schemas.openxmlformats.org/officeDocument/2006/docPropsVTypes" xmlns:ns1="http://schemas.openxmlformats.org/officeDocument/2006/extended-properties" xmlns:cs="http://schemas.microsoft.com/office/drawing/2012/chartStyle" xmlns:c="http://schemas.openxmlformats.org/drawingml/2006/chart" xmlns="" id="{68C84A0A-02CD-4A45-A179-BFB4BECC8FF8}"/>
               </a:ext>
             </a:extLst>
           </p:cNvPr>
@@ -3682,7 +3682,7 @@
             <p:cNvPr id="7" name="CustomShape 4">
               <a:extLst>
                 <a:ext uri="{0BB3CD4E-46F3-4714-BE98-D4E4085A80A6}">
-                  <a16:creationId xmlns="" xmlns:c="http://schemas.openxmlformats.org/drawingml/2006/chart" xmlns:cs="http://schemas.microsoft.com/office/drawing/2012/chartStyle" xmlns:ns1="http://schemas.openxmlformats.org/officeDocument/2006/extended-properties" xmlns:vt="http://schemas.openxmlformats.org/officeDocument/2006/docPropsVTypes" xmlns:a16="http://schemas.microsoft.com/office/drawing/2010/main" id="{825A4923-D334-4C17-8C76-B647B0C18D98}"/>
+                  <a16:creationId xmlns:a16="http://schemas.microsoft.com/office/drawing/2010/main" xmlns:vt="http://schemas.openxmlformats.org/officeDocument/2006/docPropsVTypes" xmlns:ns1="http://schemas.openxmlformats.org/officeDocument/2006/extended-properties" xmlns:cs="http://schemas.microsoft.com/office/drawing/2012/chartStyle" xmlns:c="http://schemas.openxmlformats.org/drawingml/2006/chart" xmlns="" id="{825A4923-D334-4C17-8C76-B647B0C18D98}"/>
                 </a:ext>
               </a:extLst>
             </p:cNvPr>
@@ -3725,7 +3725,7 @@
             <p:cNvPr id="8" name="Picture 9" descr="LOGO.gif">
               <a:extLst>
                 <a:ext uri="{6467126D-EC8B-4D83-B62F-911BB00D1D19}">
-                  <a16:creationId xmlns="" xmlns:c="http://schemas.openxmlformats.org/drawingml/2006/chart" xmlns:cs="http://schemas.microsoft.com/office/drawing/2012/chartStyle" xmlns:ns1="http://schemas.openxmlformats.org/officeDocument/2006/extended-properties" xmlns:vt="http://schemas.openxmlformats.org/officeDocument/2006/docPropsVTypes" xmlns:a16="http://schemas.microsoft.com/office/drawing/2010/main" id="{D6BEE510-8173-4C82-AE99-42D49A3F6EAF}"/>
+                  <a16:creationId xmlns:a16="http://schemas.microsoft.com/office/drawing/2010/main" xmlns:vt="http://schemas.openxmlformats.org/officeDocument/2006/docPropsVTypes" xmlns:ns1="http://schemas.openxmlformats.org/officeDocument/2006/extended-properties" xmlns:cs="http://schemas.microsoft.com/office/drawing/2012/chartStyle" xmlns:c="http://schemas.openxmlformats.org/drawingml/2006/chart" xmlns="" id="{D6BEE510-8173-4C82-AE99-42D49A3F6EAF}"/>
                 </a:ext>
               </a:extLst>
             </p:cNvPr>
@@ -3758,7 +3758,7 @@
             <p:cNvPr id="9" name="CustomShape 5">
               <a:extLst>
                 <a:ext uri="{0B8F8274-7A8E-4CCF-8FA6-B5DD393D7B55}">
-                  <a16:creationId xmlns="" xmlns:c="http://schemas.openxmlformats.org/drawingml/2006/chart" xmlns:cs="http://schemas.microsoft.com/office/drawing/2012/chartStyle" xmlns:ns1="http://schemas.openxmlformats.org/officeDocument/2006/extended-properties" xmlns:vt="http://schemas.openxmlformats.org/officeDocument/2006/docPropsVTypes" xmlns:a16="http://schemas.microsoft.com/office/drawing/2010/main" id="{8399502F-055F-4FBA-87E6-A3E5CCE9C237}"/>
+                  <a16:creationId xmlns:a16="http://schemas.microsoft.com/office/drawing/2010/main" xmlns:vt="http://schemas.openxmlformats.org/officeDocument/2006/docPropsVTypes" xmlns:ns1="http://schemas.openxmlformats.org/officeDocument/2006/extended-properties" xmlns:cs="http://schemas.microsoft.com/office/drawing/2012/chartStyle" xmlns:c="http://schemas.openxmlformats.org/drawingml/2006/chart" xmlns="" id="{8399502F-055F-4FBA-87E6-A3E5CCE9C237}"/>
                 </a:ext>
               </a:extLst>
             </p:cNvPr>
@@ -3804,7 +3804,7 @@
           <p:cNvPr id="10" name="Picture 15" descr="logo.jpg">
             <a:extLst>
               <a:ext uri="{B899ED1A-B8C1-45BA-950E-C1BEFE0486AF}">
-                <a16:creationId xmlns="" xmlns:c="http://schemas.openxmlformats.org/drawingml/2006/chart" xmlns:cs="http://schemas.microsoft.com/office/drawing/2012/chartStyle" xmlns:ns1="http://schemas.openxmlformats.org/officeDocument/2006/extended-properties" xmlns:vt="http://schemas.openxmlformats.org/officeDocument/2006/docPropsVTypes" xmlns:a16="http://schemas.microsoft.com/office/drawing/2010/main" id="{A6A6FF20-0CD8-46AD-ABF4-24E4E0696DC6}"/>
+                <a16:creationId xmlns:a16="http://schemas.microsoft.com/office/drawing/2010/main" xmlns:vt="http://schemas.openxmlformats.org/officeDocument/2006/docPropsVTypes" xmlns:ns1="http://schemas.openxmlformats.org/officeDocument/2006/extended-properties" xmlns:cs="http://schemas.microsoft.com/office/drawing/2012/chartStyle" xmlns:c="http://schemas.openxmlformats.org/drawingml/2006/chart" xmlns="" id="{A6A6FF20-0CD8-46AD-ABF4-24E4E0696DC6}"/>
               </a:ext>
             </a:extLst>
           </p:cNvPr>
@@ -3836,7 +3836,7 @@
           <p:cNvPr id="11" name="Picture 10" descr="LOGO.gif">
             <a:extLst>
               <a:ext uri="{64FE3CB0-F299-4BF4-8DB9-A7B0212B7F17}">
-                <a16:creationId xmlns="" xmlns:c="http://schemas.openxmlformats.org/drawingml/2006/chart" xmlns:cs="http://schemas.microsoft.com/office/drawing/2012/chartStyle" xmlns:ns1="http://schemas.openxmlformats.org/officeDocument/2006/extended-properties" xmlns:vt="http://schemas.openxmlformats.org/officeDocument/2006/docPropsVTypes" xmlns:a16="http://schemas.microsoft.com/office/drawing/2010/main" id="{B2F39D56-D52E-41C6-BB6B-0AB65DA8F774}"/>
+                <a16:creationId xmlns:a16="http://schemas.microsoft.com/office/drawing/2010/main" xmlns:vt="http://schemas.openxmlformats.org/officeDocument/2006/docPropsVTypes" xmlns:ns1="http://schemas.openxmlformats.org/officeDocument/2006/extended-properties" xmlns:cs="http://schemas.microsoft.com/office/drawing/2012/chartStyle" xmlns:c="http://schemas.openxmlformats.org/drawingml/2006/chart" xmlns="" id="{B2F39D56-D52E-41C6-BB6B-0AB65DA8F774}"/>
               </a:ext>
             </a:extLst>
           </p:cNvPr>
@@ -3869,7 +3869,7 @@
           <p:cNvPr id="12" name="Group 6">
             <a:extLst>
               <a:ext uri="{5C1DAB7B-4144-46F7-9391-39D2896A1905}">
-                <a16:creationId xmlns="" xmlns:c="http://schemas.openxmlformats.org/drawingml/2006/chart" xmlns:cs="http://schemas.microsoft.com/office/drawing/2012/chartStyle" xmlns:ns1="http://schemas.openxmlformats.org/officeDocument/2006/extended-properties" xmlns:vt="http://schemas.openxmlformats.org/officeDocument/2006/docPropsVTypes" xmlns:a16="http://schemas.microsoft.com/office/drawing/2010/main" id="{48F6B02B-6169-4565-BAC6-D866CBE071C4}"/>
+                <a16:creationId xmlns:a16="http://schemas.microsoft.com/office/drawing/2010/main" xmlns:vt="http://schemas.openxmlformats.org/officeDocument/2006/docPropsVTypes" xmlns:ns1="http://schemas.openxmlformats.org/officeDocument/2006/extended-properties" xmlns:cs="http://schemas.microsoft.com/office/drawing/2012/chartStyle" xmlns:c="http://schemas.openxmlformats.org/drawingml/2006/chart" xmlns="" id="{48F6B02B-6169-4565-BAC6-D866CBE071C4}"/>
               </a:ext>
             </a:extLst>
           </p:cNvPr>
@@ -3889,7 +3889,7 @@
             <p:cNvPr id="13" name="CustomShape 7">
               <a:extLst>
                 <a:ext uri="{E93006CA-FB14-4A05-8F40-023865E84960}">
-                  <a16:creationId xmlns="" xmlns:c="http://schemas.openxmlformats.org/drawingml/2006/chart" xmlns:cs="http://schemas.microsoft.com/office/drawing/2012/chartStyle" xmlns:ns1="http://schemas.openxmlformats.org/officeDocument/2006/extended-properties" xmlns:vt="http://schemas.openxmlformats.org/officeDocument/2006/docPropsVTypes" xmlns:a16="http://schemas.microsoft.com/office/drawing/2010/main" id="{8CFFB17F-8D7F-406E-916D-784BBAA9CA49}"/>
+                  <a16:creationId xmlns:a16="http://schemas.microsoft.com/office/drawing/2010/main" xmlns:vt="http://schemas.openxmlformats.org/officeDocument/2006/docPropsVTypes" xmlns:ns1="http://schemas.openxmlformats.org/officeDocument/2006/extended-properties" xmlns:cs="http://schemas.microsoft.com/office/drawing/2012/chartStyle" xmlns:c="http://schemas.openxmlformats.org/drawingml/2006/chart" xmlns="" id="{8CFFB17F-8D7F-406E-916D-784BBAA9CA49}"/>
                 </a:ext>
               </a:extLst>
             </p:cNvPr>
@@ -3932,7 +3932,7 @@
             <p:cNvPr id="14" name="Picture 9" descr="LOGO.gif">
               <a:extLst>
                 <a:ext uri="{3F3DDB22-625E-4F05-B139-6E8EF3D4655C}">
-                  <a16:creationId xmlns="" xmlns:c="http://schemas.openxmlformats.org/drawingml/2006/chart" xmlns:cs="http://schemas.microsoft.com/office/drawing/2012/chartStyle" xmlns:ns1="http://schemas.openxmlformats.org/officeDocument/2006/extended-properties" xmlns:vt="http://schemas.openxmlformats.org/officeDocument/2006/docPropsVTypes" xmlns:a16="http://schemas.microsoft.com/office/drawing/2010/main" id="{F7F0FE42-2399-440A-A62E-A149C718BD42}"/>
+                  <a16:creationId xmlns:a16="http://schemas.microsoft.com/office/drawing/2010/main" xmlns:vt="http://schemas.openxmlformats.org/officeDocument/2006/docPropsVTypes" xmlns:ns1="http://schemas.openxmlformats.org/officeDocument/2006/extended-properties" xmlns:cs="http://schemas.microsoft.com/office/drawing/2012/chartStyle" xmlns:c="http://schemas.openxmlformats.org/drawingml/2006/chart" xmlns="" id="{F7F0FE42-2399-440A-A62E-A149C718BD42}"/>
                 </a:ext>
               </a:extLst>
             </p:cNvPr>
@@ -3965,7 +3965,7 @@
             <p:cNvPr id="15" name="CustomShape 8">
               <a:extLst>
                 <a:ext uri="{FCDC4AA9-2B29-48CE-BAC1-6A111CBF5B3B}">
-                  <a16:creationId xmlns="" xmlns:c="http://schemas.openxmlformats.org/drawingml/2006/chart" xmlns:cs="http://schemas.microsoft.com/office/drawing/2012/chartStyle" xmlns:ns1="http://schemas.openxmlformats.org/officeDocument/2006/extended-properties" xmlns:vt="http://schemas.openxmlformats.org/officeDocument/2006/docPropsVTypes" xmlns:a16="http://schemas.microsoft.com/office/drawing/2010/main" id="{4C90C34B-B092-43A5-8B67-3B977528D11F}"/>
+                  <a16:creationId xmlns:a16="http://schemas.microsoft.com/office/drawing/2010/main" xmlns:vt="http://schemas.openxmlformats.org/officeDocument/2006/docPropsVTypes" xmlns:ns1="http://schemas.openxmlformats.org/officeDocument/2006/extended-properties" xmlns:cs="http://schemas.microsoft.com/office/drawing/2012/chartStyle" xmlns:c="http://schemas.openxmlformats.org/drawingml/2006/chart" xmlns="" id="{4C90C34B-B092-43A5-8B67-3B977528D11F}"/>
                 </a:ext>
               </a:extLst>
             </p:cNvPr>
@@ -4011,7 +4011,7 @@
           <p:cNvPr id="16" name="Picture 15" descr="logo.jpg">
             <a:extLst>
               <a:ext uri="{A8920B9D-AF1E-4E72-A7DC-9ADA8D41A2A6}">
-                <a16:creationId xmlns="" xmlns:c="http://schemas.openxmlformats.org/drawingml/2006/chart" xmlns:cs="http://schemas.microsoft.com/office/drawing/2012/chartStyle" xmlns:ns1="http://schemas.openxmlformats.org/officeDocument/2006/extended-properties" xmlns:vt="http://schemas.openxmlformats.org/officeDocument/2006/docPropsVTypes" xmlns:a16="http://schemas.microsoft.com/office/drawing/2010/main" id="{D40FE61C-97F4-4142-8364-4F174B7095A3}"/>
+                <a16:creationId xmlns:a16="http://schemas.microsoft.com/office/drawing/2010/main" xmlns:vt="http://schemas.openxmlformats.org/officeDocument/2006/docPropsVTypes" xmlns:ns1="http://schemas.openxmlformats.org/officeDocument/2006/extended-properties" xmlns:cs="http://schemas.microsoft.com/office/drawing/2012/chartStyle" xmlns:c="http://schemas.openxmlformats.org/drawingml/2006/chart" xmlns="" id="{D40FE61C-97F4-4142-8364-4F174B7095A3}"/>
               </a:ext>
             </a:extLst>
           </p:cNvPr>
@@ -4043,7 +4043,7 @@
           <p:cNvPr id="17" name="PlaceHolder 9">
             <a:extLst>
               <a:ext uri="{908A0A0C-A5F0-48E0-9B96-40FAFC00F3AC}">
-                <a16:creationId xmlns="" xmlns:c="http://schemas.openxmlformats.org/drawingml/2006/chart" xmlns:cs="http://schemas.microsoft.com/office/drawing/2012/chartStyle" xmlns:ns1="http://schemas.openxmlformats.org/officeDocument/2006/extended-properties" xmlns:vt="http://schemas.openxmlformats.org/officeDocument/2006/docPropsVTypes" xmlns:a16="http://schemas.microsoft.com/office/drawing/2010/main" id="{DFE0840E-59A6-46EC-A8B5-9C4FCA9DD189}"/>
+                <a16:creationId xmlns:a16="http://schemas.microsoft.com/office/drawing/2010/main" xmlns:vt="http://schemas.openxmlformats.org/officeDocument/2006/docPropsVTypes" xmlns:ns1="http://schemas.openxmlformats.org/officeDocument/2006/extended-properties" xmlns:cs="http://schemas.microsoft.com/office/drawing/2012/chartStyle" xmlns:c="http://schemas.openxmlformats.org/drawingml/2006/chart" xmlns="" id="{DFE0840E-59A6-46EC-A8B5-9C4FCA9DD189}"/>
               </a:ext>
             </a:extLst>
           </p:cNvPr>
@@ -4091,7 +4091,7 @@
           <p:cNvPr id="18" name="PlaceHolder 10">
             <a:extLst>
               <a:ext uri="{0FB503D6-4BA1-4049-B4D7-458ADB9BF154}">
-                <a16:creationId xmlns="" xmlns:c="http://schemas.openxmlformats.org/drawingml/2006/chart" xmlns:cs="http://schemas.microsoft.com/office/drawing/2012/chartStyle" xmlns:ns1="http://schemas.openxmlformats.org/officeDocument/2006/extended-properties" xmlns:vt="http://schemas.openxmlformats.org/officeDocument/2006/docPropsVTypes" xmlns:a16="http://schemas.microsoft.com/office/drawing/2010/main" id="{4311428E-5B05-49F4-BE3A-A24E0D4D409D}"/>
+                <a16:creationId xmlns:a16="http://schemas.microsoft.com/office/drawing/2010/main" xmlns:vt="http://schemas.openxmlformats.org/officeDocument/2006/docPropsVTypes" xmlns:ns1="http://schemas.openxmlformats.org/officeDocument/2006/extended-properties" xmlns:cs="http://schemas.microsoft.com/office/drawing/2012/chartStyle" xmlns:c="http://schemas.openxmlformats.org/drawingml/2006/chart" xmlns="" id="{4311428E-5B05-49F4-BE3A-A24E0D4D409D}"/>
               </a:ext>
             </a:extLst>
           </p:cNvPr>
@@ -4243,7 +4243,7 @@
           <p:cNvPr id="19" name="PlaceHolder 11">
             <a:extLst>
               <a:ext uri="{34E1CE08-00F3-4CF5-90E1-C268602BD352}">
-                <a16:creationId xmlns="" xmlns:c="http://schemas.openxmlformats.org/drawingml/2006/chart" xmlns:cs="http://schemas.microsoft.com/office/drawing/2012/chartStyle" xmlns:ns1="http://schemas.openxmlformats.org/officeDocument/2006/extended-properties" xmlns:vt="http://schemas.openxmlformats.org/officeDocument/2006/docPropsVTypes" xmlns:a16="http://schemas.microsoft.com/office/drawing/2010/main" id="{FEBDEFDA-F776-42EE-B902-352655F244F0}"/>
+                <a16:creationId xmlns:a16="http://schemas.microsoft.com/office/drawing/2010/main" xmlns:vt="http://schemas.openxmlformats.org/officeDocument/2006/docPropsVTypes" xmlns:ns1="http://schemas.openxmlformats.org/officeDocument/2006/extended-properties" xmlns:cs="http://schemas.microsoft.com/office/drawing/2012/chartStyle" xmlns:c="http://schemas.openxmlformats.org/drawingml/2006/chart" xmlns="" id="{FEBDEFDA-F776-42EE-B902-352655F244F0}"/>
               </a:ext>
             </a:extLst>
           </p:cNvPr>
@@ -4285,7 +4285,7 @@
           <p:cNvPr id="20" name="PlaceHolder 12">
             <a:extLst>
               <a:ext uri="{77409E69-C51E-4D61-8B27-6B380FE34CB2}">
-                <a16:creationId xmlns="" xmlns:c="http://schemas.openxmlformats.org/drawingml/2006/chart" xmlns:cs="http://schemas.microsoft.com/office/drawing/2012/chartStyle" xmlns:ns1="http://schemas.openxmlformats.org/officeDocument/2006/extended-properties" xmlns:vt="http://schemas.openxmlformats.org/officeDocument/2006/docPropsVTypes" xmlns:a16="http://schemas.microsoft.com/office/drawing/2010/main" id="{F694BBC0-7DFB-4B7F-8E92-57FEEB034BF4}"/>
+                <a16:creationId xmlns:a16="http://schemas.microsoft.com/office/drawing/2010/main" xmlns:vt="http://schemas.openxmlformats.org/officeDocument/2006/docPropsVTypes" xmlns:ns1="http://schemas.openxmlformats.org/officeDocument/2006/extended-properties" xmlns:cs="http://schemas.microsoft.com/office/drawing/2012/chartStyle" xmlns:c="http://schemas.openxmlformats.org/drawingml/2006/chart" xmlns="" id="{F694BBC0-7DFB-4B7F-8E92-57FEEB034BF4}"/>
               </a:ext>
             </a:extLst>
           </p:cNvPr>
@@ -4325,7 +4325,7 @@
           <p:cNvPr id="21" name="PlaceHolder 13">
             <a:extLst>
               <a:ext uri="{CC205213-EEC0-40E5-99E5-E3BAD5AF9700}">
-                <a16:creationId xmlns="" xmlns:c="http://schemas.openxmlformats.org/drawingml/2006/chart" xmlns:cs="http://schemas.microsoft.com/office/drawing/2012/chartStyle" xmlns:ns1="http://schemas.openxmlformats.org/officeDocument/2006/extended-properties" xmlns:vt="http://schemas.openxmlformats.org/officeDocument/2006/docPropsVTypes" xmlns:a16="http://schemas.microsoft.com/office/drawing/2010/main" id="{8E58C389-B2BA-4A07-A1D7-D3AAA229960F}"/>
+                <a16:creationId xmlns:a16="http://schemas.microsoft.com/office/drawing/2010/main" xmlns:vt="http://schemas.openxmlformats.org/officeDocument/2006/docPropsVTypes" xmlns:ns1="http://schemas.openxmlformats.org/officeDocument/2006/extended-properties" xmlns:cs="http://schemas.microsoft.com/office/drawing/2012/chartStyle" xmlns:c="http://schemas.openxmlformats.org/drawingml/2006/chart" xmlns="" id="{8E58C389-B2BA-4A07-A1D7-D3AAA229960F}"/>
               </a:ext>
             </a:extLst>
           </p:cNvPr>
@@ -4650,7 +4650,7 @@
           <p:cNvPr id="2" name="TextShape 1">
             <a:extLst>
               <a:ext uri="{915281ED-B2E6-4B6B-A1E4-EDE474CDB099}">
-                <a16:creationId xmlns="" xmlns:c="http://schemas.openxmlformats.org/drawingml/2006/chart" xmlns:cs="http://schemas.microsoft.com/office/drawing/2012/chartStyle" xmlns:ns1="http://schemas.openxmlformats.org/officeDocument/2006/extended-properties" xmlns:vt="http://schemas.openxmlformats.org/officeDocument/2006/docPropsVTypes" xmlns:a16="http://schemas.microsoft.com/office/drawing/2010/main" id="{5A18DF06-ACEE-41B1-B72F-529ABAD87F5A}"/>
+                <a16:creationId xmlns:a16="http://schemas.microsoft.com/office/drawing/2010/main" xmlns:vt="http://schemas.openxmlformats.org/officeDocument/2006/docPropsVTypes" xmlns:ns1="http://schemas.openxmlformats.org/officeDocument/2006/extended-properties" xmlns:cs="http://schemas.microsoft.com/office/drawing/2012/chartStyle" xmlns:c="http://schemas.openxmlformats.org/drawingml/2006/chart" xmlns="" id="{5A18DF06-ACEE-41B1-B72F-529ABAD87F5A}"/>
               </a:ext>
             </a:extLst>
           </p:cNvPr>
@@ -4701,7 +4701,18 @@
               <a:rPr lang="en-IN" sz="2000" b="1" dirty="0">
                 <a:latin typeface="Times New Roman"/>
               </a:rPr>
-              <a:t>Project Presentation of Back End Engineering Project</a:t>
+              <a:t>Project Presentation of </a:t>
+            </a:r>
+            <a:r>
+              <a:rPr lang="en-US" sz="2000" b="1" dirty="0">
+                <a:latin typeface="Times New Roman" panose="02020603050405020304" pitchFamily="18" charset="0"/>
+                <a:cs typeface="Times New Roman" panose="02020603050405020304" pitchFamily="18" charset="0"/>
+              </a:rPr>
+              <a:t>Full Stack Engineering</a:t>
+            </a:r>
+            <a:r>
+              <a:rPr lang="en-US" sz="2000" dirty="0"/>
+              <a:t> </a:t>
             </a:r>
             <a:r>
               <a:rPr lang="en-IN" sz="2000" b="1" dirty="0">
@@ -4710,7 +4721,23 @@
                 </a:solidFill>
                 <a:latin typeface="Times New Roman"/>
               </a:rPr>
-              <a:t> (BEE) (22CS026)</a:t>
+              <a:t>(</a:t>
+            </a:r>
+            <a:r>
+              <a:rPr lang="en-US" sz="2000" dirty="0">
+                <a:latin typeface="Times New Roman" panose="02020603050405020304" pitchFamily="18" charset="0"/>
+                <a:cs typeface="Times New Roman" panose="02020603050405020304" pitchFamily="18" charset="0"/>
+              </a:rPr>
+              <a:t>22CS037</a:t>
+            </a:r>
+            <a:r>
+              <a:rPr lang="en-IN" sz="2000" b="1" dirty="0">
+                <a:solidFill>
+                  <a:srgbClr val="000000"/>
+                </a:solidFill>
+                <a:latin typeface="Times New Roman"/>
+              </a:rPr>
+              <a:t>)</a:t>
             </a:r>
           </a:p>
           <a:p>
@@ -4993,7 +5020,7 @@
     </p:spTree>
     <p:extLst>
       <p:ext uri="{D4F75D74-FC1A-43EC-9948-CC7D1D132D46}">
-        <p14:creationId xmlns="" xmlns:c="http://schemas.openxmlformats.org/drawingml/2006/chart" xmlns:cs="http://schemas.microsoft.com/office/drawing/2012/chartStyle" xmlns:ns1="http://schemas.openxmlformats.org/officeDocument/2006/extended-properties" xmlns:vt="http://schemas.openxmlformats.org/officeDocument/2006/docPropsVTypes" xmlns:p14="http://schemas.microsoft.com/office/powerpoint/2010/main" val="1725451570501"/>
+        <p14:creationId xmlns:p14="http://schemas.microsoft.com/office/powerpoint/2010/main" xmlns:vt="http://schemas.openxmlformats.org/officeDocument/2006/docPropsVTypes" xmlns:ns1="http://schemas.openxmlformats.org/officeDocument/2006/extended-properties" xmlns:cs="http://schemas.microsoft.com/office/drawing/2012/chartStyle" xmlns:c="http://schemas.openxmlformats.org/drawingml/2006/chart" xmlns="" val="1725451570501"/>
       </p:ext>
     </p:extLst>
   </p:cSld>
@@ -5025,7 +5052,7 @@
           <p:cNvPr id="2" name="TextShape 1">
             <a:extLst>
               <a:ext uri="{7AF3C720-403D-4EE8-B260-D7CE29F00EE5}">
-                <a16:creationId xmlns="" xmlns:c="http://schemas.openxmlformats.org/drawingml/2006/chart" xmlns:cs="http://schemas.microsoft.com/office/drawing/2012/chartStyle" xmlns:ns1="http://schemas.openxmlformats.org/officeDocument/2006/extended-properties" xmlns:vt="http://schemas.openxmlformats.org/officeDocument/2006/docPropsVTypes" xmlns:a16="http://schemas.microsoft.com/office/drawing/2010/main" id="{DCAE2079-996D-4287-B101-5DED7568FB6C}"/>
+                <a16:creationId xmlns:a16="http://schemas.microsoft.com/office/drawing/2010/main" xmlns:vt="http://schemas.openxmlformats.org/officeDocument/2006/docPropsVTypes" xmlns:ns1="http://schemas.openxmlformats.org/officeDocument/2006/extended-properties" xmlns:cs="http://schemas.microsoft.com/office/drawing/2012/chartStyle" xmlns:c="http://schemas.openxmlformats.org/drawingml/2006/chart" xmlns="" id="{DCAE2079-996D-4287-B101-5DED7568FB6C}"/>
               </a:ext>
             </a:extLst>
           </p:cNvPr>
@@ -5071,7 +5098,7 @@
           <p:cNvPr id="3" name="TextShape 3">
             <a:extLst>
               <a:ext uri="{0F023CFB-0474-42F5-8969-7BAB76B57B70}">
-                <a16:creationId xmlns="" xmlns:c="http://schemas.openxmlformats.org/drawingml/2006/chart" xmlns:cs="http://schemas.microsoft.com/office/drawing/2012/chartStyle" xmlns:ns1="http://schemas.openxmlformats.org/officeDocument/2006/extended-properties" xmlns:vt="http://schemas.openxmlformats.org/officeDocument/2006/docPropsVTypes" xmlns:a16="http://schemas.microsoft.com/office/drawing/2010/main" id="{719A4E03-389A-42D6-AED8-7A1676125D38}"/>
+                <a16:creationId xmlns:a16="http://schemas.microsoft.com/office/drawing/2010/main" xmlns:vt="http://schemas.openxmlformats.org/officeDocument/2006/docPropsVTypes" xmlns:ns1="http://schemas.openxmlformats.org/officeDocument/2006/extended-properties" xmlns:cs="http://schemas.microsoft.com/office/drawing/2012/chartStyle" xmlns:c="http://schemas.openxmlformats.org/drawingml/2006/chart" xmlns="" id="{719A4E03-389A-42D6-AED8-7A1676125D38}"/>
               </a:ext>
             </a:extLst>
           </p:cNvPr>
@@ -5124,7 +5151,7 @@
           <p:cNvPr id="4" name="TextShape 2">
             <a:extLst>
               <a:ext uri="{5E4843A5-BAB9-4E82-A25E-6FFA728D6EAE}">
-                <a16:creationId xmlns="" xmlns:c="http://schemas.openxmlformats.org/drawingml/2006/chart" xmlns:cs="http://schemas.microsoft.com/office/drawing/2012/chartStyle" xmlns:ns1="http://schemas.openxmlformats.org/officeDocument/2006/extended-properties" xmlns:vt="http://schemas.openxmlformats.org/officeDocument/2006/docPropsVTypes" xmlns:a16="http://schemas.microsoft.com/office/drawing/2010/main" id="{AF713B40-E3A3-4688-9966-717F02CC6754}"/>
+                <a16:creationId xmlns:a16="http://schemas.microsoft.com/office/drawing/2010/main" xmlns:vt="http://schemas.openxmlformats.org/officeDocument/2006/docPropsVTypes" xmlns:ns1="http://schemas.openxmlformats.org/officeDocument/2006/extended-properties" xmlns:cs="http://schemas.microsoft.com/office/drawing/2012/chartStyle" xmlns:c="http://schemas.openxmlformats.org/drawingml/2006/chart" xmlns="" id="{AF713B40-E3A3-4688-9966-717F02CC6754}"/>
               </a:ext>
             </a:extLst>
           </p:cNvPr>
@@ -5182,7 +5209,7 @@
     </p:spTree>
     <p:extLst>
       <p:ext uri="{55BFAAAF-8B53-42BE-9435-6FCDD3E07624}">
-        <p14:creationId xmlns="" xmlns:c="http://schemas.openxmlformats.org/drawingml/2006/chart" xmlns:cs="http://schemas.microsoft.com/office/drawing/2012/chartStyle" xmlns:ns1="http://schemas.openxmlformats.org/officeDocument/2006/extended-properties" xmlns:vt="http://schemas.openxmlformats.org/officeDocument/2006/docPropsVTypes" xmlns:p14="http://schemas.microsoft.com/office/powerpoint/2010/main" val="1725451570515"/>
+        <p14:creationId xmlns:p14="http://schemas.microsoft.com/office/powerpoint/2010/main" xmlns:vt="http://schemas.openxmlformats.org/officeDocument/2006/docPropsVTypes" xmlns:ns1="http://schemas.openxmlformats.org/officeDocument/2006/extended-properties" xmlns:cs="http://schemas.microsoft.com/office/drawing/2012/chartStyle" xmlns:c="http://schemas.openxmlformats.org/drawingml/2006/chart" xmlns="" val="1725451570515"/>
       </p:ext>
     </p:extLst>
   </p:cSld>
@@ -5223,7 +5250,7 @@
                 <a16:creationId xmlns:a16="http://schemas.microsoft.com/office/drawing/2014/main" id="{0C5247CB-5F91-FE7B-8ADC-469EE72DC374}"/>
               </a:ext>
               <a:ext uri="{7AF3C720-403D-4EE8-B260-D7CE29F00EE5}">
-                <a16:creationId xmlns:a16="http://schemas.microsoft.com/office/drawing/2010/main" xmlns:vt="http://schemas.openxmlformats.org/officeDocument/2006/docPropsVTypes" xmlns:ns1="http://schemas.openxmlformats.org/officeDocument/2006/extended-properties" xmlns:cs="http://schemas.microsoft.com/office/drawing/2012/chartStyle" xmlns:c="http://schemas.openxmlformats.org/drawingml/2006/chart" xmlns="" id="{DCAE2079-996D-4287-B101-5DED7568FB6C}"/>
+                <a16:creationId xmlns="" xmlns:c="http://schemas.openxmlformats.org/drawingml/2006/chart" xmlns:cs="http://schemas.microsoft.com/office/drawing/2012/chartStyle" xmlns:ns1="http://schemas.openxmlformats.org/officeDocument/2006/extended-properties" xmlns:vt="http://schemas.openxmlformats.org/officeDocument/2006/docPropsVTypes" xmlns:a16="http://schemas.microsoft.com/office/drawing/2010/main" id="{DCAE2079-996D-4287-B101-5DED7568FB6C}"/>
               </a:ext>
             </a:extLst>
           </p:cNvPr>
@@ -5281,7 +5308,7 @@
                 <a16:creationId xmlns:a16="http://schemas.microsoft.com/office/drawing/2014/main" id="{E99884A3-8F33-E6BF-A9B0-7C8383C37D5E}"/>
               </a:ext>
               <a:ext uri="{0F023CFB-0474-42F5-8969-7BAB76B57B70}">
-                <a16:creationId xmlns:a16="http://schemas.microsoft.com/office/drawing/2010/main" xmlns:vt="http://schemas.openxmlformats.org/officeDocument/2006/docPropsVTypes" xmlns:ns1="http://schemas.openxmlformats.org/officeDocument/2006/extended-properties" xmlns:cs="http://schemas.microsoft.com/office/drawing/2012/chartStyle" xmlns:c="http://schemas.openxmlformats.org/drawingml/2006/chart" xmlns="" id="{719A4E03-389A-42D6-AED8-7A1676125D38}"/>
+                <a16:creationId xmlns="" xmlns:c="http://schemas.openxmlformats.org/drawingml/2006/chart" xmlns:cs="http://schemas.microsoft.com/office/drawing/2012/chartStyle" xmlns:ns1="http://schemas.openxmlformats.org/officeDocument/2006/extended-properties" xmlns:vt="http://schemas.openxmlformats.org/officeDocument/2006/docPropsVTypes" xmlns:a16="http://schemas.microsoft.com/office/drawing/2010/main" id="{719A4E03-389A-42D6-AED8-7A1676125D38}"/>
               </a:ext>
             </a:extLst>
           </p:cNvPr>
@@ -5337,7 +5364,7 @@
                 <a16:creationId xmlns:a16="http://schemas.microsoft.com/office/drawing/2014/main" id="{FECC3429-EB61-A90F-F09E-D5646FCD2C1E}"/>
               </a:ext>
               <a:ext uri="{5E4843A5-BAB9-4E82-A25E-6FFA728D6EAE}">
-                <a16:creationId xmlns:a16="http://schemas.microsoft.com/office/drawing/2010/main" xmlns:vt="http://schemas.openxmlformats.org/officeDocument/2006/docPropsVTypes" xmlns:ns1="http://schemas.openxmlformats.org/officeDocument/2006/extended-properties" xmlns:cs="http://schemas.microsoft.com/office/drawing/2012/chartStyle" xmlns:c="http://schemas.openxmlformats.org/drawingml/2006/chart" xmlns="" id="{AF713B40-E3A3-4688-9966-717F02CC6754}"/>
+                <a16:creationId xmlns="" xmlns:c="http://schemas.openxmlformats.org/drawingml/2006/chart" xmlns:cs="http://schemas.microsoft.com/office/drawing/2012/chartStyle" xmlns:ns1="http://schemas.openxmlformats.org/officeDocument/2006/extended-properties" xmlns:vt="http://schemas.openxmlformats.org/officeDocument/2006/docPropsVTypes" xmlns:a16="http://schemas.microsoft.com/office/drawing/2010/main" id="{AF713B40-E3A3-4688-9966-717F02CC6754}"/>
               </a:ext>
             </a:extLst>
           </p:cNvPr>
@@ -5623,7 +5650,7 @@
         <p14:creationId xmlns:p14="http://schemas.microsoft.com/office/powerpoint/2010/main" val="2398573024"/>
       </p:ext>
       <p:ext uri="{55BFAAAF-8B53-42BE-9435-6FCDD3E07624}">
-        <p14:creationId xmlns:p14="http://schemas.microsoft.com/office/powerpoint/2010/main" xmlns:vt="http://schemas.openxmlformats.org/officeDocument/2006/docPropsVTypes" xmlns:ns1="http://schemas.openxmlformats.org/officeDocument/2006/extended-properties" xmlns:cs="http://schemas.microsoft.com/office/drawing/2012/chartStyle" xmlns:c="http://schemas.openxmlformats.org/drawingml/2006/chart" xmlns="" val="1725451570515"/>
+        <p14:creationId xmlns="" xmlns:c="http://schemas.openxmlformats.org/drawingml/2006/chart" xmlns:cs="http://schemas.microsoft.com/office/drawing/2012/chartStyle" xmlns:ns1="http://schemas.openxmlformats.org/officeDocument/2006/extended-properties" xmlns:vt="http://schemas.openxmlformats.org/officeDocument/2006/docPropsVTypes" xmlns:p14="http://schemas.microsoft.com/office/powerpoint/2010/main" val="1725451570515"/>
       </p:ext>
     </p:extLst>
   </p:cSld>
@@ -5655,7 +5682,7 @@
           <p:cNvPr id="2" name="TextShape 1">
             <a:extLst>
               <a:ext uri="{EB3431F4-4BB7-4DBF-B92F-27F43EDC8454}">
-                <a16:creationId xmlns="" xmlns:c="http://schemas.openxmlformats.org/drawingml/2006/chart" xmlns:cs="http://schemas.microsoft.com/office/drawing/2012/chartStyle" xmlns:ns1="http://schemas.openxmlformats.org/officeDocument/2006/extended-properties" xmlns:vt="http://schemas.openxmlformats.org/officeDocument/2006/docPropsVTypes" xmlns:a16="http://schemas.microsoft.com/office/drawing/2010/main" id="{0EA175CE-BDA2-4440-8674-D07C356B121B}"/>
+                <a16:creationId xmlns:a16="http://schemas.microsoft.com/office/drawing/2010/main" xmlns:vt="http://schemas.openxmlformats.org/officeDocument/2006/docPropsVTypes" xmlns:ns1="http://schemas.openxmlformats.org/officeDocument/2006/extended-properties" xmlns:cs="http://schemas.microsoft.com/office/drawing/2012/chartStyle" xmlns:c="http://schemas.openxmlformats.org/drawingml/2006/chart" xmlns="" id="{0EA175CE-BDA2-4440-8674-D07C356B121B}"/>
               </a:ext>
             </a:extLst>
           </p:cNvPr>
@@ -5701,7 +5728,7 @@
           <p:cNvPr id="3" name="TextShape 3">
             <a:extLst>
               <a:ext uri="{9AE72409-A8FA-4E43-9D86-979837CD1B1D}">
-                <a16:creationId xmlns="" xmlns:c="http://schemas.openxmlformats.org/drawingml/2006/chart" xmlns:cs="http://schemas.microsoft.com/office/drawing/2012/chartStyle" xmlns:ns1="http://schemas.openxmlformats.org/officeDocument/2006/extended-properties" xmlns:vt="http://schemas.openxmlformats.org/officeDocument/2006/docPropsVTypes" xmlns:a16="http://schemas.microsoft.com/office/drawing/2010/main" id="{E8857C45-BED2-4DCB-A2CB-898C12BC84DB}"/>
+                <a16:creationId xmlns:a16="http://schemas.microsoft.com/office/drawing/2010/main" xmlns:vt="http://schemas.openxmlformats.org/officeDocument/2006/docPropsVTypes" xmlns:ns1="http://schemas.openxmlformats.org/officeDocument/2006/extended-properties" xmlns:cs="http://schemas.microsoft.com/office/drawing/2012/chartStyle" xmlns:c="http://schemas.openxmlformats.org/drawingml/2006/chart" xmlns="" id="{E8857C45-BED2-4DCB-A2CB-898C12BC84DB}"/>
               </a:ext>
             </a:extLst>
           </p:cNvPr>
@@ -5752,7 +5779,7 @@
     </p:spTree>
     <p:extLst>
       <p:ext uri="{D8681DED-C0B5-4A01-AA0A-4C71C5C739F1}">
-        <p14:creationId xmlns="" xmlns:c="http://schemas.openxmlformats.org/drawingml/2006/chart" xmlns:cs="http://schemas.microsoft.com/office/drawing/2012/chartStyle" xmlns:ns1="http://schemas.openxmlformats.org/officeDocument/2006/extended-properties" xmlns:vt="http://schemas.openxmlformats.org/officeDocument/2006/docPropsVTypes" xmlns:p14="http://schemas.microsoft.com/office/powerpoint/2010/main" val="1725451570516"/>
+        <p14:creationId xmlns:p14="http://schemas.microsoft.com/office/powerpoint/2010/main" xmlns:vt="http://schemas.openxmlformats.org/officeDocument/2006/docPropsVTypes" xmlns:ns1="http://schemas.openxmlformats.org/officeDocument/2006/extended-properties" xmlns:cs="http://schemas.microsoft.com/office/drawing/2012/chartStyle" xmlns:c="http://schemas.openxmlformats.org/drawingml/2006/chart" xmlns="" val="1725451570516"/>
       </p:ext>
     </p:extLst>
   </p:cSld>
@@ -5784,7 +5811,7 @@
           <p:cNvPr id="2" name="Title 1">
             <a:extLst>
               <a:ext uri="{996AF645-5A86-4B42-9BED-2A5770D898B6}">
-                <a16:creationId xmlns="" xmlns:c="http://schemas.openxmlformats.org/drawingml/2006/chart" xmlns:cs="http://schemas.microsoft.com/office/drawing/2012/chartStyle" xmlns:ns1="http://schemas.openxmlformats.org/officeDocument/2006/extended-properties" xmlns:vt="http://schemas.openxmlformats.org/officeDocument/2006/docPropsVTypes" xmlns:a16="http://schemas.microsoft.com/office/drawing/2010/main" id="{173C1C26-6C3B-47E5-800F-4EF92372E049}"/>
+                <a16:creationId xmlns:a16="http://schemas.microsoft.com/office/drawing/2010/main" xmlns:vt="http://schemas.openxmlformats.org/officeDocument/2006/docPropsVTypes" xmlns:ns1="http://schemas.openxmlformats.org/officeDocument/2006/extended-properties" xmlns:cs="http://schemas.microsoft.com/office/drawing/2012/chartStyle" xmlns:c="http://schemas.openxmlformats.org/drawingml/2006/chart" xmlns="" id="{173C1C26-6C3B-47E5-800F-4EF92372E049}"/>
               </a:ext>
             </a:extLst>
           </p:cNvPr>
@@ -5825,7 +5852,7 @@
           <p:cNvPr id="3" name="Text Placeholder 2">
             <a:extLst>
               <a:ext uri="{5AE0E925-78E6-4D69-B0CF-344770665430}">
-                <a16:creationId xmlns="" xmlns:c="http://schemas.openxmlformats.org/drawingml/2006/chart" xmlns:cs="http://schemas.microsoft.com/office/drawing/2012/chartStyle" xmlns:ns1="http://schemas.openxmlformats.org/officeDocument/2006/extended-properties" xmlns:vt="http://schemas.openxmlformats.org/officeDocument/2006/docPropsVTypes" xmlns:a16="http://schemas.microsoft.com/office/drawing/2010/main" id="{1A718510-5EAB-4EEA-9194-7CE2AE76BCB0}"/>
+                <a16:creationId xmlns:a16="http://schemas.microsoft.com/office/drawing/2010/main" xmlns:vt="http://schemas.openxmlformats.org/officeDocument/2006/docPropsVTypes" xmlns:ns1="http://schemas.openxmlformats.org/officeDocument/2006/extended-properties" xmlns:cs="http://schemas.microsoft.com/office/drawing/2012/chartStyle" xmlns:c="http://schemas.openxmlformats.org/drawingml/2006/chart" xmlns="" id="{1A718510-5EAB-4EEA-9194-7CE2AE76BCB0}"/>
               </a:ext>
             </a:extLst>
           </p:cNvPr>
@@ -5900,7 +5927,7 @@
           <p:cNvPr id="6" name="Picture 5">
             <a:extLst>
               <a:ext uri="{8E5B0347-42A0-4653-8F50-3D22370ACA14}">
-                <a16:creationId xmlns="" xmlns:c="http://schemas.openxmlformats.org/drawingml/2006/chart" xmlns:cs="http://schemas.microsoft.com/office/drawing/2012/chartStyle" xmlns:ns1="http://schemas.openxmlformats.org/officeDocument/2006/extended-properties" xmlns:vt="http://schemas.openxmlformats.org/officeDocument/2006/docPropsVTypes" xmlns:a16="http://schemas.microsoft.com/office/drawing/2010/main" id="{EF0F164D-3CDE-495F-9755-2C9DF20BBD4C}"/>
+                <a16:creationId xmlns:a16="http://schemas.microsoft.com/office/drawing/2010/main" xmlns:vt="http://schemas.openxmlformats.org/officeDocument/2006/docPropsVTypes" xmlns:ns1="http://schemas.openxmlformats.org/officeDocument/2006/extended-properties" xmlns:cs="http://schemas.microsoft.com/office/drawing/2012/chartStyle" xmlns:c="http://schemas.openxmlformats.org/drawingml/2006/chart" xmlns="" id="{EF0F164D-3CDE-495F-9755-2C9DF20BBD4C}"/>
               </a:ext>
             </a:extLst>
           </p:cNvPr>
@@ -5937,7 +5964,7 @@
     </p:spTree>
     <p:extLst>
       <p:ext uri="{79EDF9BA-1A1A-42CC-A67E-5D76495BDF32}">
-        <p14:creationId xmlns="" xmlns:c="http://schemas.openxmlformats.org/drawingml/2006/chart" xmlns:cs="http://schemas.microsoft.com/office/drawing/2012/chartStyle" xmlns:ns1="http://schemas.openxmlformats.org/officeDocument/2006/extended-properties" xmlns:vt="http://schemas.openxmlformats.org/officeDocument/2006/docPropsVTypes" xmlns:p14="http://schemas.microsoft.com/office/powerpoint/2010/main" val="1725451570505"/>
+        <p14:creationId xmlns:p14="http://schemas.microsoft.com/office/powerpoint/2010/main" xmlns:vt="http://schemas.openxmlformats.org/officeDocument/2006/docPropsVTypes" xmlns:ns1="http://schemas.openxmlformats.org/officeDocument/2006/extended-properties" xmlns:cs="http://schemas.microsoft.com/office/drawing/2012/chartStyle" xmlns:c="http://schemas.openxmlformats.org/drawingml/2006/chart" xmlns="" val="1725451570505"/>
       </p:ext>
     </p:extLst>
   </p:cSld>
@@ -5969,7 +5996,7 @@
           <p:cNvPr id="2" name="TextShape 1">
             <a:extLst>
               <a:ext uri="{018158CB-7AAD-4F13-BE9D-9E3113309920}">
-                <a16:creationId xmlns="" xmlns:c="http://schemas.openxmlformats.org/drawingml/2006/chart" xmlns:cs="http://schemas.microsoft.com/office/drawing/2012/chartStyle" xmlns:ns1="http://schemas.openxmlformats.org/officeDocument/2006/extended-properties" xmlns:vt="http://schemas.openxmlformats.org/officeDocument/2006/docPropsVTypes" xmlns:a16="http://schemas.microsoft.com/office/drawing/2010/main" id="{843A0093-F8B0-4CCB-8E7C-37DD2DBEEB89}"/>
+                <a16:creationId xmlns:a16="http://schemas.microsoft.com/office/drawing/2010/main" xmlns:vt="http://schemas.openxmlformats.org/officeDocument/2006/docPropsVTypes" xmlns:ns1="http://schemas.openxmlformats.org/officeDocument/2006/extended-properties" xmlns:cs="http://schemas.microsoft.com/office/drawing/2012/chartStyle" xmlns:c="http://schemas.openxmlformats.org/drawingml/2006/chart" xmlns="" id="{843A0093-F8B0-4CCB-8E7C-37DD2DBEEB89}"/>
               </a:ext>
             </a:extLst>
           </p:cNvPr>
@@ -6015,7 +6042,7 @@
           <p:cNvPr id="4" name="TextShape 2">
             <a:extLst>
               <a:ext uri="{D5C2878E-425B-4617-A256-934EB526FA3E}">
-                <a16:creationId xmlns="" xmlns:c="http://schemas.openxmlformats.org/drawingml/2006/chart" xmlns:cs="http://schemas.microsoft.com/office/drawing/2012/chartStyle" xmlns:ns1="http://schemas.openxmlformats.org/officeDocument/2006/extended-properties" xmlns:vt="http://schemas.openxmlformats.org/officeDocument/2006/docPropsVTypes" xmlns:a16="http://schemas.microsoft.com/office/drawing/2010/main" id="{CB9442DD-6A83-4E8B-ADC0-0377973833B5}"/>
+                <a16:creationId xmlns:a16="http://schemas.microsoft.com/office/drawing/2010/main" xmlns:vt="http://schemas.openxmlformats.org/officeDocument/2006/docPropsVTypes" xmlns:ns1="http://schemas.openxmlformats.org/officeDocument/2006/extended-properties" xmlns:cs="http://schemas.microsoft.com/office/drawing/2012/chartStyle" xmlns:c="http://schemas.openxmlformats.org/drawingml/2006/chart" xmlns="" id="{CB9442DD-6A83-4E8B-ADC0-0377973833B5}"/>
               </a:ext>
             </a:extLst>
           </p:cNvPr>
@@ -6315,7 +6342,7 @@
     </p:spTree>
     <p:extLst>
       <p:ext uri="{9BE60696-63D1-45D4-93CD-D43DBB807D6B}">
-        <p14:creationId xmlns="" xmlns:c="http://schemas.openxmlformats.org/drawingml/2006/chart" xmlns:cs="http://schemas.microsoft.com/office/drawing/2012/chartStyle" xmlns:ns1="http://schemas.openxmlformats.org/officeDocument/2006/extended-properties" xmlns:vt="http://schemas.openxmlformats.org/officeDocument/2006/docPropsVTypes" xmlns:p14="http://schemas.microsoft.com/office/powerpoint/2010/main" val="1725451570506"/>
+        <p14:creationId xmlns:p14="http://schemas.microsoft.com/office/powerpoint/2010/main" xmlns:vt="http://schemas.openxmlformats.org/officeDocument/2006/docPropsVTypes" xmlns:ns1="http://schemas.openxmlformats.org/officeDocument/2006/extended-properties" xmlns:cs="http://schemas.microsoft.com/office/drawing/2012/chartStyle" xmlns:c="http://schemas.openxmlformats.org/drawingml/2006/chart" xmlns="" val="1725451570506"/>
       </p:ext>
     </p:extLst>
   </p:cSld>
@@ -6356,7 +6383,7 @@
                 <a16:creationId xmlns:a16="http://schemas.microsoft.com/office/drawing/2014/main" id="{4A28FA5C-7C40-0973-E0A0-019C434D2E18}"/>
               </a:ext>
               <a:ext uri="{018158CB-7AAD-4F13-BE9D-9E3113309920}">
-                <a16:creationId xmlns:a16="http://schemas.microsoft.com/office/drawing/2010/main" xmlns:vt="http://schemas.openxmlformats.org/officeDocument/2006/docPropsVTypes" xmlns:ns1="http://schemas.openxmlformats.org/officeDocument/2006/extended-properties" xmlns:cs="http://schemas.microsoft.com/office/drawing/2012/chartStyle" xmlns:c="http://schemas.openxmlformats.org/drawingml/2006/chart" xmlns="" id="{843A0093-F8B0-4CCB-8E7C-37DD2DBEEB89}"/>
+                <a16:creationId xmlns="" xmlns:c="http://schemas.openxmlformats.org/drawingml/2006/chart" xmlns:cs="http://schemas.microsoft.com/office/drawing/2012/chartStyle" xmlns:ns1="http://schemas.openxmlformats.org/officeDocument/2006/extended-properties" xmlns:vt="http://schemas.openxmlformats.org/officeDocument/2006/docPropsVTypes" xmlns:a16="http://schemas.microsoft.com/office/drawing/2010/main" id="{843A0093-F8B0-4CCB-8E7C-37DD2DBEEB89}"/>
               </a:ext>
             </a:extLst>
           </p:cNvPr>
@@ -6405,7 +6432,7 @@
                 <a16:creationId xmlns:a16="http://schemas.microsoft.com/office/drawing/2014/main" id="{ECAB5FAE-55A9-ACD0-5530-8BDD03123391}"/>
               </a:ext>
               <a:ext uri="{D5C2878E-425B-4617-A256-934EB526FA3E}">
-                <a16:creationId xmlns:a16="http://schemas.microsoft.com/office/drawing/2010/main" xmlns:vt="http://schemas.openxmlformats.org/officeDocument/2006/docPropsVTypes" xmlns:ns1="http://schemas.openxmlformats.org/officeDocument/2006/extended-properties" xmlns:cs="http://schemas.microsoft.com/office/drawing/2012/chartStyle" xmlns:c="http://schemas.openxmlformats.org/drawingml/2006/chart" xmlns="" id="{CB9442DD-6A83-4E8B-ADC0-0377973833B5}"/>
+                <a16:creationId xmlns="" xmlns:c="http://schemas.openxmlformats.org/drawingml/2006/chart" xmlns:cs="http://schemas.microsoft.com/office/drawing/2012/chartStyle" xmlns:ns1="http://schemas.openxmlformats.org/officeDocument/2006/extended-properties" xmlns:vt="http://schemas.openxmlformats.org/officeDocument/2006/docPropsVTypes" xmlns:a16="http://schemas.microsoft.com/office/drawing/2010/main" id="{CB9442DD-6A83-4E8B-ADC0-0377973833B5}"/>
               </a:ext>
             </a:extLst>
           </p:cNvPr>
@@ -6743,7 +6770,7 @@
         <p14:creationId xmlns:p14="http://schemas.microsoft.com/office/powerpoint/2010/main" val="4077709394"/>
       </p:ext>
       <p:ext uri="{9BE60696-63D1-45D4-93CD-D43DBB807D6B}">
-        <p14:creationId xmlns:p14="http://schemas.microsoft.com/office/powerpoint/2010/main" xmlns:vt="http://schemas.openxmlformats.org/officeDocument/2006/docPropsVTypes" xmlns:ns1="http://schemas.openxmlformats.org/officeDocument/2006/extended-properties" xmlns:cs="http://schemas.microsoft.com/office/drawing/2012/chartStyle" xmlns:c="http://schemas.openxmlformats.org/drawingml/2006/chart" xmlns="" val="1725451570506"/>
+        <p14:creationId xmlns="" xmlns:c="http://schemas.openxmlformats.org/drawingml/2006/chart" xmlns:cs="http://schemas.microsoft.com/office/drawing/2012/chartStyle" xmlns:ns1="http://schemas.openxmlformats.org/officeDocument/2006/extended-properties" xmlns:vt="http://schemas.openxmlformats.org/officeDocument/2006/docPropsVTypes" xmlns:p14="http://schemas.microsoft.com/office/powerpoint/2010/main" val="1725451570506"/>
       </p:ext>
     </p:extLst>
   </p:cSld>
@@ -6775,7 +6802,7 @@
           <p:cNvPr id="2" name="Title 1">
             <a:extLst>
               <a:ext uri="{ABD55965-AAC0-434F-93A6-6A38A7E4326F}">
-                <a16:creationId xmlns="" xmlns:c="http://schemas.openxmlformats.org/drawingml/2006/chart" xmlns:cs="http://schemas.microsoft.com/office/drawing/2012/chartStyle" xmlns:ns1="http://schemas.openxmlformats.org/officeDocument/2006/extended-properties" xmlns:vt="http://schemas.openxmlformats.org/officeDocument/2006/docPropsVTypes" xmlns:a16="http://schemas.microsoft.com/office/drawing/2010/main" id="{5CFEA8B9-342E-431D-B16F-C027D965B073}"/>
+                <a16:creationId xmlns:a16="http://schemas.microsoft.com/office/drawing/2010/main" xmlns:vt="http://schemas.openxmlformats.org/officeDocument/2006/docPropsVTypes" xmlns:ns1="http://schemas.openxmlformats.org/officeDocument/2006/extended-properties" xmlns:cs="http://schemas.microsoft.com/office/drawing/2012/chartStyle" xmlns:c="http://schemas.openxmlformats.org/drawingml/2006/chart" xmlns="" id="{5CFEA8B9-342E-431D-B16F-C027D965B073}"/>
               </a:ext>
             </a:extLst>
           </p:cNvPr>
@@ -6814,7 +6841,7 @@
           <p:cNvPr id="3" name="TextBox 3">
             <a:extLst>
               <a:ext uri="{8DCBD04A-EFBF-4DCF-9195-5F835808891B}">
-                <a16:creationId xmlns="" xmlns:c="http://schemas.openxmlformats.org/drawingml/2006/chart" xmlns:cs="http://schemas.microsoft.com/office/drawing/2012/chartStyle" xmlns:ns1="http://schemas.openxmlformats.org/officeDocument/2006/extended-properties" xmlns:vt="http://schemas.openxmlformats.org/officeDocument/2006/docPropsVTypes" xmlns:a16="http://schemas.microsoft.com/office/drawing/2010/main" id="{4284C9B5-4E97-4CAA-AFDC-22CD81C77859}"/>
+                <a16:creationId xmlns:a16="http://schemas.microsoft.com/office/drawing/2010/main" xmlns:vt="http://schemas.openxmlformats.org/officeDocument/2006/docPropsVTypes" xmlns:ns1="http://schemas.openxmlformats.org/officeDocument/2006/extended-properties" xmlns:cs="http://schemas.microsoft.com/office/drawing/2012/chartStyle" xmlns:c="http://schemas.openxmlformats.org/drawingml/2006/chart" xmlns="" id="{4284C9B5-4E97-4CAA-AFDC-22CD81C77859}"/>
               </a:ext>
             </a:extLst>
           </p:cNvPr>
@@ -7849,7 +7876,7 @@
     </p:spTree>
     <p:extLst>
       <p:ext uri="{C96DE47B-A4A2-4C14-967B-4E240D95E6FF}">
-        <p14:creationId xmlns="" xmlns:c="http://schemas.openxmlformats.org/drawingml/2006/chart" xmlns:cs="http://schemas.microsoft.com/office/drawing/2012/chartStyle" xmlns:ns1="http://schemas.openxmlformats.org/officeDocument/2006/extended-properties" xmlns:vt="http://schemas.openxmlformats.org/officeDocument/2006/docPropsVTypes" xmlns:p14="http://schemas.microsoft.com/office/powerpoint/2010/main" val="1725451570508"/>
+        <p14:creationId xmlns:p14="http://schemas.microsoft.com/office/powerpoint/2010/main" xmlns:vt="http://schemas.openxmlformats.org/officeDocument/2006/docPropsVTypes" xmlns:ns1="http://schemas.openxmlformats.org/officeDocument/2006/extended-properties" xmlns:cs="http://schemas.microsoft.com/office/drawing/2012/chartStyle" xmlns:c="http://schemas.openxmlformats.org/drawingml/2006/chart" xmlns="" val="1725451570508"/>
       </p:ext>
     </p:extLst>
   </p:cSld>
@@ -9193,7 +9220,7 @@
           <p:cNvPr id="2" name="Title 1">
             <a:extLst>
               <a:ext uri="{CEC05665-2C14-425B-ADBE-DAA735154B5B}">
-                <a16:creationId xmlns="" xmlns:c="http://schemas.openxmlformats.org/drawingml/2006/chart" xmlns:cs="http://schemas.microsoft.com/office/drawing/2012/chartStyle" xmlns:ns1="http://schemas.openxmlformats.org/officeDocument/2006/extended-properties" xmlns:vt="http://schemas.openxmlformats.org/officeDocument/2006/docPropsVTypes" xmlns:a16="http://schemas.microsoft.com/office/drawing/2010/main" id="{5B7214BF-BFCD-4425-9B1B-EC3795D8A7EF}"/>
+                <a16:creationId xmlns:a16="http://schemas.microsoft.com/office/drawing/2010/main" xmlns:vt="http://schemas.openxmlformats.org/officeDocument/2006/docPropsVTypes" xmlns:ns1="http://schemas.openxmlformats.org/officeDocument/2006/extended-properties" xmlns:cs="http://schemas.microsoft.com/office/drawing/2012/chartStyle" xmlns:c="http://schemas.openxmlformats.org/drawingml/2006/chart" xmlns="" id="{5B7214BF-BFCD-4425-9B1B-EC3795D8A7EF}"/>
               </a:ext>
             </a:extLst>
           </p:cNvPr>
@@ -9224,7 +9251,7 @@
           <p:cNvPr id="3" name="TextBox 2">
             <a:extLst>
               <a:ext uri="{78EC0886-F137-4378-AE8E-43EC76ADCEF9}">
-                <a16:creationId xmlns="" xmlns:c="http://schemas.openxmlformats.org/drawingml/2006/chart" xmlns:cs="http://schemas.microsoft.com/office/drawing/2012/chartStyle" xmlns:ns1="http://schemas.openxmlformats.org/officeDocument/2006/extended-properties" xmlns:vt="http://schemas.openxmlformats.org/officeDocument/2006/docPropsVTypes" xmlns:a16="http://schemas.microsoft.com/office/drawing/2010/main" id="{53B5C1F0-CC9B-481E-A028-911961DBD2E7}"/>
+                <a16:creationId xmlns:a16="http://schemas.microsoft.com/office/drawing/2010/main" xmlns:vt="http://schemas.openxmlformats.org/officeDocument/2006/docPropsVTypes" xmlns:ns1="http://schemas.openxmlformats.org/officeDocument/2006/extended-properties" xmlns:cs="http://schemas.microsoft.com/office/drawing/2012/chartStyle" xmlns:c="http://schemas.openxmlformats.org/drawingml/2006/chart" xmlns="" id="{53B5C1F0-CC9B-481E-A028-911961DBD2E7}"/>
               </a:ext>
             </a:extLst>
           </p:cNvPr>
@@ -9490,7 +9517,7 @@
     </p:spTree>
     <p:extLst>
       <p:ext uri="{E22729CB-0AB9-4AEB-8366-C21A23C1A9BF}">
-        <p14:creationId xmlns="" xmlns:c="http://schemas.openxmlformats.org/drawingml/2006/chart" xmlns:cs="http://schemas.microsoft.com/office/drawing/2012/chartStyle" xmlns:ns1="http://schemas.openxmlformats.org/officeDocument/2006/extended-properties" xmlns:vt="http://schemas.openxmlformats.org/officeDocument/2006/docPropsVTypes" xmlns:p14="http://schemas.microsoft.com/office/powerpoint/2010/main" val="1725451570512"/>
+        <p14:creationId xmlns:p14="http://schemas.microsoft.com/office/powerpoint/2010/main" xmlns:vt="http://schemas.openxmlformats.org/officeDocument/2006/docPropsVTypes" xmlns:ns1="http://schemas.openxmlformats.org/officeDocument/2006/extended-properties" xmlns:cs="http://schemas.microsoft.com/office/drawing/2012/chartStyle" xmlns:c="http://schemas.openxmlformats.org/drawingml/2006/chart" xmlns="" val="1725451570512"/>
       </p:ext>
     </p:extLst>
   </p:cSld>
@@ -9522,7 +9549,7 @@
           <p:cNvPr id="2" name="Text Placeholder 4">
             <a:extLst>
               <a:ext uri="{3763160F-11D0-4A7E-BC5B-FB93F9FDF400}">
-                <a16:creationId xmlns="" xmlns:c="http://schemas.openxmlformats.org/drawingml/2006/chart" xmlns:cs="http://schemas.microsoft.com/office/drawing/2012/chartStyle" xmlns:ns1="http://schemas.openxmlformats.org/officeDocument/2006/extended-properties" xmlns:vt="http://schemas.openxmlformats.org/officeDocument/2006/docPropsVTypes" xmlns:a16="http://schemas.microsoft.com/office/drawing/2010/main" id="{060E92BF-D30E-4133-83EB-E2A9A442495D}"/>
+                <a16:creationId xmlns:a16="http://schemas.microsoft.com/office/drawing/2010/main" xmlns:vt="http://schemas.openxmlformats.org/officeDocument/2006/docPropsVTypes" xmlns:ns1="http://schemas.openxmlformats.org/officeDocument/2006/extended-properties" xmlns:cs="http://schemas.microsoft.com/office/drawing/2012/chartStyle" xmlns:c="http://schemas.openxmlformats.org/drawingml/2006/chart" xmlns="" id="{060E92BF-D30E-4133-83EB-E2A9A442495D}"/>
               </a:ext>
             </a:extLst>
           </p:cNvPr>
@@ -9561,7 +9588,7 @@
           <p:cNvPr id="3" name="Text Placeholder 5">
             <a:extLst>
               <a:ext uri="{FF6109CA-1901-4625-B6FE-47CC71EB2110}">
-                <a16:creationId xmlns="" xmlns:c="http://schemas.openxmlformats.org/drawingml/2006/chart" xmlns:cs="http://schemas.microsoft.com/office/drawing/2012/chartStyle" xmlns:ns1="http://schemas.openxmlformats.org/officeDocument/2006/extended-properties" xmlns:vt="http://schemas.openxmlformats.org/officeDocument/2006/docPropsVTypes" xmlns:a16="http://schemas.microsoft.com/office/drawing/2010/main" id="{DBF85AA0-2D9E-489C-A2B9-BED882D190DB}"/>
+                <a16:creationId xmlns:a16="http://schemas.microsoft.com/office/drawing/2010/main" xmlns:vt="http://schemas.openxmlformats.org/officeDocument/2006/docPropsVTypes" xmlns:ns1="http://schemas.openxmlformats.org/officeDocument/2006/extended-properties" xmlns:cs="http://schemas.microsoft.com/office/drawing/2012/chartStyle" xmlns:c="http://schemas.openxmlformats.org/drawingml/2006/chart" xmlns="" id="{DBF85AA0-2D9E-489C-A2B9-BED882D190DB}"/>
               </a:ext>
             </a:extLst>
           </p:cNvPr>
@@ -9615,7 +9642,7 @@
           <p:cNvPr id="4" name="Title 1">
             <a:extLst>
               <a:ext uri="{E63B6A04-4D08-4A36-B734-7D942E565B37}">
-                <a16:creationId xmlns="" xmlns:c="http://schemas.openxmlformats.org/drawingml/2006/chart" xmlns:cs="http://schemas.microsoft.com/office/drawing/2012/chartStyle" xmlns:ns1="http://schemas.openxmlformats.org/officeDocument/2006/extended-properties" xmlns:vt="http://schemas.openxmlformats.org/officeDocument/2006/docPropsVTypes" xmlns:a16="http://schemas.microsoft.com/office/drawing/2010/main" id="{E6ACDA48-AEF7-44E7-A0C4-01EAC59C6776}"/>
+                <a16:creationId xmlns:a16="http://schemas.microsoft.com/office/drawing/2010/main" xmlns:vt="http://schemas.openxmlformats.org/officeDocument/2006/docPropsVTypes" xmlns:ns1="http://schemas.openxmlformats.org/officeDocument/2006/extended-properties" xmlns:cs="http://schemas.microsoft.com/office/drawing/2012/chartStyle" xmlns:c="http://schemas.openxmlformats.org/drawingml/2006/chart" xmlns="" id="{E6ACDA48-AEF7-44E7-A0C4-01EAC59C6776}"/>
               </a:ext>
             </a:extLst>
           </p:cNvPr>
@@ -9656,7 +9683,7 @@
           <p:cNvPr id="5" name="Picture 6">
             <a:extLst>
               <a:ext uri="{E4003412-91BD-4680-8CB2-407EE33EE179}">
-                <a16:creationId xmlns="" xmlns:c="http://schemas.openxmlformats.org/drawingml/2006/chart" xmlns:cs="http://schemas.microsoft.com/office/drawing/2012/chartStyle" xmlns:ns1="http://schemas.openxmlformats.org/officeDocument/2006/extended-properties" xmlns:vt="http://schemas.openxmlformats.org/officeDocument/2006/docPropsVTypes" xmlns:a16="http://schemas.microsoft.com/office/drawing/2010/main" id="{35D2D138-B3D3-485B-A426-E24B296BCE14}"/>
+                <a16:creationId xmlns:a16="http://schemas.microsoft.com/office/drawing/2010/main" xmlns:vt="http://schemas.openxmlformats.org/officeDocument/2006/docPropsVTypes" xmlns:ns1="http://schemas.openxmlformats.org/officeDocument/2006/extended-properties" xmlns:cs="http://schemas.microsoft.com/office/drawing/2012/chartStyle" xmlns:c="http://schemas.openxmlformats.org/drawingml/2006/chart" xmlns="" id="{35D2D138-B3D3-485B-A426-E24B296BCE14}"/>
               </a:ext>
             </a:extLst>
           </p:cNvPr>
@@ -9686,7 +9713,7 @@
     </p:spTree>
     <p:extLst>
       <p:ext uri="{A3940CE7-1BF6-4CB8-A6B0-627E378ECA5B}">
-        <p14:creationId xmlns="" xmlns:c="http://schemas.openxmlformats.org/drawingml/2006/chart" xmlns:cs="http://schemas.microsoft.com/office/drawing/2012/chartStyle" xmlns:ns1="http://schemas.openxmlformats.org/officeDocument/2006/extended-properties" xmlns:vt="http://schemas.openxmlformats.org/officeDocument/2006/docPropsVTypes" xmlns:p14="http://schemas.microsoft.com/office/powerpoint/2010/main" val="1725451570513"/>
+        <p14:creationId xmlns:p14="http://schemas.microsoft.com/office/powerpoint/2010/main" xmlns:vt="http://schemas.openxmlformats.org/officeDocument/2006/docPropsVTypes" xmlns:ns1="http://schemas.openxmlformats.org/officeDocument/2006/extended-properties" xmlns:cs="http://schemas.microsoft.com/office/drawing/2012/chartStyle" xmlns:c="http://schemas.openxmlformats.org/drawingml/2006/chart" xmlns="" val="1725451570513"/>
       </p:ext>
     </p:extLst>
   </p:cSld>
@@ -9727,7 +9754,7 @@
                 <a16:creationId xmlns:a16="http://schemas.microsoft.com/office/drawing/2014/main" id="{F1B934A3-6E9C-145B-9CBF-0B90F9345B25}"/>
               </a:ext>
               <a:ext uri="{3763160F-11D0-4A7E-BC5B-FB93F9FDF400}">
-                <a16:creationId xmlns:a16="http://schemas.microsoft.com/office/drawing/2010/main" xmlns:vt="http://schemas.openxmlformats.org/officeDocument/2006/docPropsVTypes" xmlns:ns1="http://schemas.openxmlformats.org/officeDocument/2006/extended-properties" xmlns:cs="http://schemas.microsoft.com/office/drawing/2012/chartStyle" xmlns:c="http://schemas.openxmlformats.org/drawingml/2006/chart" xmlns="" id="{060E92BF-D30E-4133-83EB-E2A9A442495D}"/>
+                <a16:creationId xmlns="" xmlns:c="http://schemas.openxmlformats.org/drawingml/2006/chart" xmlns:cs="http://schemas.microsoft.com/office/drawing/2012/chartStyle" xmlns:ns1="http://schemas.openxmlformats.org/officeDocument/2006/extended-properties" xmlns:vt="http://schemas.openxmlformats.org/officeDocument/2006/docPropsVTypes" xmlns:a16="http://schemas.microsoft.com/office/drawing/2010/main" id="{060E92BF-D30E-4133-83EB-E2A9A442495D}"/>
               </a:ext>
             </a:extLst>
           </p:cNvPr>
@@ -9769,7 +9796,7 @@
                 <a16:creationId xmlns:a16="http://schemas.microsoft.com/office/drawing/2014/main" id="{7012DB3A-EED6-52E3-53F0-0F60094393B5}"/>
               </a:ext>
               <a:ext uri="{FF6109CA-1901-4625-B6FE-47CC71EB2110}">
-                <a16:creationId xmlns:a16="http://schemas.microsoft.com/office/drawing/2010/main" xmlns:vt="http://schemas.openxmlformats.org/officeDocument/2006/docPropsVTypes" xmlns:ns1="http://schemas.openxmlformats.org/officeDocument/2006/extended-properties" xmlns:cs="http://schemas.microsoft.com/office/drawing/2012/chartStyle" xmlns:c="http://schemas.openxmlformats.org/drawingml/2006/chart" xmlns="" id="{DBF85AA0-2D9E-489C-A2B9-BED882D190DB}"/>
+                <a16:creationId xmlns="" xmlns:c="http://schemas.openxmlformats.org/drawingml/2006/chart" xmlns:cs="http://schemas.microsoft.com/office/drawing/2012/chartStyle" xmlns:ns1="http://schemas.openxmlformats.org/officeDocument/2006/extended-properties" xmlns:vt="http://schemas.openxmlformats.org/officeDocument/2006/docPropsVTypes" xmlns:a16="http://schemas.microsoft.com/office/drawing/2010/main" id="{DBF85AA0-2D9E-489C-A2B9-BED882D190DB}"/>
               </a:ext>
             </a:extLst>
           </p:cNvPr>
@@ -10029,7 +10056,7 @@
                 <a16:creationId xmlns:a16="http://schemas.microsoft.com/office/drawing/2014/main" id="{1DA6894B-7BCD-E748-7F2C-93739612FD2C}"/>
               </a:ext>
               <a:ext uri="{E63B6A04-4D08-4A36-B734-7D942E565B37}">
-                <a16:creationId xmlns:a16="http://schemas.microsoft.com/office/drawing/2010/main" xmlns:vt="http://schemas.openxmlformats.org/officeDocument/2006/docPropsVTypes" xmlns:ns1="http://schemas.openxmlformats.org/officeDocument/2006/extended-properties" xmlns:cs="http://schemas.microsoft.com/office/drawing/2012/chartStyle" xmlns:c="http://schemas.openxmlformats.org/drawingml/2006/chart" xmlns="" id="{E6ACDA48-AEF7-44E7-A0C4-01EAC59C6776}"/>
+                <a16:creationId xmlns="" xmlns:c="http://schemas.openxmlformats.org/drawingml/2006/chart" xmlns:cs="http://schemas.microsoft.com/office/drawing/2012/chartStyle" xmlns:ns1="http://schemas.openxmlformats.org/officeDocument/2006/extended-properties" xmlns:vt="http://schemas.openxmlformats.org/officeDocument/2006/docPropsVTypes" xmlns:a16="http://schemas.microsoft.com/office/drawing/2010/main" id="{E6ACDA48-AEF7-44E7-A0C4-01EAC59C6776}"/>
               </a:ext>
             </a:extLst>
           </p:cNvPr>
@@ -10101,7 +10128,7 @@
         <p14:creationId xmlns:p14="http://schemas.microsoft.com/office/powerpoint/2010/main" val="2503469018"/>
       </p:ext>
       <p:ext uri="{A3940CE7-1BF6-4CB8-A6B0-627E378ECA5B}">
-        <p14:creationId xmlns:p14="http://schemas.microsoft.com/office/powerpoint/2010/main" xmlns:vt="http://schemas.openxmlformats.org/officeDocument/2006/docPropsVTypes" xmlns:ns1="http://schemas.openxmlformats.org/officeDocument/2006/extended-properties" xmlns:cs="http://schemas.microsoft.com/office/drawing/2012/chartStyle" xmlns:c="http://schemas.openxmlformats.org/drawingml/2006/chart" xmlns="" val="1725451570513"/>
+        <p14:creationId xmlns="" xmlns:c="http://schemas.openxmlformats.org/drawingml/2006/chart" xmlns:cs="http://schemas.microsoft.com/office/drawing/2012/chartStyle" xmlns:ns1="http://schemas.openxmlformats.org/officeDocument/2006/extended-properties" xmlns:vt="http://schemas.openxmlformats.org/officeDocument/2006/docPropsVTypes" xmlns:p14="http://schemas.microsoft.com/office/powerpoint/2010/main" val="1725451570513"/>
       </p:ext>
     </p:extLst>
   </p:cSld>
